--- a/ppt/移动应用的动态行为捕获.pptx
+++ b/ppt/移动应用的动态行为捕获.pptx
@@ -254,7 +254,7 @@
           <a:p>
             <a:fld id="{1B2F98C7-9395-4E9A-96EC-DE4C39432AA7}" type="datetimeFigureOut">
               <a:rPr lang="zh-CN" altLang="en-US" smtClean="0"/>
-              <a:t>2019/5/27</a:t>
+              <a:t>2019/5/28</a:t>
             </a:fld>
             <a:endParaRPr lang="zh-CN" altLang="en-US"/>
           </a:p>
@@ -1108,7 +1108,7 @@
           <a:p>
             <a:fld id="{82A4C821-51AF-415E-BF5B-CDCDE3466362}" type="datetime1">
               <a:rPr lang="zh-CN" altLang="en-US" smtClean="0"/>
-              <a:t>2019/5/27</a:t>
+              <a:t>2019/5/28</a:t>
             </a:fld>
             <a:endParaRPr lang="zh-CN" altLang="en-US"/>
           </a:p>
@@ -1668,7 +1668,7 @@
         </p:nvSpPr>
         <p:spPr>
           <a:xfrm>
-            <a:off x="3526196" y="4565445"/>
+            <a:off x="5200097" y="4497351"/>
             <a:ext cx="1791805" cy="369332"/>
           </a:xfrm>
           <a:prstGeom prst="rect">
@@ -2313,7 +2313,7 @@
         </p:nvSpPr>
         <p:spPr>
           <a:xfrm>
-            <a:off x="6568074" y="4585616"/>
+            <a:off x="5060449" y="4992846"/>
             <a:ext cx="2071102" cy="369332"/>
           </a:xfrm>
           <a:prstGeom prst="rect">
@@ -2335,6 +2335,52 @@
                 <a:latin typeface="+mn-ea"/>
               </a:rPr>
               <a:t>指导老师：傅建明</a:t>
+            </a:r>
+            <a:endParaRPr lang="zh-TW" altLang="en-US" b="1" dirty="0">
+              <a:solidFill>
+                <a:srgbClr val="453D3A"/>
+              </a:solidFill>
+              <a:latin typeface="+mn-ea"/>
+            </a:endParaRPr>
+          </a:p>
+        </p:txBody>
+      </p:sp>
+      <p:sp>
+        <p:nvSpPr>
+          <p:cNvPr id="13" name="文本框 12">
+            <a:extLst>
+              <a:ext uri="{FF2B5EF4-FFF2-40B4-BE49-F238E27FC236}">
+                <a16:creationId xmlns:a16="http://schemas.microsoft.com/office/drawing/2014/main" id="{DCBDBC38-1430-4A8E-80CC-3EE7841BAA6B}"/>
+              </a:ext>
+            </a:extLst>
+          </p:cNvPr>
+          <p:cNvSpPr txBox="1"/>
+          <p:nvPr/>
+        </p:nvSpPr>
+        <p:spPr>
+          <a:xfrm>
+            <a:off x="5611197" y="5488341"/>
+            <a:ext cx="969604" cy="369332"/>
+          </a:xfrm>
+          <a:prstGeom prst="rect">
+            <a:avLst/>
+          </a:prstGeom>
+          <a:noFill/>
+        </p:spPr>
+        <p:txBody>
+          <a:bodyPr wrap="square" rtlCol="0">
+            <a:spAutoFit/>
+          </a:bodyPr>
+          <a:lstStyle/>
+          <a:p>
+            <a:r>
+              <a:rPr lang="en-US" altLang="zh-CN" b="1" dirty="0">
+                <a:solidFill>
+                  <a:srgbClr val="453D3A"/>
+                </a:solidFill>
+                <a:latin typeface="+mn-ea"/>
+              </a:rPr>
+              <a:t>2019.5</a:t>
             </a:r>
             <a:endParaRPr lang="zh-TW" altLang="en-US" b="1" dirty="0">
               <a:solidFill>
@@ -3511,42 +3557,1000 @@
           </a:p>
         </p:txBody>
       </p:sp>
-      <p:pic>
-        <p:nvPicPr>
-          <p:cNvPr id="5" name="图片 4">
+      <p:sp>
+        <p:nvSpPr>
+          <p:cNvPr id="6" name="矩形 5">
             <a:extLst>
               <a:ext uri="{FF2B5EF4-FFF2-40B4-BE49-F238E27FC236}">
-                <a16:creationId xmlns:a16="http://schemas.microsoft.com/office/drawing/2014/main" id="{081FA0F2-9EC5-4731-B5FE-59C9796B775E}"/>
+                <a16:creationId xmlns:a16="http://schemas.microsoft.com/office/drawing/2014/main" id="{52926CEB-7E97-43F9-88FE-D0122BDBB0A0}"/>
               </a:ext>
             </a:extLst>
           </p:cNvPr>
-          <p:cNvPicPr>
-            <a:picLocks noChangeAspect="1"/>
-          </p:cNvPicPr>
-          <p:nvPr/>
-        </p:nvPicPr>
-        <p:blipFill>
-          <a:blip r:embed="rId2">
+          <p:cNvSpPr/>
+          <p:nvPr/>
+        </p:nvSpPr>
+        <p:spPr>
+          <a:xfrm>
+            <a:off x="6334278" y="1364882"/>
+            <a:ext cx="1105175" cy="756255"/>
+          </a:xfrm>
+          <a:prstGeom prst="rect">
+            <a:avLst/>
+          </a:prstGeom>
+          <a:noFill/>
+          <a:ln w="25400">
+            <a:solidFill>
+              <a:schemeClr val="accent1">
+                <a:lumMod val="75000"/>
+              </a:schemeClr>
+            </a:solidFill>
+          </a:ln>
+        </p:spPr>
+        <p:style>
+          <a:lnRef idx="2">
+            <a:schemeClr val="accent1">
+              <a:shade val="50000"/>
+            </a:schemeClr>
+          </a:lnRef>
+          <a:fillRef idx="1">
+            <a:schemeClr val="accent1"/>
+          </a:fillRef>
+          <a:effectRef idx="0">
+            <a:schemeClr val="accent1"/>
+          </a:effectRef>
+          <a:fontRef idx="minor">
+            <a:schemeClr val="lt1"/>
+          </a:fontRef>
+        </p:style>
+        <p:txBody>
+          <a:bodyPr rtlCol="0" anchor="ctr"/>
+          <a:lstStyle/>
+          <a:p>
+            <a:pPr algn="ctr"/>
+            <a:r>
+              <a:rPr lang="en-US" altLang="zh-CN" dirty="0">
+                <a:solidFill>
+                  <a:sysClr val="windowText" lastClr="000000"/>
+                </a:solidFill>
+              </a:rPr>
+              <a:t>Zygote</a:t>
+            </a:r>
+            <a:endParaRPr lang="zh-CN" altLang="en-US" dirty="0">
+              <a:solidFill>
+                <a:sysClr val="windowText" lastClr="000000"/>
+              </a:solidFill>
+            </a:endParaRPr>
+          </a:p>
+        </p:txBody>
+      </p:sp>
+      <p:sp>
+        <p:nvSpPr>
+          <p:cNvPr id="7" name="矩形 6">
             <a:extLst>
-              <a:ext uri="{28A0092B-C50C-407E-A947-70E740481C1C}">
-                <a14:useLocalDpi xmlns:a14="http://schemas.microsoft.com/office/drawing/2010/main" val="0"/>
+              <a:ext uri="{FF2B5EF4-FFF2-40B4-BE49-F238E27FC236}">
+                <a16:creationId xmlns:a16="http://schemas.microsoft.com/office/drawing/2014/main" id="{8CC1C369-91A2-41FE-B5EA-5F83038C94BF}"/>
               </a:ext>
             </a:extLst>
-          </a:blip>
-          <a:stretch>
-            <a:fillRect/>
-          </a:stretch>
-        </p:blipFill>
-        <p:spPr>
-          <a:xfrm>
-            <a:off x="2685892" y="1087347"/>
-            <a:ext cx="5772308" cy="5065682"/>
+          </p:cNvPr>
+          <p:cNvSpPr/>
+          <p:nvPr/>
+        </p:nvSpPr>
+        <p:spPr>
+          <a:xfrm>
+            <a:off x="1251400" y="1364881"/>
+            <a:ext cx="1144183" cy="756255"/>
           </a:xfrm>
           <a:prstGeom prst="rect">
             <a:avLst/>
           </a:prstGeom>
-        </p:spPr>
-      </p:pic>
+          <a:noFill/>
+          <a:ln w="25400">
+            <a:solidFill>
+              <a:schemeClr val="accent1">
+                <a:lumMod val="75000"/>
+              </a:schemeClr>
+            </a:solidFill>
+          </a:ln>
+        </p:spPr>
+        <p:style>
+          <a:lnRef idx="2">
+            <a:schemeClr val="accent1">
+              <a:shade val="50000"/>
+            </a:schemeClr>
+          </a:lnRef>
+          <a:fillRef idx="1">
+            <a:schemeClr val="accent1"/>
+          </a:fillRef>
+          <a:effectRef idx="0">
+            <a:schemeClr val="accent1"/>
+          </a:effectRef>
+          <a:fontRef idx="minor">
+            <a:schemeClr val="lt1"/>
+          </a:fontRef>
+        </p:style>
+        <p:txBody>
+          <a:bodyPr rtlCol="0" anchor="ctr"/>
+          <a:lstStyle/>
+          <a:p>
+            <a:pPr algn="ctr"/>
+            <a:r>
+              <a:rPr lang="zh-CN" altLang="en-US" dirty="0">
+                <a:solidFill>
+                  <a:sysClr val="windowText" lastClr="000000"/>
+                </a:solidFill>
+              </a:rPr>
+              <a:t>启动器</a:t>
+            </a:r>
+            <a:r>
+              <a:rPr lang="en-US" altLang="zh-CN" dirty="0">
+                <a:solidFill>
+                  <a:sysClr val="windowText" lastClr="000000"/>
+                </a:solidFill>
+              </a:rPr>
+              <a:t>/</a:t>
+            </a:r>
+            <a:r>
+              <a:rPr lang="zh-CN" altLang="en-US" dirty="0">
+                <a:solidFill>
+                  <a:sysClr val="windowText" lastClr="000000"/>
+                </a:solidFill>
+              </a:rPr>
+              <a:t>其他应用</a:t>
+            </a:r>
+          </a:p>
+        </p:txBody>
+      </p:sp>
+      <p:sp>
+        <p:nvSpPr>
+          <p:cNvPr id="10" name="矩形 9">
+            <a:extLst>
+              <a:ext uri="{FF2B5EF4-FFF2-40B4-BE49-F238E27FC236}">
+                <a16:creationId xmlns:a16="http://schemas.microsoft.com/office/drawing/2014/main" id="{E6D51A8E-37E4-4500-9714-5714E110AD74}"/>
+              </a:ext>
+            </a:extLst>
+          </p:cNvPr>
+          <p:cNvSpPr/>
+          <p:nvPr/>
+        </p:nvSpPr>
+        <p:spPr>
+          <a:xfrm>
+            <a:off x="3513910" y="1364881"/>
+            <a:ext cx="1727897" cy="756255"/>
+          </a:xfrm>
+          <a:prstGeom prst="rect">
+            <a:avLst/>
+          </a:prstGeom>
+          <a:noFill/>
+          <a:ln w="25400">
+            <a:solidFill>
+              <a:schemeClr val="accent1">
+                <a:lumMod val="75000"/>
+              </a:schemeClr>
+            </a:solidFill>
+          </a:ln>
+        </p:spPr>
+        <p:style>
+          <a:lnRef idx="2">
+            <a:schemeClr val="accent1">
+              <a:shade val="50000"/>
+            </a:schemeClr>
+          </a:lnRef>
+          <a:fillRef idx="1">
+            <a:schemeClr val="accent1"/>
+          </a:fillRef>
+          <a:effectRef idx="0">
+            <a:schemeClr val="accent1"/>
+          </a:effectRef>
+          <a:fontRef idx="minor">
+            <a:schemeClr val="lt1"/>
+          </a:fontRef>
+        </p:style>
+        <p:txBody>
+          <a:bodyPr rtlCol="0" anchor="ctr"/>
+          <a:lstStyle/>
+          <a:p>
+            <a:pPr algn="ctr"/>
+            <a:r>
+              <a:rPr lang="en-US" altLang="zh-CN" dirty="0" err="1">
+                <a:solidFill>
+                  <a:sysClr val="windowText" lastClr="000000"/>
+                </a:solidFill>
+              </a:rPr>
+              <a:t>ActivityManagerService</a:t>
+            </a:r>
+            <a:endParaRPr lang="zh-CN" altLang="en-US" dirty="0">
+              <a:solidFill>
+                <a:sysClr val="windowText" lastClr="000000"/>
+              </a:solidFill>
+            </a:endParaRPr>
+          </a:p>
+        </p:txBody>
+      </p:sp>
+      <p:sp>
+        <p:nvSpPr>
+          <p:cNvPr id="14" name="文本框 13">
+            <a:extLst>
+              <a:ext uri="{FF2B5EF4-FFF2-40B4-BE49-F238E27FC236}">
+                <a16:creationId xmlns:a16="http://schemas.microsoft.com/office/drawing/2014/main" id="{E2F8FF2C-4DC6-4229-82C7-B9BFC5C076A3}"/>
+              </a:ext>
+            </a:extLst>
+          </p:cNvPr>
+          <p:cNvSpPr txBox="1"/>
+          <p:nvPr/>
+        </p:nvSpPr>
+        <p:spPr>
+          <a:xfrm>
+            <a:off x="2350495" y="1422118"/>
+            <a:ext cx="1105175" cy="646331"/>
+          </a:xfrm>
+          <a:prstGeom prst="rect">
+            <a:avLst/>
+          </a:prstGeom>
+          <a:noFill/>
+        </p:spPr>
+        <p:txBody>
+          <a:bodyPr wrap="square" rtlCol="0">
+            <a:spAutoFit/>
+          </a:bodyPr>
+          <a:lstStyle/>
+          <a:p>
+            <a:pPr algn="ctr"/>
+            <a:r>
+              <a:rPr lang="zh-CN" altLang="en-US" dirty="0"/>
+              <a:t>请求启动</a:t>
+            </a:r>
+            <a:r>
+              <a:rPr lang="en-US" altLang="zh-CN" dirty="0"/>
+              <a:t>Activity</a:t>
+            </a:r>
+            <a:endParaRPr lang="zh-CN" altLang="en-US" dirty="0"/>
+          </a:p>
+        </p:txBody>
+      </p:sp>
+      <p:cxnSp>
+        <p:nvCxnSpPr>
+          <p:cNvPr id="16" name="直接箭头连接符 15">
+            <a:extLst>
+              <a:ext uri="{FF2B5EF4-FFF2-40B4-BE49-F238E27FC236}">
+                <a16:creationId xmlns:a16="http://schemas.microsoft.com/office/drawing/2014/main" id="{A6C9C349-0A5A-499E-BDCA-487C2D968D62}"/>
+              </a:ext>
+            </a:extLst>
+          </p:cNvPr>
+          <p:cNvCxnSpPr>
+            <a:cxnSpLocks/>
+            <a:stCxn id="10" idx="3"/>
+            <a:endCxn id="6" idx="1"/>
+          </p:cNvCxnSpPr>
+          <p:nvPr/>
+        </p:nvCxnSpPr>
+        <p:spPr>
+          <a:xfrm>
+            <a:off x="5241807" y="1743009"/>
+            <a:ext cx="1092471" cy="1"/>
+          </a:xfrm>
+          <a:prstGeom prst="straightConnector1">
+            <a:avLst/>
+          </a:prstGeom>
+          <a:ln w="28575">
+            <a:tailEnd type="triangle"/>
+          </a:ln>
+        </p:spPr>
+        <p:style>
+          <a:lnRef idx="1">
+            <a:schemeClr val="accent1"/>
+          </a:lnRef>
+          <a:fillRef idx="0">
+            <a:schemeClr val="accent1"/>
+          </a:fillRef>
+          <a:effectRef idx="0">
+            <a:schemeClr val="accent1"/>
+          </a:effectRef>
+          <a:fontRef idx="minor">
+            <a:schemeClr val="tx1"/>
+          </a:fontRef>
+        </p:style>
+      </p:cxnSp>
+      <p:sp>
+        <p:nvSpPr>
+          <p:cNvPr id="18" name="文本框 17">
+            <a:extLst>
+              <a:ext uri="{FF2B5EF4-FFF2-40B4-BE49-F238E27FC236}">
+                <a16:creationId xmlns:a16="http://schemas.microsoft.com/office/drawing/2014/main" id="{456AAA24-FE0F-4FF2-A211-D4130B812CBA}"/>
+              </a:ext>
+            </a:extLst>
+          </p:cNvPr>
+          <p:cNvSpPr txBox="1"/>
+          <p:nvPr/>
+        </p:nvSpPr>
+        <p:spPr>
+          <a:xfrm>
+            <a:off x="5202755" y="1419842"/>
+            <a:ext cx="1105175" cy="646331"/>
+          </a:xfrm>
+          <a:prstGeom prst="rect">
+            <a:avLst/>
+          </a:prstGeom>
+          <a:noFill/>
+        </p:spPr>
+        <p:txBody>
+          <a:bodyPr wrap="square" rtlCol="0">
+            <a:spAutoFit/>
+          </a:bodyPr>
+          <a:lstStyle/>
+          <a:p>
+            <a:pPr algn="ctr"/>
+            <a:r>
+              <a:rPr lang="zh-CN" altLang="en-US" dirty="0"/>
+              <a:t>请求创建进程</a:t>
+            </a:r>
+          </a:p>
+        </p:txBody>
+      </p:sp>
+      <p:cxnSp>
+        <p:nvCxnSpPr>
+          <p:cNvPr id="20" name="直接箭头连接符 19">
+            <a:extLst>
+              <a:ext uri="{FF2B5EF4-FFF2-40B4-BE49-F238E27FC236}">
+                <a16:creationId xmlns:a16="http://schemas.microsoft.com/office/drawing/2014/main" id="{C6BBB0FC-393C-4820-A501-571794EFEA9C}"/>
+              </a:ext>
+            </a:extLst>
+          </p:cNvPr>
+          <p:cNvCxnSpPr>
+            <a:cxnSpLocks/>
+            <a:stCxn id="6" idx="3"/>
+            <a:endCxn id="22" idx="1"/>
+          </p:cNvCxnSpPr>
+          <p:nvPr/>
+        </p:nvCxnSpPr>
+        <p:spPr>
+          <a:xfrm>
+            <a:off x="7439453" y="1743010"/>
+            <a:ext cx="1176611" cy="0"/>
+          </a:xfrm>
+          <a:prstGeom prst="straightConnector1">
+            <a:avLst/>
+          </a:prstGeom>
+          <a:ln w="28575">
+            <a:tailEnd type="triangle"/>
+          </a:ln>
+        </p:spPr>
+        <p:style>
+          <a:lnRef idx="1">
+            <a:schemeClr val="accent1"/>
+          </a:lnRef>
+          <a:fillRef idx="0">
+            <a:schemeClr val="accent1"/>
+          </a:fillRef>
+          <a:effectRef idx="0">
+            <a:schemeClr val="accent1"/>
+          </a:effectRef>
+          <a:fontRef idx="minor">
+            <a:schemeClr val="tx1"/>
+          </a:fontRef>
+        </p:style>
+      </p:cxnSp>
+      <p:sp>
+        <p:nvSpPr>
+          <p:cNvPr id="22" name="矩形 21">
+            <a:extLst>
+              <a:ext uri="{FF2B5EF4-FFF2-40B4-BE49-F238E27FC236}">
+                <a16:creationId xmlns:a16="http://schemas.microsoft.com/office/drawing/2014/main" id="{033A1B43-0FA3-4939-AF08-E420619BC5CA}"/>
+              </a:ext>
+            </a:extLst>
+          </p:cNvPr>
+          <p:cNvSpPr/>
+          <p:nvPr/>
+        </p:nvSpPr>
+        <p:spPr>
+          <a:xfrm>
+            <a:off x="8616064" y="1364882"/>
+            <a:ext cx="1727897" cy="756255"/>
+          </a:xfrm>
+          <a:prstGeom prst="rect">
+            <a:avLst/>
+          </a:prstGeom>
+          <a:noFill/>
+          <a:ln w="25400">
+            <a:solidFill>
+              <a:schemeClr val="accent1">
+                <a:lumMod val="75000"/>
+              </a:schemeClr>
+            </a:solidFill>
+          </a:ln>
+        </p:spPr>
+        <p:style>
+          <a:lnRef idx="2">
+            <a:schemeClr val="accent1">
+              <a:shade val="50000"/>
+            </a:schemeClr>
+          </a:lnRef>
+          <a:fillRef idx="1">
+            <a:schemeClr val="accent1"/>
+          </a:fillRef>
+          <a:effectRef idx="0">
+            <a:schemeClr val="accent1"/>
+          </a:effectRef>
+          <a:fontRef idx="minor">
+            <a:schemeClr val="lt1"/>
+          </a:fontRef>
+        </p:style>
+        <p:txBody>
+          <a:bodyPr rtlCol="0" anchor="ctr"/>
+          <a:lstStyle/>
+          <a:p>
+            <a:pPr algn="ctr"/>
+            <a:r>
+              <a:rPr lang="zh-CN" altLang="en-US" dirty="0">
+                <a:solidFill>
+                  <a:sysClr val="windowText" lastClr="000000"/>
+                </a:solidFill>
+              </a:rPr>
+              <a:t>被启动的应用进程</a:t>
+            </a:r>
+          </a:p>
+        </p:txBody>
+      </p:sp>
+      <p:sp>
+        <p:nvSpPr>
+          <p:cNvPr id="23" name="文本框 22">
+            <a:extLst>
+              <a:ext uri="{FF2B5EF4-FFF2-40B4-BE49-F238E27FC236}">
+                <a16:creationId xmlns:a16="http://schemas.microsoft.com/office/drawing/2014/main" id="{6F83DBE3-A7A2-4D64-B067-AA59384F132D}"/>
+              </a:ext>
+            </a:extLst>
+          </p:cNvPr>
+          <p:cNvSpPr txBox="1"/>
+          <p:nvPr/>
+        </p:nvSpPr>
+        <p:spPr>
+          <a:xfrm>
+            <a:off x="7465801" y="1364881"/>
+            <a:ext cx="1105175" cy="369332"/>
+          </a:xfrm>
+          <a:prstGeom prst="rect">
+            <a:avLst/>
+          </a:prstGeom>
+          <a:noFill/>
+        </p:spPr>
+        <p:txBody>
+          <a:bodyPr wrap="square" rtlCol="0">
+            <a:spAutoFit/>
+          </a:bodyPr>
+          <a:lstStyle/>
+          <a:p>
+            <a:pPr algn="ctr"/>
+            <a:r>
+              <a:rPr lang="zh-CN" altLang="en-US" dirty="0"/>
+              <a:t>创建进程</a:t>
+            </a:r>
+            <a:endParaRPr lang="en-US" altLang="zh-CN" dirty="0"/>
+          </a:p>
+        </p:txBody>
+      </p:sp>
+      <p:cxnSp>
+        <p:nvCxnSpPr>
+          <p:cNvPr id="25" name="直接箭头连接符 24">
+            <a:extLst>
+              <a:ext uri="{FF2B5EF4-FFF2-40B4-BE49-F238E27FC236}">
+                <a16:creationId xmlns:a16="http://schemas.microsoft.com/office/drawing/2014/main" id="{3FC22539-266E-4380-88C7-75F6CE125065}"/>
+              </a:ext>
+            </a:extLst>
+          </p:cNvPr>
+          <p:cNvCxnSpPr>
+            <a:cxnSpLocks/>
+            <a:stCxn id="22" idx="2"/>
+            <a:endCxn id="26" idx="0"/>
+          </p:cNvCxnSpPr>
+          <p:nvPr/>
+        </p:nvCxnSpPr>
+        <p:spPr>
+          <a:xfrm>
+            <a:off x="9480013" y="2121137"/>
+            <a:ext cx="0" cy="1411134"/>
+          </a:xfrm>
+          <a:prstGeom prst="straightConnector1">
+            <a:avLst/>
+          </a:prstGeom>
+          <a:ln w="28575">
+            <a:tailEnd type="triangle"/>
+          </a:ln>
+        </p:spPr>
+        <p:style>
+          <a:lnRef idx="1">
+            <a:schemeClr val="accent1"/>
+          </a:lnRef>
+          <a:fillRef idx="0">
+            <a:schemeClr val="accent1"/>
+          </a:fillRef>
+          <a:effectRef idx="0">
+            <a:schemeClr val="accent1"/>
+          </a:effectRef>
+          <a:fontRef idx="minor">
+            <a:schemeClr val="tx1"/>
+          </a:fontRef>
+        </p:style>
+      </p:cxnSp>
+      <p:sp>
+        <p:nvSpPr>
+          <p:cNvPr id="26" name="矩形 25">
+            <a:extLst>
+              <a:ext uri="{FF2B5EF4-FFF2-40B4-BE49-F238E27FC236}">
+                <a16:creationId xmlns:a16="http://schemas.microsoft.com/office/drawing/2014/main" id="{9A7C4188-404E-4EAE-B105-1634B1E1714D}"/>
+              </a:ext>
+            </a:extLst>
+          </p:cNvPr>
+          <p:cNvSpPr/>
+          <p:nvPr/>
+        </p:nvSpPr>
+        <p:spPr>
+          <a:xfrm>
+            <a:off x="8616064" y="3532271"/>
+            <a:ext cx="1727897" cy="1096879"/>
+          </a:xfrm>
+          <a:prstGeom prst="rect">
+            <a:avLst/>
+          </a:prstGeom>
+          <a:noFill/>
+          <a:ln w="25400">
+            <a:solidFill>
+              <a:schemeClr val="accent1">
+                <a:lumMod val="75000"/>
+              </a:schemeClr>
+            </a:solidFill>
+          </a:ln>
+        </p:spPr>
+        <p:style>
+          <a:lnRef idx="2">
+            <a:schemeClr val="accent1">
+              <a:shade val="50000"/>
+            </a:schemeClr>
+          </a:lnRef>
+          <a:fillRef idx="1">
+            <a:schemeClr val="accent1"/>
+          </a:fillRef>
+          <a:effectRef idx="0">
+            <a:schemeClr val="accent1"/>
+          </a:effectRef>
+          <a:fontRef idx="minor">
+            <a:schemeClr val="lt1"/>
+          </a:fontRef>
+        </p:style>
+        <p:txBody>
+          <a:bodyPr rtlCol="0" anchor="ctr"/>
+          <a:lstStyle/>
+          <a:p>
+            <a:pPr algn="ctr"/>
+            <a:r>
+              <a:rPr lang="zh-CN" altLang="en-US" dirty="0">
+                <a:solidFill>
+                  <a:sysClr val="windowText" lastClr="000000"/>
+                </a:solidFill>
+              </a:rPr>
+              <a:t>已加载</a:t>
+            </a:r>
+            <a:r>
+              <a:rPr lang="en-US" altLang="zh-CN" dirty="0">
+                <a:solidFill>
+                  <a:sysClr val="windowText" lastClr="000000"/>
+                </a:solidFill>
+              </a:rPr>
+              <a:t>APK</a:t>
+            </a:r>
+            <a:r>
+              <a:rPr lang="zh-CN" altLang="en-US" dirty="0">
+                <a:solidFill>
+                  <a:sysClr val="windowText" lastClr="000000"/>
+                </a:solidFill>
+              </a:rPr>
+              <a:t>代码和数据的应用进程</a:t>
+            </a:r>
+          </a:p>
+        </p:txBody>
+      </p:sp>
+      <p:sp>
+        <p:nvSpPr>
+          <p:cNvPr id="27" name="文本框 26">
+            <a:extLst>
+              <a:ext uri="{FF2B5EF4-FFF2-40B4-BE49-F238E27FC236}">
+                <a16:creationId xmlns:a16="http://schemas.microsoft.com/office/drawing/2014/main" id="{C6EEA426-A221-445D-B2A9-60A00A70DBC9}"/>
+              </a:ext>
+            </a:extLst>
+          </p:cNvPr>
+          <p:cNvSpPr txBox="1"/>
+          <p:nvPr/>
+        </p:nvSpPr>
+        <p:spPr>
+          <a:xfrm>
+            <a:off x="7875358" y="2631675"/>
+            <a:ext cx="3434536" cy="646331"/>
+          </a:xfrm>
+          <a:prstGeom prst="rect">
+            <a:avLst/>
+          </a:prstGeom>
+          <a:noFill/>
+        </p:spPr>
+        <p:txBody>
+          <a:bodyPr wrap="square" rtlCol="0">
+            <a:spAutoFit/>
+          </a:bodyPr>
+          <a:lstStyle/>
+          <a:p>
+            <a:pPr algn="ctr"/>
+            <a:r>
+              <a:rPr lang="zh-CN" altLang="en-US" b="1" dirty="0"/>
+              <a:t>加载</a:t>
+            </a:r>
+            <a:r>
+              <a:rPr lang="en-US" altLang="zh-CN" b="1" dirty="0"/>
+              <a:t>APK</a:t>
+            </a:r>
+          </a:p>
+          <a:p>
+            <a:pPr algn="ctr"/>
+            <a:r>
+              <a:rPr lang="zh-CN" altLang="en-US" b="1" dirty="0"/>
+              <a:t>（</a:t>
+            </a:r>
+            <a:r>
+              <a:rPr lang="en-US" altLang="zh-CN" b="1" dirty="0" err="1"/>
+              <a:t>handleBindApplication</a:t>
+            </a:r>
+            <a:r>
+              <a:rPr lang="zh-CN" altLang="en-US" b="1" dirty="0"/>
+              <a:t>）</a:t>
+            </a:r>
+          </a:p>
+        </p:txBody>
+      </p:sp>
+      <p:cxnSp>
+        <p:nvCxnSpPr>
+          <p:cNvPr id="38" name="直接箭头连接符 37">
+            <a:extLst>
+              <a:ext uri="{FF2B5EF4-FFF2-40B4-BE49-F238E27FC236}">
+                <a16:creationId xmlns:a16="http://schemas.microsoft.com/office/drawing/2014/main" id="{6D94FFFB-F719-4174-9063-D19B7A52F815}"/>
+              </a:ext>
+            </a:extLst>
+          </p:cNvPr>
+          <p:cNvCxnSpPr>
+            <a:cxnSpLocks/>
+            <a:stCxn id="7" idx="3"/>
+            <a:endCxn id="10" idx="1"/>
+          </p:cNvCxnSpPr>
+          <p:nvPr/>
+        </p:nvCxnSpPr>
+        <p:spPr>
+          <a:xfrm>
+            <a:off x="2395583" y="1743009"/>
+            <a:ext cx="1118327" cy="0"/>
+          </a:xfrm>
+          <a:prstGeom prst="straightConnector1">
+            <a:avLst/>
+          </a:prstGeom>
+          <a:ln w="28575">
+            <a:tailEnd type="triangle"/>
+          </a:ln>
+        </p:spPr>
+        <p:style>
+          <a:lnRef idx="1">
+            <a:schemeClr val="accent1"/>
+          </a:lnRef>
+          <a:fillRef idx="0">
+            <a:schemeClr val="accent1"/>
+          </a:fillRef>
+          <a:effectRef idx="0">
+            <a:schemeClr val="accent1"/>
+          </a:effectRef>
+          <a:fontRef idx="minor">
+            <a:schemeClr val="tx1"/>
+          </a:fontRef>
+        </p:style>
+      </p:cxnSp>
+      <p:cxnSp>
+        <p:nvCxnSpPr>
+          <p:cNvPr id="46" name="连接符: 肘形 45">
+            <a:extLst>
+              <a:ext uri="{FF2B5EF4-FFF2-40B4-BE49-F238E27FC236}">
+                <a16:creationId xmlns:a16="http://schemas.microsoft.com/office/drawing/2014/main" id="{EA895359-FE1E-44B4-BCF2-CC74F73D13E1}"/>
+              </a:ext>
+            </a:extLst>
+          </p:cNvPr>
+          <p:cNvCxnSpPr>
+            <a:cxnSpLocks/>
+            <a:endCxn id="10" idx="2"/>
+          </p:cNvCxnSpPr>
+          <p:nvPr/>
+        </p:nvCxnSpPr>
+        <p:spPr>
+          <a:xfrm rot="10800000">
+            <a:off x="4377860" y="2121136"/>
+            <a:ext cx="5102153" cy="386924"/>
+          </a:xfrm>
+          <a:prstGeom prst="bentConnector2">
+            <a:avLst/>
+          </a:prstGeom>
+          <a:ln w="28575">
+            <a:tailEnd type="triangle"/>
+          </a:ln>
+        </p:spPr>
+        <p:style>
+          <a:lnRef idx="1">
+            <a:schemeClr val="accent1"/>
+          </a:lnRef>
+          <a:fillRef idx="0">
+            <a:schemeClr val="accent1"/>
+          </a:fillRef>
+          <a:effectRef idx="0">
+            <a:schemeClr val="accent1"/>
+          </a:effectRef>
+          <a:fontRef idx="minor">
+            <a:schemeClr val="tx1"/>
+          </a:fontRef>
+        </p:style>
+      </p:cxnSp>
+      <p:sp>
+        <p:nvSpPr>
+          <p:cNvPr id="47" name="文本框 46">
+            <a:extLst>
+              <a:ext uri="{FF2B5EF4-FFF2-40B4-BE49-F238E27FC236}">
+                <a16:creationId xmlns:a16="http://schemas.microsoft.com/office/drawing/2014/main" id="{1905595B-7F2C-43E9-B524-14AD1683926C}"/>
+              </a:ext>
+            </a:extLst>
+          </p:cNvPr>
+          <p:cNvSpPr txBox="1"/>
+          <p:nvPr/>
+        </p:nvSpPr>
+        <p:spPr>
+          <a:xfrm>
+            <a:off x="6096000" y="2184895"/>
+            <a:ext cx="1143000" cy="646331"/>
+          </a:xfrm>
+          <a:prstGeom prst="rect">
+            <a:avLst/>
+          </a:prstGeom>
+          <a:noFill/>
+        </p:spPr>
+        <p:txBody>
+          <a:bodyPr wrap="square" rtlCol="0">
+            <a:spAutoFit/>
+          </a:bodyPr>
+          <a:lstStyle/>
+          <a:p>
+            <a:pPr algn="ctr"/>
+            <a:r>
+              <a:rPr lang="zh-CN" altLang="en-US" dirty="0"/>
+              <a:t>注册新启动的应用</a:t>
+            </a:r>
+          </a:p>
+        </p:txBody>
+      </p:sp>
+      <p:sp>
+        <p:nvSpPr>
+          <p:cNvPr id="50" name="矩形 49">
+            <a:extLst>
+              <a:ext uri="{FF2B5EF4-FFF2-40B4-BE49-F238E27FC236}">
+                <a16:creationId xmlns:a16="http://schemas.microsoft.com/office/drawing/2014/main" id="{A5675A58-9559-4F8F-92B6-6B95B40FF44E}"/>
+              </a:ext>
+            </a:extLst>
+          </p:cNvPr>
+          <p:cNvSpPr/>
+          <p:nvPr/>
+        </p:nvSpPr>
+        <p:spPr>
+          <a:xfrm>
+            <a:off x="8753891" y="5547354"/>
+            <a:ext cx="1514059" cy="653422"/>
+          </a:xfrm>
+          <a:prstGeom prst="rect">
+            <a:avLst/>
+          </a:prstGeom>
+          <a:noFill/>
+          <a:ln w="25400">
+            <a:solidFill>
+              <a:schemeClr val="accent1">
+                <a:lumMod val="75000"/>
+              </a:schemeClr>
+            </a:solidFill>
+          </a:ln>
+        </p:spPr>
+        <p:style>
+          <a:lnRef idx="2">
+            <a:schemeClr val="accent1">
+              <a:shade val="50000"/>
+            </a:schemeClr>
+          </a:lnRef>
+          <a:fillRef idx="1">
+            <a:schemeClr val="accent1"/>
+          </a:fillRef>
+          <a:effectRef idx="0">
+            <a:schemeClr val="accent1"/>
+          </a:effectRef>
+          <a:fontRef idx="minor">
+            <a:schemeClr val="lt1"/>
+          </a:fontRef>
+        </p:style>
+        <p:txBody>
+          <a:bodyPr rtlCol="0" anchor="ctr"/>
+          <a:lstStyle/>
+          <a:p>
+            <a:pPr algn="ctr"/>
+            <a:r>
+              <a:rPr lang="zh-CN" altLang="en-US" dirty="0">
+                <a:solidFill>
+                  <a:sysClr val="windowText" lastClr="000000"/>
+                </a:solidFill>
+              </a:rPr>
+              <a:t>完成</a:t>
+            </a:r>
+          </a:p>
+        </p:txBody>
+      </p:sp>
+      <p:cxnSp>
+        <p:nvCxnSpPr>
+          <p:cNvPr id="52" name="直接箭头连接符 51">
+            <a:extLst>
+              <a:ext uri="{FF2B5EF4-FFF2-40B4-BE49-F238E27FC236}">
+                <a16:creationId xmlns:a16="http://schemas.microsoft.com/office/drawing/2014/main" id="{78534F4D-0B27-457D-999F-835D832ACC1F}"/>
+              </a:ext>
+            </a:extLst>
+          </p:cNvPr>
+          <p:cNvCxnSpPr>
+            <a:cxnSpLocks/>
+            <a:stCxn id="26" idx="2"/>
+            <a:endCxn id="50" idx="0"/>
+          </p:cNvCxnSpPr>
+          <p:nvPr/>
+        </p:nvCxnSpPr>
+        <p:spPr>
+          <a:xfrm>
+            <a:off x="9480013" y="4629150"/>
+            <a:ext cx="30908" cy="918204"/>
+          </a:xfrm>
+          <a:prstGeom prst="straightConnector1">
+            <a:avLst/>
+          </a:prstGeom>
+          <a:ln w="28575">
+            <a:tailEnd type="triangle"/>
+          </a:ln>
+        </p:spPr>
+        <p:style>
+          <a:lnRef idx="1">
+            <a:schemeClr val="accent1"/>
+          </a:lnRef>
+          <a:fillRef idx="0">
+            <a:schemeClr val="accent1"/>
+          </a:fillRef>
+          <a:effectRef idx="0">
+            <a:schemeClr val="accent1"/>
+          </a:effectRef>
+          <a:fontRef idx="minor">
+            <a:schemeClr val="tx1"/>
+          </a:fontRef>
+        </p:style>
+      </p:cxnSp>
+      <p:cxnSp>
+        <p:nvCxnSpPr>
+          <p:cNvPr id="57" name="连接符: 肘形 56">
+            <a:extLst>
+              <a:ext uri="{FF2B5EF4-FFF2-40B4-BE49-F238E27FC236}">
+                <a16:creationId xmlns:a16="http://schemas.microsoft.com/office/drawing/2014/main" id="{1A912B91-007A-47BA-9C96-10DE5F7EDB32}"/>
+              </a:ext>
+            </a:extLst>
+          </p:cNvPr>
+          <p:cNvCxnSpPr>
+            <a:cxnSpLocks/>
+            <a:endCxn id="10" idx="2"/>
+          </p:cNvCxnSpPr>
+          <p:nvPr/>
+        </p:nvCxnSpPr>
+        <p:spPr>
+          <a:xfrm rot="10800000">
+            <a:off x="4377860" y="2121137"/>
+            <a:ext cx="5102157" cy="2851785"/>
+          </a:xfrm>
+          <a:prstGeom prst="bentConnector2">
+            <a:avLst/>
+          </a:prstGeom>
+          <a:ln w="28575">
+            <a:tailEnd type="triangle"/>
+          </a:ln>
+        </p:spPr>
+        <p:style>
+          <a:lnRef idx="1">
+            <a:schemeClr val="accent1"/>
+          </a:lnRef>
+          <a:fillRef idx="0">
+            <a:schemeClr val="accent1"/>
+          </a:fillRef>
+          <a:effectRef idx="0">
+            <a:schemeClr val="accent1"/>
+          </a:effectRef>
+          <a:fontRef idx="minor">
+            <a:schemeClr val="tx1"/>
+          </a:fontRef>
+        </p:style>
+      </p:cxnSp>
+      <p:sp>
+        <p:nvSpPr>
+          <p:cNvPr id="60" name="文本框 59">
+            <a:extLst>
+              <a:ext uri="{FF2B5EF4-FFF2-40B4-BE49-F238E27FC236}">
+                <a16:creationId xmlns:a16="http://schemas.microsoft.com/office/drawing/2014/main" id="{4266333A-BA8A-412B-ACD1-FBDCD399EDCE}"/>
+              </a:ext>
+            </a:extLst>
+          </p:cNvPr>
+          <p:cNvSpPr txBox="1"/>
+          <p:nvPr/>
+        </p:nvSpPr>
+        <p:spPr>
+          <a:xfrm>
+            <a:off x="5667375" y="4649756"/>
+            <a:ext cx="2000249" cy="646331"/>
+          </a:xfrm>
+          <a:prstGeom prst="rect">
+            <a:avLst/>
+          </a:prstGeom>
+          <a:noFill/>
+        </p:spPr>
+        <p:txBody>
+          <a:bodyPr wrap="square" rtlCol="0">
+            <a:spAutoFit/>
+          </a:bodyPr>
+          <a:lstStyle/>
+          <a:p>
+            <a:pPr algn="ctr"/>
+            <a:r>
+              <a:rPr lang="zh-CN" altLang="en-US" dirty="0"/>
+              <a:t>注册和调整当前显示的</a:t>
+            </a:r>
+            <a:r>
+              <a:rPr lang="en-US" altLang="zh-CN" dirty="0"/>
+              <a:t>Activity</a:t>
+            </a:r>
+            <a:endParaRPr lang="zh-CN" altLang="en-US" dirty="0"/>
+          </a:p>
+        </p:txBody>
+      </p:sp>
+      <p:sp>
+        <p:nvSpPr>
+          <p:cNvPr id="61" name="文本框 60">
+            <a:extLst>
+              <a:ext uri="{FF2B5EF4-FFF2-40B4-BE49-F238E27FC236}">
+                <a16:creationId xmlns:a16="http://schemas.microsoft.com/office/drawing/2014/main" id="{D70464A2-C4C8-4928-87D3-B4F38CB17F3F}"/>
+              </a:ext>
+            </a:extLst>
+          </p:cNvPr>
+          <p:cNvSpPr txBox="1"/>
+          <p:nvPr/>
+        </p:nvSpPr>
+        <p:spPr>
+          <a:xfrm>
+            <a:off x="9411113" y="4775476"/>
+            <a:ext cx="1590070" cy="369332"/>
+          </a:xfrm>
+          <a:prstGeom prst="rect">
+            <a:avLst/>
+          </a:prstGeom>
+          <a:noFill/>
+        </p:spPr>
+        <p:txBody>
+          <a:bodyPr wrap="square" rtlCol="0">
+            <a:spAutoFit/>
+          </a:bodyPr>
+          <a:lstStyle/>
+          <a:p>
+            <a:pPr algn="ctr"/>
+            <a:r>
+              <a:rPr lang="zh-CN" altLang="en-US" dirty="0"/>
+              <a:t>启动</a:t>
+            </a:r>
+            <a:r>
+              <a:rPr lang="en-US" altLang="zh-CN" dirty="0"/>
+              <a:t>Activity</a:t>
+            </a:r>
+            <a:endParaRPr lang="zh-CN" altLang="en-US" dirty="0"/>
+          </a:p>
+        </p:txBody>
+      </p:sp>
     </p:spTree>
     <p:extLst>
       <p:ext uri="{BB962C8B-B14F-4D97-AF65-F5344CB8AC3E}">
@@ -3669,42 +4673,1236 @@
           </a:p>
         </p:txBody>
       </p:sp>
-      <p:pic>
-        <p:nvPicPr>
-          <p:cNvPr id="3" name="图片 2">
+      <p:sp>
+        <p:nvSpPr>
+          <p:cNvPr id="6" name="矩形 5">
             <a:extLst>
               <a:ext uri="{FF2B5EF4-FFF2-40B4-BE49-F238E27FC236}">
-                <a16:creationId xmlns:a16="http://schemas.microsoft.com/office/drawing/2014/main" id="{1F646DDA-3C01-440C-A9C8-74519BC4AC8C}"/>
+                <a16:creationId xmlns:a16="http://schemas.microsoft.com/office/drawing/2014/main" id="{10ACACC7-042A-4F6E-872A-9F135C1237A6}"/>
               </a:ext>
             </a:extLst>
           </p:cNvPr>
-          <p:cNvPicPr>
-            <a:picLocks noChangeAspect="1"/>
-          </p:cNvPicPr>
-          <p:nvPr/>
-        </p:nvPicPr>
-        <p:blipFill>
-          <a:blip r:embed="rId2">
+          <p:cNvSpPr/>
+          <p:nvPr/>
+        </p:nvSpPr>
+        <p:spPr>
+          <a:xfrm>
+            <a:off x="1098999" y="1402981"/>
+            <a:ext cx="2267977" cy="597269"/>
+          </a:xfrm>
+          <a:prstGeom prst="rect">
+            <a:avLst/>
+          </a:prstGeom>
+          <a:noFill/>
+          <a:ln w="25400">
+            <a:solidFill>
+              <a:schemeClr val="accent1">
+                <a:lumMod val="75000"/>
+              </a:schemeClr>
+            </a:solidFill>
+          </a:ln>
+        </p:spPr>
+        <p:style>
+          <a:lnRef idx="2">
+            <a:schemeClr val="accent1">
+              <a:shade val="50000"/>
+            </a:schemeClr>
+          </a:lnRef>
+          <a:fillRef idx="1">
+            <a:schemeClr val="accent1"/>
+          </a:fillRef>
+          <a:effectRef idx="0">
+            <a:schemeClr val="accent1"/>
+          </a:effectRef>
+          <a:fontRef idx="minor">
+            <a:schemeClr val="lt1"/>
+          </a:fontRef>
+        </p:style>
+        <p:txBody>
+          <a:bodyPr rtlCol="0" anchor="ctr"/>
+          <a:lstStyle/>
+          <a:p>
+            <a:pPr algn="ctr"/>
+            <a:r>
+              <a:rPr lang="en-US" altLang="zh-CN" dirty="0" err="1">
+                <a:solidFill>
+                  <a:sysClr val="windowText" lastClr="000000"/>
+                </a:solidFill>
+              </a:rPr>
+              <a:t>PathClassLoader</a:t>
+            </a:r>
+            <a:endParaRPr lang="zh-CN" altLang="en-US" dirty="0">
+              <a:solidFill>
+                <a:sysClr val="windowText" lastClr="000000"/>
+              </a:solidFill>
+            </a:endParaRPr>
+          </a:p>
+        </p:txBody>
+      </p:sp>
+      <p:sp>
+        <p:nvSpPr>
+          <p:cNvPr id="7" name="矩形 6">
             <a:extLst>
-              <a:ext uri="{28A0092B-C50C-407E-A947-70E740481C1C}">
-                <a14:useLocalDpi xmlns:a14="http://schemas.microsoft.com/office/drawing/2010/main" val="0"/>
+              <a:ext uri="{FF2B5EF4-FFF2-40B4-BE49-F238E27FC236}">
+                <a16:creationId xmlns:a16="http://schemas.microsoft.com/office/drawing/2014/main" id="{81D171DC-2434-4BDB-8FCC-F4408883BB34}"/>
               </a:ext>
             </a:extLst>
-          </a:blip>
-          <a:stretch>
-            <a:fillRect/>
-          </a:stretch>
-        </p:blipFill>
-        <p:spPr>
-          <a:xfrm>
-            <a:off x="2802810" y="1166697"/>
-            <a:ext cx="5838772" cy="5238741"/>
+          </p:cNvPr>
+          <p:cNvSpPr/>
+          <p:nvPr/>
+        </p:nvSpPr>
+        <p:spPr>
+          <a:xfrm>
+            <a:off x="3765294" y="1404306"/>
+            <a:ext cx="1622936" cy="597269"/>
           </a:xfrm>
           <a:prstGeom prst="rect">
             <a:avLst/>
           </a:prstGeom>
-        </p:spPr>
-      </p:pic>
+          <a:noFill/>
+          <a:ln w="25400">
+            <a:solidFill>
+              <a:schemeClr val="accent1">
+                <a:lumMod val="75000"/>
+              </a:schemeClr>
+            </a:solidFill>
+          </a:ln>
+        </p:spPr>
+        <p:style>
+          <a:lnRef idx="2">
+            <a:schemeClr val="accent1">
+              <a:shade val="50000"/>
+            </a:schemeClr>
+          </a:lnRef>
+          <a:fillRef idx="1">
+            <a:schemeClr val="accent1"/>
+          </a:fillRef>
+          <a:effectRef idx="0">
+            <a:schemeClr val="accent1"/>
+          </a:effectRef>
+          <a:fontRef idx="minor">
+            <a:schemeClr val="lt1"/>
+          </a:fontRef>
+        </p:style>
+        <p:txBody>
+          <a:bodyPr rtlCol="0" anchor="ctr"/>
+          <a:lstStyle/>
+          <a:p>
+            <a:pPr algn="ctr"/>
+            <a:r>
+              <a:rPr lang="en-US" altLang="zh-CN" dirty="0" err="1">
+                <a:solidFill>
+                  <a:sysClr val="windowText" lastClr="000000"/>
+                </a:solidFill>
+              </a:rPr>
+              <a:t>DexPathList</a:t>
+            </a:r>
+            <a:endParaRPr lang="zh-CN" altLang="en-US" dirty="0">
+              <a:solidFill>
+                <a:sysClr val="windowText" lastClr="000000"/>
+              </a:solidFill>
+            </a:endParaRPr>
+          </a:p>
+        </p:txBody>
+      </p:sp>
+      <p:cxnSp>
+        <p:nvCxnSpPr>
+          <p:cNvPr id="8" name="直接箭头连接符 7">
+            <a:extLst>
+              <a:ext uri="{FF2B5EF4-FFF2-40B4-BE49-F238E27FC236}">
+                <a16:creationId xmlns:a16="http://schemas.microsoft.com/office/drawing/2014/main" id="{8DC973F9-C2E3-442D-9E36-758D0A30D370}"/>
+              </a:ext>
+            </a:extLst>
+          </p:cNvPr>
+          <p:cNvCxnSpPr>
+            <a:cxnSpLocks/>
+            <a:stCxn id="6" idx="3"/>
+            <a:endCxn id="7" idx="1"/>
+          </p:cNvCxnSpPr>
+          <p:nvPr/>
+        </p:nvCxnSpPr>
+        <p:spPr>
+          <a:xfrm>
+            <a:off x="3366976" y="1701616"/>
+            <a:ext cx="398318" cy="1325"/>
+          </a:xfrm>
+          <a:prstGeom prst="straightConnector1">
+            <a:avLst/>
+          </a:prstGeom>
+          <a:ln w="28575">
+            <a:tailEnd type="triangle"/>
+          </a:ln>
+        </p:spPr>
+        <p:style>
+          <a:lnRef idx="1">
+            <a:schemeClr val="accent1"/>
+          </a:lnRef>
+          <a:fillRef idx="0">
+            <a:schemeClr val="accent1"/>
+          </a:fillRef>
+          <a:effectRef idx="0">
+            <a:schemeClr val="accent1"/>
+          </a:effectRef>
+          <a:fontRef idx="minor">
+            <a:schemeClr val="tx1"/>
+          </a:fontRef>
+        </p:style>
+      </p:cxnSp>
+      <p:sp>
+        <p:nvSpPr>
+          <p:cNvPr id="12" name="矩形 11">
+            <a:extLst>
+              <a:ext uri="{FF2B5EF4-FFF2-40B4-BE49-F238E27FC236}">
+                <a16:creationId xmlns:a16="http://schemas.microsoft.com/office/drawing/2014/main" id="{6EDAFC15-A467-4E23-9BD0-D14BF1E42243}"/>
+              </a:ext>
+            </a:extLst>
+          </p:cNvPr>
+          <p:cNvSpPr/>
+          <p:nvPr/>
+        </p:nvSpPr>
+        <p:spPr>
+          <a:xfrm>
+            <a:off x="5827094" y="1402979"/>
+            <a:ext cx="1275455" cy="597269"/>
+          </a:xfrm>
+          <a:prstGeom prst="rect">
+            <a:avLst/>
+          </a:prstGeom>
+          <a:noFill/>
+          <a:ln w="25400">
+            <a:solidFill>
+              <a:schemeClr val="accent1">
+                <a:lumMod val="75000"/>
+              </a:schemeClr>
+            </a:solidFill>
+          </a:ln>
+        </p:spPr>
+        <p:style>
+          <a:lnRef idx="2">
+            <a:schemeClr val="accent1">
+              <a:shade val="50000"/>
+            </a:schemeClr>
+          </a:lnRef>
+          <a:fillRef idx="1">
+            <a:schemeClr val="accent1"/>
+          </a:fillRef>
+          <a:effectRef idx="0">
+            <a:schemeClr val="accent1"/>
+          </a:effectRef>
+          <a:fontRef idx="minor">
+            <a:schemeClr val="lt1"/>
+          </a:fontRef>
+        </p:style>
+        <p:txBody>
+          <a:bodyPr rtlCol="0" anchor="ctr"/>
+          <a:lstStyle/>
+          <a:p>
+            <a:pPr algn="ctr"/>
+            <a:r>
+              <a:rPr lang="en-US" altLang="zh-CN" dirty="0" err="1">
+                <a:solidFill>
+                  <a:sysClr val="windowText" lastClr="000000"/>
+                </a:solidFill>
+              </a:rPr>
+              <a:t>DexFile</a:t>
+            </a:r>
+            <a:endParaRPr lang="zh-CN" altLang="en-US" dirty="0">
+              <a:solidFill>
+                <a:sysClr val="windowText" lastClr="000000"/>
+              </a:solidFill>
+            </a:endParaRPr>
+          </a:p>
+        </p:txBody>
+      </p:sp>
+      <p:cxnSp>
+        <p:nvCxnSpPr>
+          <p:cNvPr id="15" name="直接箭头连接符 14">
+            <a:extLst>
+              <a:ext uri="{FF2B5EF4-FFF2-40B4-BE49-F238E27FC236}">
+                <a16:creationId xmlns:a16="http://schemas.microsoft.com/office/drawing/2014/main" id="{F67344FB-8F10-49A9-AF44-E19AB011EBBF}"/>
+              </a:ext>
+            </a:extLst>
+          </p:cNvPr>
+          <p:cNvCxnSpPr>
+            <a:cxnSpLocks/>
+            <a:stCxn id="7" idx="3"/>
+            <a:endCxn id="12" idx="1"/>
+          </p:cNvCxnSpPr>
+          <p:nvPr/>
+        </p:nvCxnSpPr>
+        <p:spPr>
+          <a:xfrm flipV="1">
+            <a:off x="5388230" y="1701614"/>
+            <a:ext cx="438864" cy="1327"/>
+          </a:xfrm>
+          <a:prstGeom prst="straightConnector1">
+            <a:avLst/>
+          </a:prstGeom>
+          <a:ln w="28575">
+            <a:tailEnd type="triangle"/>
+          </a:ln>
+        </p:spPr>
+        <p:style>
+          <a:lnRef idx="1">
+            <a:schemeClr val="accent1"/>
+          </a:lnRef>
+          <a:fillRef idx="0">
+            <a:schemeClr val="accent1"/>
+          </a:fillRef>
+          <a:effectRef idx="0">
+            <a:schemeClr val="accent1"/>
+          </a:effectRef>
+          <a:fontRef idx="minor">
+            <a:schemeClr val="tx1"/>
+          </a:fontRef>
+        </p:style>
+      </p:cxnSp>
+      <p:sp>
+        <p:nvSpPr>
+          <p:cNvPr id="17" name="矩形 16">
+            <a:extLst>
+              <a:ext uri="{FF2B5EF4-FFF2-40B4-BE49-F238E27FC236}">
+                <a16:creationId xmlns:a16="http://schemas.microsoft.com/office/drawing/2014/main" id="{790E93BC-A37B-43D9-9616-9DFED24ECA0A}"/>
+              </a:ext>
+            </a:extLst>
+          </p:cNvPr>
+          <p:cNvSpPr/>
+          <p:nvPr/>
+        </p:nvSpPr>
+        <p:spPr>
+          <a:xfrm>
+            <a:off x="7578609" y="2892304"/>
+            <a:ext cx="2429258" cy="597269"/>
+          </a:xfrm>
+          <a:prstGeom prst="rect">
+            <a:avLst/>
+          </a:prstGeom>
+          <a:noFill/>
+          <a:ln w="25400">
+            <a:solidFill>
+              <a:schemeClr val="accent1">
+                <a:lumMod val="75000"/>
+              </a:schemeClr>
+            </a:solidFill>
+          </a:ln>
+        </p:spPr>
+        <p:style>
+          <a:lnRef idx="2">
+            <a:schemeClr val="accent1">
+              <a:shade val="50000"/>
+            </a:schemeClr>
+          </a:lnRef>
+          <a:fillRef idx="1">
+            <a:schemeClr val="accent1"/>
+          </a:fillRef>
+          <a:effectRef idx="0">
+            <a:schemeClr val="accent1"/>
+          </a:effectRef>
+          <a:fontRef idx="minor">
+            <a:schemeClr val="lt1"/>
+          </a:fontRef>
+        </p:style>
+        <p:txBody>
+          <a:bodyPr rtlCol="0" anchor="ctr"/>
+          <a:lstStyle/>
+          <a:p>
+            <a:pPr algn="ctr"/>
+            <a:r>
+              <a:rPr lang="en-US" altLang="zh-CN" b="1" dirty="0" err="1">
+                <a:solidFill>
+                  <a:sysClr val="windowText" lastClr="000000"/>
+                </a:solidFill>
+              </a:rPr>
+              <a:t>DexFile</a:t>
+            </a:r>
+            <a:r>
+              <a:rPr lang="en-US" altLang="zh-CN" b="1" dirty="0">
+                <a:solidFill>
+                  <a:sysClr val="windowText" lastClr="000000"/>
+                </a:solidFill>
+              </a:rPr>
+              <a:t>::</a:t>
+            </a:r>
+            <a:r>
+              <a:rPr lang="en-US" altLang="zh-CN" b="1" dirty="0" err="1">
+                <a:solidFill>
+                  <a:sysClr val="windowText" lastClr="000000"/>
+                </a:solidFill>
+              </a:rPr>
+              <a:t>DexFile</a:t>
+            </a:r>
+            <a:endParaRPr lang="zh-CN" altLang="en-US" b="1" dirty="0">
+              <a:solidFill>
+                <a:sysClr val="windowText" lastClr="000000"/>
+              </a:solidFill>
+            </a:endParaRPr>
+          </a:p>
+        </p:txBody>
+      </p:sp>
+      <p:sp>
+        <p:nvSpPr>
+          <p:cNvPr id="23" name="矩形 22">
+            <a:extLst>
+              <a:ext uri="{FF2B5EF4-FFF2-40B4-BE49-F238E27FC236}">
+                <a16:creationId xmlns:a16="http://schemas.microsoft.com/office/drawing/2014/main" id="{379049AD-E0AE-4AA4-987B-2B43FE91D602}"/>
+              </a:ext>
+            </a:extLst>
+          </p:cNvPr>
+          <p:cNvSpPr/>
+          <p:nvPr/>
+        </p:nvSpPr>
+        <p:spPr>
+          <a:xfrm>
+            <a:off x="7623770" y="1404306"/>
+            <a:ext cx="2338937" cy="597269"/>
+          </a:xfrm>
+          <a:prstGeom prst="rect">
+            <a:avLst/>
+          </a:prstGeom>
+          <a:noFill/>
+          <a:ln w="25400">
+            <a:solidFill>
+              <a:schemeClr val="accent1">
+                <a:lumMod val="75000"/>
+              </a:schemeClr>
+            </a:solidFill>
+          </a:ln>
+        </p:spPr>
+        <p:style>
+          <a:lnRef idx="2">
+            <a:schemeClr val="accent1">
+              <a:shade val="50000"/>
+            </a:schemeClr>
+          </a:lnRef>
+          <a:fillRef idx="1">
+            <a:schemeClr val="accent1"/>
+          </a:fillRef>
+          <a:effectRef idx="0">
+            <a:schemeClr val="accent1"/>
+          </a:effectRef>
+          <a:fontRef idx="minor">
+            <a:schemeClr val="lt1"/>
+          </a:fontRef>
+        </p:style>
+        <p:txBody>
+          <a:bodyPr rtlCol="0" anchor="ctr"/>
+          <a:lstStyle/>
+          <a:p>
+            <a:pPr algn="ctr"/>
+            <a:r>
+              <a:rPr lang="en-US" altLang="zh-CN" dirty="0" err="1">
+                <a:solidFill>
+                  <a:sysClr val="windowText" lastClr="000000"/>
+                </a:solidFill>
+              </a:rPr>
+              <a:t>DexFile</a:t>
+            </a:r>
+            <a:r>
+              <a:rPr lang="en-US" altLang="zh-CN" dirty="0">
+                <a:solidFill>
+                  <a:sysClr val="windowText" lastClr="000000"/>
+                </a:solidFill>
+              </a:rPr>
+              <a:t>.</a:t>
+            </a:r>
+          </a:p>
+          <a:p>
+            <a:pPr algn="ctr"/>
+            <a:r>
+              <a:rPr lang="en-US" altLang="zh-CN" dirty="0" err="1">
+                <a:solidFill>
+                  <a:sysClr val="windowText" lastClr="000000"/>
+                </a:solidFill>
+              </a:rPr>
+              <a:t>openDexFileNative</a:t>
+            </a:r>
+            <a:endParaRPr lang="zh-CN" altLang="en-US" dirty="0">
+              <a:solidFill>
+                <a:sysClr val="windowText" lastClr="000000"/>
+              </a:solidFill>
+            </a:endParaRPr>
+          </a:p>
+        </p:txBody>
+      </p:sp>
+      <p:cxnSp>
+        <p:nvCxnSpPr>
+          <p:cNvPr id="25" name="直接箭头连接符 24">
+            <a:extLst>
+              <a:ext uri="{FF2B5EF4-FFF2-40B4-BE49-F238E27FC236}">
+                <a16:creationId xmlns:a16="http://schemas.microsoft.com/office/drawing/2014/main" id="{A229529C-E395-4E8D-AB99-BF0B8DD77548}"/>
+              </a:ext>
+            </a:extLst>
+          </p:cNvPr>
+          <p:cNvCxnSpPr>
+            <a:cxnSpLocks/>
+            <a:stCxn id="12" idx="3"/>
+            <a:endCxn id="23" idx="1"/>
+          </p:cNvCxnSpPr>
+          <p:nvPr/>
+        </p:nvCxnSpPr>
+        <p:spPr>
+          <a:xfrm>
+            <a:off x="7102549" y="1701614"/>
+            <a:ext cx="521221" cy="1327"/>
+          </a:xfrm>
+          <a:prstGeom prst="straightConnector1">
+            <a:avLst/>
+          </a:prstGeom>
+          <a:ln w="28575">
+            <a:tailEnd type="triangle"/>
+          </a:ln>
+        </p:spPr>
+        <p:style>
+          <a:lnRef idx="1">
+            <a:schemeClr val="accent1"/>
+          </a:lnRef>
+          <a:fillRef idx="0">
+            <a:schemeClr val="accent1"/>
+          </a:fillRef>
+          <a:effectRef idx="0">
+            <a:schemeClr val="accent1"/>
+          </a:effectRef>
+          <a:fontRef idx="minor">
+            <a:schemeClr val="tx1"/>
+          </a:fontRef>
+        </p:style>
+      </p:cxnSp>
+      <p:cxnSp>
+        <p:nvCxnSpPr>
+          <p:cNvPr id="28" name="直接箭头连接符 27">
+            <a:extLst>
+              <a:ext uri="{FF2B5EF4-FFF2-40B4-BE49-F238E27FC236}">
+                <a16:creationId xmlns:a16="http://schemas.microsoft.com/office/drawing/2014/main" id="{080CDC48-0E8A-47FC-B1AB-AE4EAC2E36B7}"/>
+              </a:ext>
+            </a:extLst>
+          </p:cNvPr>
+          <p:cNvCxnSpPr>
+            <a:stCxn id="23" idx="2"/>
+            <a:endCxn id="17" idx="0"/>
+          </p:cNvCxnSpPr>
+          <p:nvPr/>
+        </p:nvCxnSpPr>
+        <p:spPr>
+          <a:xfrm flipH="1">
+            <a:off x="8793238" y="2001575"/>
+            <a:ext cx="1" cy="890729"/>
+          </a:xfrm>
+          <a:prstGeom prst="straightConnector1">
+            <a:avLst/>
+          </a:prstGeom>
+          <a:ln w="28575">
+            <a:tailEnd type="triangle"/>
+          </a:ln>
+        </p:spPr>
+        <p:style>
+          <a:lnRef idx="1">
+            <a:schemeClr val="accent1"/>
+          </a:lnRef>
+          <a:fillRef idx="0">
+            <a:schemeClr val="accent1"/>
+          </a:fillRef>
+          <a:effectRef idx="0">
+            <a:schemeClr val="accent1"/>
+          </a:effectRef>
+          <a:fontRef idx="minor">
+            <a:schemeClr val="tx1"/>
+          </a:fontRef>
+        </p:style>
+      </p:cxnSp>
+      <p:cxnSp>
+        <p:nvCxnSpPr>
+          <p:cNvPr id="31" name="直接箭头连接符 30">
+            <a:extLst>
+              <a:ext uri="{FF2B5EF4-FFF2-40B4-BE49-F238E27FC236}">
+                <a16:creationId xmlns:a16="http://schemas.microsoft.com/office/drawing/2014/main" id="{9880ECD3-3C6D-44DD-9FDD-A5B9DB654D0E}"/>
+              </a:ext>
+            </a:extLst>
+          </p:cNvPr>
+          <p:cNvCxnSpPr/>
+          <p:nvPr/>
+        </p:nvCxnSpPr>
+        <p:spPr>
+          <a:xfrm flipV="1">
+            <a:off x="8293395" y="2000248"/>
+            <a:ext cx="0" cy="892056"/>
+          </a:xfrm>
+          <a:prstGeom prst="straightConnector1">
+            <a:avLst/>
+          </a:prstGeom>
+          <a:ln w="28575">
+            <a:tailEnd type="triangle"/>
+          </a:ln>
+        </p:spPr>
+        <p:style>
+          <a:lnRef idx="1">
+            <a:schemeClr val="accent1"/>
+          </a:lnRef>
+          <a:fillRef idx="0">
+            <a:schemeClr val="accent1"/>
+          </a:fillRef>
+          <a:effectRef idx="0">
+            <a:schemeClr val="accent1"/>
+          </a:effectRef>
+          <a:fontRef idx="minor">
+            <a:schemeClr val="tx1"/>
+          </a:fontRef>
+        </p:style>
+      </p:cxnSp>
+      <p:sp>
+        <p:nvSpPr>
+          <p:cNvPr id="32" name="文本框 31">
+            <a:extLst>
+              <a:ext uri="{FF2B5EF4-FFF2-40B4-BE49-F238E27FC236}">
+                <a16:creationId xmlns:a16="http://schemas.microsoft.com/office/drawing/2014/main" id="{8563210A-06E1-43CE-A9FD-398D2254C15D}"/>
+              </a:ext>
+            </a:extLst>
+          </p:cNvPr>
+          <p:cNvSpPr txBox="1"/>
+          <p:nvPr/>
+        </p:nvSpPr>
+        <p:spPr>
+          <a:xfrm>
+            <a:off x="10225862" y="1353917"/>
+            <a:ext cx="1143000" cy="369332"/>
+          </a:xfrm>
+          <a:prstGeom prst="rect">
+            <a:avLst/>
+          </a:prstGeom>
+          <a:noFill/>
+        </p:spPr>
+        <p:txBody>
+          <a:bodyPr wrap="square" rtlCol="0">
+            <a:spAutoFit/>
+          </a:bodyPr>
+          <a:lstStyle/>
+          <a:p>
+            <a:pPr algn="ctr"/>
+            <a:r>
+              <a:rPr lang="en-US" altLang="zh-CN" dirty="0"/>
+              <a:t>Java</a:t>
+            </a:r>
+            <a:r>
+              <a:rPr lang="zh-CN" altLang="en-US" dirty="0"/>
+              <a:t>层</a:t>
+            </a:r>
+          </a:p>
+        </p:txBody>
+      </p:sp>
+      <p:sp>
+        <p:nvSpPr>
+          <p:cNvPr id="33" name="文本框 32">
+            <a:extLst>
+              <a:ext uri="{FF2B5EF4-FFF2-40B4-BE49-F238E27FC236}">
+                <a16:creationId xmlns:a16="http://schemas.microsoft.com/office/drawing/2014/main" id="{BC9EBC50-F21D-4813-833B-94E2BA253695}"/>
+              </a:ext>
+            </a:extLst>
+          </p:cNvPr>
+          <p:cNvSpPr txBox="1"/>
+          <p:nvPr/>
+        </p:nvSpPr>
+        <p:spPr>
+          <a:xfrm>
+            <a:off x="10225862" y="3006272"/>
+            <a:ext cx="1143000" cy="369332"/>
+          </a:xfrm>
+          <a:prstGeom prst="rect">
+            <a:avLst/>
+          </a:prstGeom>
+          <a:noFill/>
+        </p:spPr>
+        <p:txBody>
+          <a:bodyPr wrap="square" rtlCol="0">
+            <a:spAutoFit/>
+          </a:bodyPr>
+          <a:lstStyle/>
+          <a:p>
+            <a:pPr algn="ctr"/>
+            <a:r>
+              <a:rPr lang="zh-CN" altLang="en-US" dirty="0"/>
+              <a:t>本地层</a:t>
+            </a:r>
+          </a:p>
+        </p:txBody>
+      </p:sp>
+      <p:sp>
+        <p:nvSpPr>
+          <p:cNvPr id="35" name="矩形 34">
+            <a:extLst>
+              <a:ext uri="{FF2B5EF4-FFF2-40B4-BE49-F238E27FC236}">
+                <a16:creationId xmlns:a16="http://schemas.microsoft.com/office/drawing/2014/main" id="{DC5B0E0D-2E8E-4FBB-A4C3-EECFF6F47515}"/>
+              </a:ext>
+            </a:extLst>
+          </p:cNvPr>
+          <p:cNvSpPr/>
+          <p:nvPr/>
+        </p:nvSpPr>
+        <p:spPr>
+          <a:xfrm>
+            <a:off x="1098999" y="3969360"/>
+            <a:ext cx="2186461" cy="597269"/>
+          </a:xfrm>
+          <a:prstGeom prst="rect">
+            <a:avLst/>
+          </a:prstGeom>
+          <a:noFill/>
+          <a:ln w="25400">
+            <a:solidFill>
+              <a:schemeClr val="accent1">
+                <a:lumMod val="75000"/>
+              </a:schemeClr>
+            </a:solidFill>
+          </a:ln>
+        </p:spPr>
+        <p:style>
+          <a:lnRef idx="2">
+            <a:schemeClr val="accent1">
+              <a:shade val="50000"/>
+            </a:schemeClr>
+          </a:lnRef>
+          <a:fillRef idx="1">
+            <a:schemeClr val="accent1"/>
+          </a:fillRef>
+          <a:effectRef idx="0">
+            <a:schemeClr val="accent1"/>
+          </a:effectRef>
+          <a:fontRef idx="minor">
+            <a:schemeClr val="lt1"/>
+          </a:fontRef>
+        </p:style>
+        <p:txBody>
+          <a:bodyPr rtlCol="0" anchor="ctr"/>
+          <a:lstStyle/>
+          <a:p>
+            <a:pPr algn="ctr"/>
+            <a:r>
+              <a:rPr lang="en-US" altLang="zh-CN" dirty="0" err="1">
+                <a:solidFill>
+                  <a:sysClr val="windowText" lastClr="000000"/>
+                </a:solidFill>
+              </a:rPr>
+              <a:t>PathClassLoader</a:t>
+            </a:r>
+            <a:r>
+              <a:rPr lang="en-US" altLang="zh-CN" dirty="0">
+                <a:solidFill>
+                  <a:sysClr val="windowText" lastClr="000000"/>
+                </a:solidFill>
+              </a:rPr>
+              <a:t>.</a:t>
+            </a:r>
+          </a:p>
+          <a:p>
+            <a:pPr algn="ctr"/>
+            <a:r>
+              <a:rPr lang="en-US" altLang="zh-CN" dirty="0" err="1">
+                <a:solidFill>
+                  <a:sysClr val="windowText" lastClr="000000"/>
+                </a:solidFill>
+              </a:rPr>
+              <a:t>loadClass</a:t>
+            </a:r>
+            <a:endParaRPr lang="zh-CN" altLang="en-US" dirty="0">
+              <a:solidFill>
+                <a:sysClr val="windowText" lastClr="000000"/>
+              </a:solidFill>
+            </a:endParaRPr>
+          </a:p>
+        </p:txBody>
+      </p:sp>
+      <p:sp>
+        <p:nvSpPr>
+          <p:cNvPr id="36" name="矩形 35">
+            <a:extLst>
+              <a:ext uri="{FF2B5EF4-FFF2-40B4-BE49-F238E27FC236}">
+                <a16:creationId xmlns:a16="http://schemas.microsoft.com/office/drawing/2014/main" id="{4AFBADBE-848C-4AA5-9BC1-0CB3C7135725}"/>
+              </a:ext>
+            </a:extLst>
+          </p:cNvPr>
+          <p:cNvSpPr/>
+          <p:nvPr/>
+        </p:nvSpPr>
+        <p:spPr>
+          <a:xfrm>
+            <a:off x="3765294" y="3969359"/>
+            <a:ext cx="2890687" cy="597269"/>
+          </a:xfrm>
+          <a:prstGeom prst="rect">
+            <a:avLst/>
+          </a:prstGeom>
+          <a:noFill/>
+          <a:ln w="25400">
+            <a:solidFill>
+              <a:schemeClr val="accent1">
+                <a:lumMod val="75000"/>
+              </a:schemeClr>
+            </a:solidFill>
+          </a:ln>
+        </p:spPr>
+        <p:style>
+          <a:lnRef idx="2">
+            <a:schemeClr val="accent1">
+              <a:shade val="50000"/>
+            </a:schemeClr>
+          </a:lnRef>
+          <a:fillRef idx="1">
+            <a:schemeClr val="accent1"/>
+          </a:fillRef>
+          <a:effectRef idx="0">
+            <a:schemeClr val="accent1"/>
+          </a:effectRef>
+          <a:fontRef idx="minor">
+            <a:schemeClr val="lt1"/>
+          </a:fontRef>
+        </p:style>
+        <p:txBody>
+          <a:bodyPr rtlCol="0" anchor="ctr"/>
+          <a:lstStyle/>
+          <a:p>
+            <a:pPr algn="ctr"/>
+            <a:r>
+              <a:rPr lang="en-US" altLang="zh-CN" dirty="0" err="1">
+                <a:solidFill>
+                  <a:sysClr val="windowText" lastClr="000000"/>
+                </a:solidFill>
+              </a:rPr>
+              <a:t>DexFile</a:t>
+            </a:r>
+            <a:r>
+              <a:rPr lang="en-US" altLang="zh-CN" dirty="0">
+                <a:solidFill>
+                  <a:sysClr val="windowText" lastClr="000000"/>
+                </a:solidFill>
+              </a:rPr>
+              <a:t>.</a:t>
+            </a:r>
+          </a:p>
+          <a:p>
+            <a:pPr algn="ctr"/>
+            <a:r>
+              <a:rPr lang="en-US" altLang="zh-CN" dirty="0" err="1">
+                <a:solidFill>
+                  <a:sysClr val="windowText" lastClr="000000"/>
+                </a:solidFill>
+              </a:rPr>
+              <a:t>loadClassBinaryName</a:t>
+            </a:r>
+            <a:endParaRPr lang="zh-CN" altLang="en-US" dirty="0">
+              <a:solidFill>
+                <a:sysClr val="windowText" lastClr="000000"/>
+              </a:solidFill>
+            </a:endParaRPr>
+          </a:p>
+        </p:txBody>
+      </p:sp>
+      <p:cxnSp>
+        <p:nvCxnSpPr>
+          <p:cNvPr id="37" name="直接箭头连接符 36">
+            <a:extLst>
+              <a:ext uri="{FF2B5EF4-FFF2-40B4-BE49-F238E27FC236}">
+                <a16:creationId xmlns:a16="http://schemas.microsoft.com/office/drawing/2014/main" id="{ABE34A18-0733-489B-8B2D-7AA6CC675F71}"/>
+              </a:ext>
+            </a:extLst>
+          </p:cNvPr>
+          <p:cNvCxnSpPr>
+            <a:cxnSpLocks/>
+            <a:stCxn id="35" idx="3"/>
+            <a:endCxn id="36" idx="1"/>
+          </p:cNvCxnSpPr>
+          <p:nvPr/>
+        </p:nvCxnSpPr>
+        <p:spPr>
+          <a:xfrm flipV="1">
+            <a:off x="3285460" y="4267994"/>
+            <a:ext cx="479834" cy="1"/>
+          </a:xfrm>
+          <a:prstGeom prst="straightConnector1">
+            <a:avLst/>
+          </a:prstGeom>
+          <a:ln w="28575">
+            <a:tailEnd type="triangle"/>
+          </a:ln>
+        </p:spPr>
+        <p:style>
+          <a:lnRef idx="1">
+            <a:schemeClr val="accent1"/>
+          </a:lnRef>
+          <a:fillRef idx="0">
+            <a:schemeClr val="accent1"/>
+          </a:fillRef>
+          <a:effectRef idx="0">
+            <a:schemeClr val="accent1"/>
+          </a:effectRef>
+          <a:fontRef idx="minor">
+            <a:schemeClr val="tx1"/>
+          </a:fontRef>
+        </p:style>
+      </p:cxnSp>
+      <p:sp>
+        <p:nvSpPr>
+          <p:cNvPr id="41" name="矩形 40">
+            <a:extLst>
+              <a:ext uri="{FF2B5EF4-FFF2-40B4-BE49-F238E27FC236}">
+                <a16:creationId xmlns:a16="http://schemas.microsoft.com/office/drawing/2014/main" id="{B9CCA3D7-654F-4BC7-AFF2-1985930E6E8D}"/>
+              </a:ext>
+            </a:extLst>
+          </p:cNvPr>
+          <p:cNvSpPr/>
+          <p:nvPr/>
+        </p:nvSpPr>
+        <p:spPr>
+          <a:xfrm>
+            <a:off x="7578609" y="3969358"/>
+            <a:ext cx="2890687" cy="597269"/>
+          </a:xfrm>
+          <a:prstGeom prst="rect">
+            <a:avLst/>
+          </a:prstGeom>
+          <a:noFill/>
+          <a:ln w="25400">
+            <a:solidFill>
+              <a:schemeClr val="accent1">
+                <a:lumMod val="75000"/>
+              </a:schemeClr>
+            </a:solidFill>
+          </a:ln>
+        </p:spPr>
+        <p:style>
+          <a:lnRef idx="2">
+            <a:schemeClr val="accent1">
+              <a:shade val="50000"/>
+            </a:schemeClr>
+          </a:lnRef>
+          <a:fillRef idx="1">
+            <a:schemeClr val="accent1"/>
+          </a:fillRef>
+          <a:effectRef idx="0">
+            <a:schemeClr val="accent1"/>
+          </a:effectRef>
+          <a:fontRef idx="minor">
+            <a:schemeClr val="lt1"/>
+          </a:fontRef>
+        </p:style>
+        <p:txBody>
+          <a:bodyPr rtlCol="0" anchor="ctr"/>
+          <a:lstStyle/>
+          <a:p>
+            <a:pPr algn="ctr"/>
+            <a:r>
+              <a:rPr lang="en-US" altLang="zh-CN" dirty="0" err="1">
+                <a:solidFill>
+                  <a:sysClr val="windowText" lastClr="000000"/>
+                </a:solidFill>
+              </a:rPr>
+              <a:t>DexFile</a:t>
+            </a:r>
+            <a:r>
+              <a:rPr lang="en-US" altLang="zh-CN" dirty="0">
+                <a:solidFill>
+                  <a:sysClr val="windowText" lastClr="000000"/>
+                </a:solidFill>
+              </a:rPr>
+              <a:t>.</a:t>
+            </a:r>
+          </a:p>
+          <a:p>
+            <a:pPr algn="ctr"/>
+            <a:r>
+              <a:rPr lang="en-US" altLang="zh-CN" dirty="0" err="1">
+                <a:solidFill>
+                  <a:sysClr val="windowText" lastClr="000000"/>
+                </a:solidFill>
+              </a:rPr>
+              <a:t>defineClassNative</a:t>
+            </a:r>
+            <a:endParaRPr lang="zh-CN" altLang="en-US" dirty="0">
+              <a:solidFill>
+                <a:sysClr val="windowText" lastClr="000000"/>
+              </a:solidFill>
+            </a:endParaRPr>
+          </a:p>
+        </p:txBody>
+      </p:sp>
+      <p:cxnSp>
+        <p:nvCxnSpPr>
+          <p:cNvPr id="42" name="直接箭头连接符 41">
+            <a:extLst>
+              <a:ext uri="{FF2B5EF4-FFF2-40B4-BE49-F238E27FC236}">
+                <a16:creationId xmlns:a16="http://schemas.microsoft.com/office/drawing/2014/main" id="{A0B78915-47DC-4A34-A640-C3970523795A}"/>
+              </a:ext>
+            </a:extLst>
+          </p:cNvPr>
+          <p:cNvCxnSpPr>
+            <a:cxnSpLocks/>
+            <a:stCxn id="36" idx="3"/>
+            <a:endCxn id="41" idx="1"/>
+          </p:cNvCxnSpPr>
+          <p:nvPr/>
+        </p:nvCxnSpPr>
+        <p:spPr>
+          <a:xfrm flipV="1">
+            <a:off x="6655981" y="4267993"/>
+            <a:ext cx="922628" cy="1"/>
+          </a:xfrm>
+          <a:prstGeom prst="straightConnector1">
+            <a:avLst/>
+          </a:prstGeom>
+          <a:ln w="28575">
+            <a:tailEnd type="triangle"/>
+          </a:ln>
+        </p:spPr>
+        <p:style>
+          <a:lnRef idx="1">
+            <a:schemeClr val="accent1"/>
+          </a:lnRef>
+          <a:fillRef idx="0">
+            <a:schemeClr val="accent1"/>
+          </a:fillRef>
+          <a:effectRef idx="0">
+            <a:schemeClr val="accent1"/>
+          </a:effectRef>
+          <a:fontRef idx="minor">
+            <a:schemeClr val="tx1"/>
+          </a:fontRef>
+        </p:style>
+      </p:cxnSp>
+      <p:sp>
+        <p:nvSpPr>
+          <p:cNvPr id="47" name="矩形 46">
+            <a:extLst>
+              <a:ext uri="{FF2B5EF4-FFF2-40B4-BE49-F238E27FC236}">
+                <a16:creationId xmlns:a16="http://schemas.microsoft.com/office/drawing/2014/main" id="{D79316CA-38F1-4A68-A0FD-E51440EE8FBA}"/>
+              </a:ext>
+            </a:extLst>
+          </p:cNvPr>
+          <p:cNvSpPr/>
+          <p:nvPr/>
+        </p:nvSpPr>
+        <p:spPr>
+          <a:xfrm>
+            <a:off x="7088368" y="5437047"/>
+            <a:ext cx="3380928" cy="597269"/>
+          </a:xfrm>
+          <a:prstGeom prst="rect">
+            <a:avLst/>
+          </a:prstGeom>
+          <a:noFill/>
+          <a:ln w="25400">
+            <a:solidFill>
+              <a:schemeClr val="accent1">
+                <a:lumMod val="75000"/>
+              </a:schemeClr>
+            </a:solidFill>
+          </a:ln>
+        </p:spPr>
+        <p:style>
+          <a:lnRef idx="2">
+            <a:schemeClr val="accent1">
+              <a:shade val="50000"/>
+            </a:schemeClr>
+          </a:lnRef>
+          <a:fillRef idx="1">
+            <a:schemeClr val="accent1"/>
+          </a:fillRef>
+          <a:effectRef idx="0">
+            <a:schemeClr val="accent1"/>
+          </a:effectRef>
+          <a:fontRef idx="minor">
+            <a:schemeClr val="lt1"/>
+          </a:fontRef>
+        </p:style>
+        <p:txBody>
+          <a:bodyPr rtlCol="0" anchor="ctr"/>
+          <a:lstStyle/>
+          <a:p>
+            <a:pPr algn="ctr"/>
+            <a:r>
+              <a:rPr lang="en-US" altLang="zh-CN" b="1" dirty="0" err="1">
+                <a:solidFill>
+                  <a:sysClr val="windowText" lastClr="000000"/>
+                </a:solidFill>
+              </a:rPr>
+              <a:t>ClassLinker</a:t>
+            </a:r>
+            <a:r>
+              <a:rPr lang="en-US" altLang="zh-CN" b="1" dirty="0">
+                <a:solidFill>
+                  <a:sysClr val="windowText" lastClr="000000"/>
+                </a:solidFill>
+              </a:rPr>
+              <a:t>::</a:t>
+            </a:r>
+            <a:r>
+              <a:rPr lang="en-US" altLang="zh-CN" b="1" dirty="0" err="1">
+                <a:solidFill>
+                  <a:sysClr val="windowText" lastClr="000000"/>
+                </a:solidFill>
+              </a:rPr>
+              <a:t>DefineClass</a:t>
+            </a:r>
+            <a:endParaRPr lang="zh-CN" altLang="en-US" b="1" dirty="0">
+              <a:solidFill>
+                <a:sysClr val="windowText" lastClr="000000"/>
+              </a:solidFill>
+            </a:endParaRPr>
+          </a:p>
+        </p:txBody>
+      </p:sp>
+      <p:cxnSp>
+        <p:nvCxnSpPr>
+          <p:cNvPr id="48" name="直接箭头连接符 47">
+            <a:extLst>
+              <a:ext uri="{FF2B5EF4-FFF2-40B4-BE49-F238E27FC236}">
+                <a16:creationId xmlns:a16="http://schemas.microsoft.com/office/drawing/2014/main" id="{90C508CD-F544-4D85-99C7-FC48859D6CBF}"/>
+              </a:ext>
+            </a:extLst>
+          </p:cNvPr>
+          <p:cNvCxnSpPr>
+            <a:cxnSpLocks/>
+          </p:cNvCxnSpPr>
+          <p:nvPr/>
+        </p:nvCxnSpPr>
+        <p:spPr>
+          <a:xfrm>
+            <a:off x="9399294" y="4566627"/>
+            <a:ext cx="1" cy="890729"/>
+          </a:xfrm>
+          <a:prstGeom prst="straightConnector1">
+            <a:avLst/>
+          </a:prstGeom>
+          <a:ln w="28575">
+            <a:tailEnd type="triangle"/>
+          </a:ln>
+        </p:spPr>
+        <p:style>
+          <a:lnRef idx="1">
+            <a:schemeClr val="accent1"/>
+          </a:lnRef>
+          <a:fillRef idx="0">
+            <a:schemeClr val="accent1"/>
+          </a:fillRef>
+          <a:effectRef idx="0">
+            <a:schemeClr val="accent1"/>
+          </a:effectRef>
+          <a:fontRef idx="minor">
+            <a:schemeClr val="tx1"/>
+          </a:fontRef>
+        </p:style>
+      </p:cxnSp>
+      <p:cxnSp>
+        <p:nvCxnSpPr>
+          <p:cNvPr id="50" name="直接箭头连接符 49">
+            <a:extLst>
+              <a:ext uri="{FF2B5EF4-FFF2-40B4-BE49-F238E27FC236}">
+                <a16:creationId xmlns:a16="http://schemas.microsoft.com/office/drawing/2014/main" id="{591CBFD2-B707-455D-BCC7-2F177E622094}"/>
+              </a:ext>
+            </a:extLst>
+          </p:cNvPr>
+          <p:cNvCxnSpPr/>
+          <p:nvPr/>
+        </p:nvCxnSpPr>
+        <p:spPr>
+          <a:xfrm flipV="1">
+            <a:off x="8793238" y="4544991"/>
+            <a:ext cx="0" cy="892056"/>
+          </a:xfrm>
+          <a:prstGeom prst="straightConnector1">
+            <a:avLst/>
+          </a:prstGeom>
+          <a:ln w="28575">
+            <a:tailEnd type="triangle"/>
+          </a:ln>
+        </p:spPr>
+        <p:style>
+          <a:lnRef idx="1">
+            <a:schemeClr val="accent1"/>
+          </a:lnRef>
+          <a:fillRef idx="0">
+            <a:schemeClr val="accent1"/>
+          </a:fillRef>
+          <a:effectRef idx="0">
+            <a:schemeClr val="accent1"/>
+          </a:effectRef>
+          <a:fontRef idx="minor">
+            <a:schemeClr val="tx1"/>
+          </a:fontRef>
+        </p:style>
+      </p:cxnSp>
+      <p:sp>
+        <p:nvSpPr>
+          <p:cNvPr id="51" name="文本框 50">
+            <a:extLst>
+              <a:ext uri="{FF2B5EF4-FFF2-40B4-BE49-F238E27FC236}">
+                <a16:creationId xmlns:a16="http://schemas.microsoft.com/office/drawing/2014/main" id="{12763743-44A7-429A-A385-A0E3B6D48A03}"/>
+              </a:ext>
+            </a:extLst>
+          </p:cNvPr>
+          <p:cNvSpPr txBox="1"/>
+          <p:nvPr/>
+        </p:nvSpPr>
+        <p:spPr>
+          <a:xfrm>
+            <a:off x="10598002" y="4065339"/>
+            <a:ext cx="1143000" cy="369332"/>
+          </a:xfrm>
+          <a:prstGeom prst="rect">
+            <a:avLst/>
+          </a:prstGeom>
+          <a:noFill/>
+        </p:spPr>
+        <p:txBody>
+          <a:bodyPr wrap="square" rtlCol="0">
+            <a:spAutoFit/>
+          </a:bodyPr>
+          <a:lstStyle/>
+          <a:p>
+            <a:pPr algn="ctr"/>
+            <a:r>
+              <a:rPr lang="en-US" altLang="zh-CN" dirty="0"/>
+              <a:t>Java</a:t>
+            </a:r>
+            <a:r>
+              <a:rPr lang="zh-CN" altLang="en-US" dirty="0"/>
+              <a:t>层</a:t>
+            </a:r>
+          </a:p>
+        </p:txBody>
+      </p:sp>
+      <p:sp>
+        <p:nvSpPr>
+          <p:cNvPr id="52" name="文本框 51">
+            <a:extLst>
+              <a:ext uri="{FF2B5EF4-FFF2-40B4-BE49-F238E27FC236}">
+                <a16:creationId xmlns:a16="http://schemas.microsoft.com/office/drawing/2014/main" id="{52B50A3B-7578-4960-B072-B4651EF5727F}"/>
+              </a:ext>
+            </a:extLst>
+          </p:cNvPr>
+          <p:cNvSpPr txBox="1"/>
+          <p:nvPr/>
+        </p:nvSpPr>
+        <p:spPr>
+          <a:xfrm>
+            <a:off x="10598002" y="5551015"/>
+            <a:ext cx="1143000" cy="369332"/>
+          </a:xfrm>
+          <a:prstGeom prst="rect">
+            <a:avLst/>
+          </a:prstGeom>
+          <a:noFill/>
+        </p:spPr>
+        <p:txBody>
+          <a:bodyPr wrap="square" rtlCol="0">
+            <a:spAutoFit/>
+          </a:bodyPr>
+          <a:lstStyle/>
+          <a:p>
+            <a:pPr algn="ctr"/>
+            <a:r>
+              <a:rPr lang="zh-CN" altLang="en-US" dirty="0"/>
+              <a:t>本地层</a:t>
+            </a:r>
+          </a:p>
+        </p:txBody>
+      </p:sp>
     </p:spTree>
     <p:extLst>
       <p:ext uri="{BB962C8B-B14F-4D97-AF65-F5344CB8AC3E}">
@@ -3827,42 +6025,736 @@
           </a:p>
         </p:txBody>
       </p:sp>
-      <p:pic>
-        <p:nvPicPr>
-          <p:cNvPr id="3" name="图片 2">
+      <p:sp>
+        <p:nvSpPr>
+          <p:cNvPr id="5" name="矩形 4">
             <a:extLst>
               <a:ext uri="{FF2B5EF4-FFF2-40B4-BE49-F238E27FC236}">
-                <a16:creationId xmlns:a16="http://schemas.microsoft.com/office/drawing/2014/main" id="{B21BB31B-2FD2-4CE9-B8B1-17EB294E4403}"/>
+                <a16:creationId xmlns:a16="http://schemas.microsoft.com/office/drawing/2014/main" id="{E18935F3-875F-40DD-9F3E-F684C4AD3282}"/>
               </a:ext>
             </a:extLst>
           </p:cNvPr>
-          <p:cNvPicPr>
-            <a:picLocks noChangeAspect="1"/>
-          </p:cNvPicPr>
-          <p:nvPr/>
-        </p:nvPicPr>
-        <p:blipFill>
-          <a:blip r:embed="rId2">
+          <p:cNvSpPr/>
+          <p:nvPr/>
+        </p:nvSpPr>
+        <p:spPr>
+          <a:xfrm>
+            <a:off x="1854886" y="1371465"/>
+            <a:ext cx="1225100" cy="756255"/>
+          </a:xfrm>
+          <a:prstGeom prst="rect">
+            <a:avLst/>
+          </a:prstGeom>
+          <a:noFill/>
+          <a:ln w="25400">
+            <a:solidFill>
+              <a:schemeClr val="accent1">
+                <a:lumMod val="75000"/>
+              </a:schemeClr>
+            </a:solidFill>
+          </a:ln>
+        </p:spPr>
+        <p:style>
+          <a:lnRef idx="2">
+            <a:schemeClr val="accent1">
+              <a:shade val="50000"/>
+            </a:schemeClr>
+          </a:lnRef>
+          <a:fillRef idx="1">
+            <a:schemeClr val="accent1"/>
+          </a:fillRef>
+          <a:effectRef idx="0">
+            <a:schemeClr val="accent1"/>
+          </a:effectRef>
+          <a:fontRef idx="minor">
+            <a:schemeClr val="lt1"/>
+          </a:fontRef>
+        </p:style>
+        <p:txBody>
+          <a:bodyPr rtlCol="0" anchor="ctr"/>
+          <a:lstStyle/>
+          <a:p>
+            <a:pPr algn="ctr"/>
+            <a:r>
+              <a:rPr lang="en-US" altLang="zh-CN" dirty="0">
+                <a:solidFill>
+                  <a:sysClr val="windowText" lastClr="000000"/>
+                </a:solidFill>
+              </a:rPr>
+              <a:t>Java</a:t>
+            </a:r>
+            <a:r>
+              <a:rPr lang="zh-CN" altLang="en-US" dirty="0">
+                <a:solidFill>
+                  <a:sysClr val="windowText" lastClr="000000"/>
+                </a:solidFill>
+              </a:rPr>
+              <a:t>层反射调用</a:t>
+            </a:r>
+          </a:p>
+        </p:txBody>
+      </p:sp>
+      <p:sp>
+        <p:nvSpPr>
+          <p:cNvPr id="6" name="矩形 5">
             <a:extLst>
-              <a:ext uri="{28A0092B-C50C-407E-A947-70E740481C1C}">
-                <a14:useLocalDpi xmlns:a14="http://schemas.microsoft.com/office/drawing/2010/main" val="0"/>
+              <a:ext uri="{FF2B5EF4-FFF2-40B4-BE49-F238E27FC236}">
+                <a16:creationId xmlns:a16="http://schemas.microsoft.com/office/drawing/2014/main" id="{9F30F0BD-15F0-4FF1-882C-58FEF0D40F1B}"/>
               </a:ext>
             </a:extLst>
-          </a:blip>
-          <a:stretch>
-            <a:fillRect/>
-          </a:stretch>
-        </p:blipFill>
-        <p:spPr>
-          <a:xfrm>
-            <a:off x="3391056" y="1013261"/>
-            <a:ext cx="4867275" cy="5153025"/>
+          </p:cNvPr>
+          <p:cNvSpPr/>
+          <p:nvPr/>
+        </p:nvSpPr>
+        <p:spPr>
+          <a:xfrm>
+            <a:off x="6096000" y="1371466"/>
+            <a:ext cx="4507041" cy="756255"/>
           </a:xfrm>
           <a:prstGeom prst="rect">
             <a:avLst/>
           </a:prstGeom>
-        </p:spPr>
-      </p:pic>
+          <a:noFill/>
+          <a:ln w="25400">
+            <a:solidFill>
+              <a:schemeClr val="accent1">
+                <a:lumMod val="75000"/>
+              </a:schemeClr>
+            </a:solidFill>
+          </a:ln>
+        </p:spPr>
+        <p:style>
+          <a:lnRef idx="2">
+            <a:schemeClr val="accent1">
+              <a:shade val="50000"/>
+            </a:schemeClr>
+          </a:lnRef>
+          <a:fillRef idx="1">
+            <a:schemeClr val="accent1"/>
+          </a:fillRef>
+          <a:effectRef idx="0">
+            <a:schemeClr val="accent1"/>
+          </a:effectRef>
+          <a:fontRef idx="minor">
+            <a:schemeClr val="lt1"/>
+          </a:fontRef>
+        </p:style>
+        <p:txBody>
+          <a:bodyPr rtlCol="0" anchor="ctr"/>
+          <a:lstStyle/>
+          <a:p>
+            <a:pPr algn="ctr"/>
+            <a:r>
+              <a:rPr lang="en-US" altLang="zh-CN" dirty="0" err="1">
+                <a:solidFill>
+                  <a:sysClr val="windowText" lastClr="000000"/>
+                </a:solidFill>
+              </a:rPr>
+              <a:t>ArtInterpreterToCompiledCodeBridge</a:t>
+            </a:r>
+            <a:endParaRPr lang="en-US" altLang="zh-CN" dirty="0">
+              <a:solidFill>
+                <a:sysClr val="windowText" lastClr="000000"/>
+              </a:solidFill>
+            </a:endParaRPr>
+          </a:p>
+          <a:p>
+            <a:pPr algn="ctr"/>
+            <a:r>
+              <a:rPr lang="en-US" altLang="zh-CN" dirty="0">
+                <a:solidFill>
+                  <a:sysClr val="windowText" lastClr="000000"/>
+                </a:solidFill>
+              </a:rPr>
+              <a:t>(</a:t>
+            </a:r>
+            <a:r>
+              <a:rPr lang="zh-CN" altLang="en-US" dirty="0">
+                <a:solidFill>
+                  <a:sysClr val="windowText" lastClr="000000"/>
+                </a:solidFill>
+              </a:rPr>
+              <a:t>解释执行跳转到机器码执行</a:t>
+            </a:r>
+            <a:r>
+              <a:rPr lang="en-US" altLang="zh-CN" dirty="0">
+                <a:solidFill>
+                  <a:sysClr val="windowText" lastClr="000000"/>
+                </a:solidFill>
+              </a:rPr>
+              <a:t>)</a:t>
+            </a:r>
+            <a:endParaRPr lang="zh-CN" altLang="en-US" dirty="0">
+              <a:solidFill>
+                <a:sysClr val="windowText" lastClr="000000"/>
+              </a:solidFill>
+            </a:endParaRPr>
+          </a:p>
+        </p:txBody>
+      </p:sp>
+      <p:sp>
+        <p:nvSpPr>
+          <p:cNvPr id="8" name="矩形 7">
+            <a:extLst>
+              <a:ext uri="{FF2B5EF4-FFF2-40B4-BE49-F238E27FC236}">
+                <a16:creationId xmlns:a16="http://schemas.microsoft.com/office/drawing/2014/main" id="{AA20D199-DDA6-4B1D-83AE-F53F7086A645}"/>
+              </a:ext>
+            </a:extLst>
+          </p:cNvPr>
+          <p:cNvSpPr/>
+          <p:nvPr/>
+        </p:nvSpPr>
+        <p:spPr>
+          <a:xfrm>
+            <a:off x="3964212" y="1371465"/>
+            <a:ext cx="1225100" cy="756255"/>
+          </a:xfrm>
+          <a:prstGeom prst="rect">
+            <a:avLst/>
+          </a:prstGeom>
+          <a:noFill/>
+          <a:ln w="25400">
+            <a:solidFill>
+              <a:schemeClr val="accent1">
+                <a:lumMod val="75000"/>
+              </a:schemeClr>
+            </a:solidFill>
+          </a:ln>
+        </p:spPr>
+        <p:style>
+          <a:lnRef idx="2">
+            <a:schemeClr val="accent1">
+              <a:shade val="50000"/>
+            </a:schemeClr>
+          </a:lnRef>
+          <a:fillRef idx="1">
+            <a:schemeClr val="accent1"/>
+          </a:fillRef>
+          <a:effectRef idx="0">
+            <a:schemeClr val="accent1"/>
+          </a:effectRef>
+          <a:fontRef idx="minor">
+            <a:schemeClr val="lt1"/>
+          </a:fontRef>
+        </p:style>
+        <p:txBody>
+          <a:bodyPr rtlCol="0" anchor="ctr"/>
+          <a:lstStyle/>
+          <a:p>
+            <a:pPr algn="ctr"/>
+            <a:r>
+              <a:rPr lang="zh-CN" altLang="en-US" dirty="0">
+                <a:solidFill>
+                  <a:sysClr val="windowText" lastClr="000000"/>
+                </a:solidFill>
+              </a:rPr>
+              <a:t>本地层</a:t>
+            </a:r>
+            <a:endParaRPr lang="en-US" altLang="zh-CN" dirty="0">
+              <a:solidFill>
+                <a:sysClr val="windowText" lastClr="000000"/>
+              </a:solidFill>
+            </a:endParaRPr>
+          </a:p>
+          <a:p>
+            <a:pPr algn="ctr"/>
+            <a:r>
+              <a:rPr lang="zh-CN" altLang="en-US" dirty="0">
+                <a:solidFill>
+                  <a:sysClr val="windowText" lastClr="000000"/>
+                </a:solidFill>
+              </a:rPr>
+              <a:t>反射调用</a:t>
+            </a:r>
+          </a:p>
+        </p:txBody>
+      </p:sp>
+      <p:sp>
+        <p:nvSpPr>
+          <p:cNvPr id="12" name="矩形 11">
+            <a:extLst>
+              <a:ext uri="{FF2B5EF4-FFF2-40B4-BE49-F238E27FC236}">
+                <a16:creationId xmlns:a16="http://schemas.microsoft.com/office/drawing/2014/main" id="{871303EF-4699-4152-B515-13998F976AE3}"/>
+              </a:ext>
+            </a:extLst>
+          </p:cNvPr>
+          <p:cNvSpPr/>
+          <p:nvPr/>
+        </p:nvSpPr>
+        <p:spPr>
+          <a:xfrm>
+            <a:off x="4097561" y="3324090"/>
+            <a:ext cx="2636613" cy="756255"/>
+          </a:xfrm>
+          <a:prstGeom prst="rect">
+            <a:avLst/>
+          </a:prstGeom>
+          <a:noFill/>
+          <a:ln w="25400">
+            <a:solidFill>
+              <a:schemeClr val="accent1">
+                <a:lumMod val="75000"/>
+              </a:schemeClr>
+            </a:solidFill>
+          </a:ln>
+        </p:spPr>
+        <p:style>
+          <a:lnRef idx="2">
+            <a:schemeClr val="accent1">
+              <a:shade val="50000"/>
+            </a:schemeClr>
+          </a:lnRef>
+          <a:fillRef idx="1">
+            <a:schemeClr val="accent1"/>
+          </a:fillRef>
+          <a:effectRef idx="0">
+            <a:schemeClr val="accent1"/>
+          </a:effectRef>
+          <a:fontRef idx="minor">
+            <a:schemeClr val="lt1"/>
+          </a:fontRef>
+        </p:style>
+        <p:txBody>
+          <a:bodyPr rtlCol="0" anchor="ctr"/>
+          <a:lstStyle/>
+          <a:p>
+            <a:pPr algn="ctr"/>
+            <a:r>
+              <a:rPr lang="en-US" altLang="zh-CN" dirty="0" err="1">
+                <a:solidFill>
+                  <a:sysClr val="windowText" lastClr="000000"/>
+                </a:solidFill>
+              </a:rPr>
+              <a:t>ArtMethod</a:t>
+            </a:r>
+            <a:r>
+              <a:rPr lang="en-US" altLang="zh-CN" dirty="0">
+                <a:solidFill>
+                  <a:sysClr val="windowText" lastClr="000000"/>
+                </a:solidFill>
+              </a:rPr>
+              <a:t>::Invoke()</a:t>
+            </a:r>
+            <a:endParaRPr lang="zh-CN" altLang="en-US" dirty="0">
+              <a:solidFill>
+                <a:sysClr val="windowText" lastClr="000000"/>
+              </a:solidFill>
+            </a:endParaRPr>
+          </a:p>
+        </p:txBody>
+      </p:sp>
+      <p:cxnSp>
+        <p:nvCxnSpPr>
+          <p:cNvPr id="13" name="连接符: 肘形 12">
+            <a:extLst>
+              <a:ext uri="{FF2B5EF4-FFF2-40B4-BE49-F238E27FC236}">
+                <a16:creationId xmlns:a16="http://schemas.microsoft.com/office/drawing/2014/main" id="{2A0B736B-BE85-497F-9BB6-E101F5098402}"/>
+              </a:ext>
+            </a:extLst>
+          </p:cNvPr>
+          <p:cNvCxnSpPr>
+            <a:stCxn id="5" idx="2"/>
+            <a:endCxn id="12" idx="0"/>
+          </p:cNvCxnSpPr>
+          <p:nvPr/>
+        </p:nvCxnSpPr>
+        <p:spPr>
+          <a:xfrm rot="16200000" flipH="1">
+            <a:off x="3343467" y="1251689"/>
+            <a:ext cx="1196370" cy="2948432"/>
+          </a:xfrm>
+          <a:prstGeom prst="bentConnector3">
+            <a:avLst/>
+          </a:prstGeom>
+          <a:ln w="28575">
+            <a:tailEnd type="triangle"/>
+          </a:ln>
+        </p:spPr>
+        <p:style>
+          <a:lnRef idx="1">
+            <a:schemeClr val="accent1"/>
+          </a:lnRef>
+          <a:fillRef idx="0">
+            <a:schemeClr val="accent1"/>
+          </a:fillRef>
+          <a:effectRef idx="0">
+            <a:schemeClr val="accent1"/>
+          </a:effectRef>
+          <a:fontRef idx="minor">
+            <a:schemeClr val="tx1"/>
+          </a:fontRef>
+        </p:style>
+      </p:cxnSp>
+      <p:cxnSp>
+        <p:nvCxnSpPr>
+          <p:cNvPr id="15" name="连接符: 肘形 14">
+            <a:extLst>
+              <a:ext uri="{FF2B5EF4-FFF2-40B4-BE49-F238E27FC236}">
+                <a16:creationId xmlns:a16="http://schemas.microsoft.com/office/drawing/2014/main" id="{47FA0FEE-40AE-4C12-ABB8-5B59471E1288}"/>
+              </a:ext>
+            </a:extLst>
+          </p:cNvPr>
+          <p:cNvCxnSpPr>
+            <a:stCxn id="8" idx="2"/>
+            <a:endCxn id="12" idx="0"/>
+          </p:cNvCxnSpPr>
+          <p:nvPr/>
+        </p:nvCxnSpPr>
+        <p:spPr>
+          <a:xfrm rot="16200000" flipH="1">
+            <a:off x="4398130" y="2306352"/>
+            <a:ext cx="1196370" cy="839106"/>
+          </a:xfrm>
+          <a:prstGeom prst="bentConnector3">
+            <a:avLst/>
+          </a:prstGeom>
+          <a:ln w="28575">
+            <a:tailEnd type="triangle"/>
+          </a:ln>
+        </p:spPr>
+        <p:style>
+          <a:lnRef idx="1">
+            <a:schemeClr val="accent1"/>
+          </a:lnRef>
+          <a:fillRef idx="0">
+            <a:schemeClr val="accent1"/>
+          </a:fillRef>
+          <a:effectRef idx="0">
+            <a:schemeClr val="accent1"/>
+          </a:effectRef>
+          <a:fontRef idx="minor">
+            <a:schemeClr val="tx1"/>
+          </a:fontRef>
+        </p:style>
+      </p:cxnSp>
+      <p:cxnSp>
+        <p:nvCxnSpPr>
+          <p:cNvPr id="17" name="连接符: 肘形 16">
+            <a:extLst>
+              <a:ext uri="{FF2B5EF4-FFF2-40B4-BE49-F238E27FC236}">
+                <a16:creationId xmlns:a16="http://schemas.microsoft.com/office/drawing/2014/main" id="{35DEA759-5E77-48D6-A377-104A1546E32F}"/>
+              </a:ext>
+            </a:extLst>
+          </p:cNvPr>
+          <p:cNvCxnSpPr>
+            <a:stCxn id="6" idx="2"/>
+            <a:endCxn id="12" idx="0"/>
+          </p:cNvCxnSpPr>
+          <p:nvPr/>
+        </p:nvCxnSpPr>
+        <p:spPr>
+          <a:xfrm rot="5400000">
+            <a:off x="6284511" y="1259079"/>
+            <a:ext cx="1196369" cy="2933653"/>
+          </a:xfrm>
+          <a:prstGeom prst="bentConnector3">
+            <a:avLst/>
+          </a:prstGeom>
+          <a:ln w="28575">
+            <a:tailEnd type="triangle"/>
+          </a:ln>
+        </p:spPr>
+        <p:style>
+          <a:lnRef idx="1">
+            <a:schemeClr val="accent1"/>
+          </a:lnRef>
+          <a:fillRef idx="0">
+            <a:schemeClr val="accent1"/>
+          </a:fillRef>
+          <a:effectRef idx="0">
+            <a:schemeClr val="accent1"/>
+          </a:effectRef>
+          <a:fontRef idx="minor">
+            <a:schemeClr val="tx1"/>
+          </a:fontRef>
+        </p:style>
+      </p:cxnSp>
+      <p:sp>
+        <p:nvSpPr>
+          <p:cNvPr id="22" name="矩形 21">
+            <a:extLst>
+              <a:ext uri="{FF2B5EF4-FFF2-40B4-BE49-F238E27FC236}">
+                <a16:creationId xmlns:a16="http://schemas.microsoft.com/office/drawing/2014/main" id="{FA0809B3-955B-4BCC-8202-59D833DCDDA3}"/>
+              </a:ext>
+            </a:extLst>
+          </p:cNvPr>
+          <p:cNvSpPr/>
+          <p:nvPr/>
+        </p:nvSpPr>
+        <p:spPr>
+          <a:xfrm>
+            <a:off x="2066247" y="5049726"/>
+            <a:ext cx="2031314" cy="756255"/>
+          </a:xfrm>
+          <a:prstGeom prst="rect">
+            <a:avLst/>
+          </a:prstGeom>
+          <a:noFill/>
+          <a:ln w="25400">
+            <a:solidFill>
+              <a:schemeClr val="accent1">
+                <a:lumMod val="75000"/>
+              </a:schemeClr>
+            </a:solidFill>
+          </a:ln>
+        </p:spPr>
+        <p:style>
+          <a:lnRef idx="2">
+            <a:schemeClr val="accent1">
+              <a:shade val="50000"/>
+            </a:schemeClr>
+          </a:lnRef>
+          <a:fillRef idx="1">
+            <a:schemeClr val="accent1"/>
+          </a:fillRef>
+          <a:effectRef idx="0">
+            <a:schemeClr val="accent1"/>
+          </a:effectRef>
+          <a:fontRef idx="minor">
+            <a:schemeClr val="lt1"/>
+          </a:fontRef>
+        </p:style>
+        <p:txBody>
+          <a:bodyPr rtlCol="0" anchor="ctr"/>
+          <a:lstStyle/>
+          <a:p>
+            <a:pPr algn="ctr"/>
+            <a:r>
+              <a:rPr lang="en-US" altLang="zh-CN" dirty="0" err="1">
+                <a:solidFill>
+                  <a:sysClr val="windowText" lastClr="000000"/>
+                </a:solidFill>
+              </a:rPr>
+              <a:t>EnterinterpreterFromInvoke</a:t>
+            </a:r>
+            <a:endParaRPr lang="en-US" altLang="zh-CN" dirty="0">
+              <a:solidFill>
+                <a:sysClr val="windowText" lastClr="000000"/>
+              </a:solidFill>
+            </a:endParaRPr>
+          </a:p>
+        </p:txBody>
+      </p:sp>
+      <p:sp>
+        <p:nvSpPr>
+          <p:cNvPr id="23" name="矩形 22">
+            <a:extLst>
+              <a:ext uri="{FF2B5EF4-FFF2-40B4-BE49-F238E27FC236}">
+                <a16:creationId xmlns:a16="http://schemas.microsoft.com/office/drawing/2014/main" id="{2082CF6C-0002-4504-B304-B935CA89EA61}"/>
+              </a:ext>
+            </a:extLst>
+          </p:cNvPr>
+          <p:cNvSpPr/>
+          <p:nvPr/>
+        </p:nvSpPr>
+        <p:spPr>
+          <a:xfrm>
+            <a:off x="6734174" y="5049726"/>
+            <a:ext cx="3781426" cy="682794"/>
+          </a:xfrm>
+          <a:prstGeom prst="rect">
+            <a:avLst/>
+          </a:prstGeom>
+          <a:noFill/>
+          <a:ln w="25400">
+            <a:solidFill>
+              <a:schemeClr val="accent1">
+                <a:lumMod val="75000"/>
+              </a:schemeClr>
+            </a:solidFill>
+          </a:ln>
+        </p:spPr>
+        <p:style>
+          <a:lnRef idx="2">
+            <a:schemeClr val="accent1">
+              <a:shade val="50000"/>
+            </a:schemeClr>
+          </a:lnRef>
+          <a:fillRef idx="1">
+            <a:schemeClr val="accent1"/>
+          </a:fillRef>
+          <a:effectRef idx="0">
+            <a:schemeClr val="accent1"/>
+          </a:effectRef>
+          <a:fontRef idx="minor">
+            <a:schemeClr val="lt1"/>
+          </a:fontRef>
+        </p:style>
+        <p:txBody>
+          <a:bodyPr rtlCol="0" anchor="ctr"/>
+          <a:lstStyle/>
+          <a:p>
+            <a:pPr algn="ctr"/>
+            <a:r>
+              <a:rPr lang="en-US" altLang="zh-CN" dirty="0" err="1">
+                <a:solidFill>
+                  <a:sysClr val="windowText" lastClr="000000"/>
+                </a:solidFill>
+              </a:rPr>
+              <a:t>entry_point_from_quick_code</a:t>
+            </a:r>
+            <a:endParaRPr lang="en-US" altLang="zh-CN" dirty="0">
+              <a:solidFill>
+                <a:sysClr val="windowText" lastClr="000000"/>
+              </a:solidFill>
+            </a:endParaRPr>
+          </a:p>
+        </p:txBody>
+      </p:sp>
+      <p:cxnSp>
+        <p:nvCxnSpPr>
+          <p:cNvPr id="25" name="连接符: 肘形 24">
+            <a:extLst>
+              <a:ext uri="{FF2B5EF4-FFF2-40B4-BE49-F238E27FC236}">
+                <a16:creationId xmlns:a16="http://schemas.microsoft.com/office/drawing/2014/main" id="{96C03A14-9990-435D-B405-31F7DDBEACF3}"/>
+              </a:ext>
+            </a:extLst>
+          </p:cNvPr>
+          <p:cNvCxnSpPr>
+            <a:stCxn id="12" idx="2"/>
+            <a:endCxn id="23" idx="0"/>
+          </p:cNvCxnSpPr>
+          <p:nvPr/>
+        </p:nvCxnSpPr>
+        <p:spPr>
+          <a:xfrm rot="16200000" flipH="1">
+            <a:off x="6535687" y="2960525"/>
+            <a:ext cx="969381" cy="3209019"/>
+          </a:xfrm>
+          <a:prstGeom prst="bentConnector3">
+            <a:avLst/>
+          </a:prstGeom>
+          <a:ln w="28575">
+            <a:tailEnd type="triangle"/>
+          </a:ln>
+        </p:spPr>
+        <p:style>
+          <a:lnRef idx="1">
+            <a:schemeClr val="accent1"/>
+          </a:lnRef>
+          <a:fillRef idx="0">
+            <a:schemeClr val="accent1"/>
+          </a:fillRef>
+          <a:effectRef idx="0">
+            <a:schemeClr val="accent1"/>
+          </a:effectRef>
+          <a:fontRef idx="minor">
+            <a:schemeClr val="tx1"/>
+          </a:fontRef>
+        </p:style>
+      </p:cxnSp>
+      <p:cxnSp>
+        <p:nvCxnSpPr>
+          <p:cNvPr id="27" name="连接符: 肘形 26">
+            <a:extLst>
+              <a:ext uri="{FF2B5EF4-FFF2-40B4-BE49-F238E27FC236}">
+                <a16:creationId xmlns:a16="http://schemas.microsoft.com/office/drawing/2014/main" id="{D832E91C-8FBC-4D7A-AB3B-83DA778D518F}"/>
+              </a:ext>
+            </a:extLst>
+          </p:cNvPr>
+          <p:cNvCxnSpPr>
+            <a:stCxn id="12" idx="2"/>
+            <a:endCxn id="22" idx="0"/>
+          </p:cNvCxnSpPr>
+          <p:nvPr/>
+        </p:nvCxnSpPr>
+        <p:spPr>
+          <a:xfrm rot="5400000">
+            <a:off x="3764196" y="3398053"/>
+            <a:ext cx="969381" cy="2333964"/>
+          </a:xfrm>
+          <a:prstGeom prst="bentConnector3">
+            <a:avLst/>
+          </a:prstGeom>
+          <a:ln w="28575">
+            <a:tailEnd type="triangle"/>
+          </a:ln>
+        </p:spPr>
+        <p:style>
+          <a:lnRef idx="1">
+            <a:schemeClr val="accent1"/>
+          </a:lnRef>
+          <a:fillRef idx="0">
+            <a:schemeClr val="accent1"/>
+          </a:fillRef>
+          <a:effectRef idx="0">
+            <a:schemeClr val="accent1"/>
+          </a:effectRef>
+          <a:fontRef idx="minor">
+            <a:schemeClr val="tx1"/>
+          </a:fontRef>
+        </p:style>
+      </p:cxnSp>
+      <p:sp>
+        <p:nvSpPr>
+          <p:cNvPr id="28" name="文本框 27">
+            <a:extLst>
+              <a:ext uri="{FF2B5EF4-FFF2-40B4-BE49-F238E27FC236}">
+                <a16:creationId xmlns:a16="http://schemas.microsoft.com/office/drawing/2014/main" id="{44B30452-FF99-46B4-966F-07A07F3FC19F}"/>
+              </a:ext>
+            </a:extLst>
+          </p:cNvPr>
+          <p:cNvSpPr txBox="1"/>
+          <p:nvPr/>
+        </p:nvSpPr>
+        <p:spPr>
+          <a:xfrm>
+            <a:off x="2979496" y="4195703"/>
+            <a:ext cx="1118065" cy="369332"/>
+          </a:xfrm>
+          <a:prstGeom prst="rect">
+            <a:avLst/>
+          </a:prstGeom>
+          <a:noFill/>
+        </p:spPr>
+        <p:txBody>
+          <a:bodyPr wrap="square" rtlCol="0">
+            <a:spAutoFit/>
+          </a:bodyPr>
+          <a:lstStyle/>
+          <a:p>
+            <a:r>
+              <a:rPr lang="zh-CN" altLang="en-US" dirty="0"/>
+              <a:t>调试模式</a:t>
+            </a:r>
+          </a:p>
+        </p:txBody>
+      </p:sp>
+      <p:sp>
+        <p:nvSpPr>
+          <p:cNvPr id="29" name="文本框 28">
+            <a:extLst>
+              <a:ext uri="{FF2B5EF4-FFF2-40B4-BE49-F238E27FC236}">
+                <a16:creationId xmlns:a16="http://schemas.microsoft.com/office/drawing/2014/main" id="{91C98BDD-29FC-466A-9687-33E0347A5A0C}"/>
+              </a:ext>
+            </a:extLst>
+          </p:cNvPr>
+          <p:cNvSpPr txBox="1"/>
+          <p:nvPr/>
+        </p:nvSpPr>
+        <p:spPr>
+          <a:xfrm>
+            <a:off x="7353300" y="4195702"/>
+            <a:ext cx="1354361" cy="369332"/>
+          </a:xfrm>
+          <a:prstGeom prst="rect">
+            <a:avLst/>
+          </a:prstGeom>
+          <a:noFill/>
+        </p:spPr>
+        <p:txBody>
+          <a:bodyPr wrap="square" rtlCol="0">
+            <a:spAutoFit/>
+          </a:bodyPr>
+          <a:lstStyle/>
+          <a:p>
+            <a:r>
+              <a:rPr lang="zh-CN" altLang="en-US" dirty="0"/>
+              <a:t>非调试模式</a:t>
+            </a:r>
+          </a:p>
+        </p:txBody>
+      </p:sp>
     </p:spTree>
     <p:extLst>
       <p:ext uri="{BB962C8B-B14F-4D97-AF65-F5344CB8AC3E}">
@@ -3985,42 +6877,816 @@
           </a:p>
         </p:txBody>
       </p:sp>
-      <p:pic>
-        <p:nvPicPr>
-          <p:cNvPr id="5" name="图片 4">
+      <p:sp>
+        <p:nvSpPr>
+          <p:cNvPr id="6" name="矩形 5">
             <a:extLst>
               <a:ext uri="{FF2B5EF4-FFF2-40B4-BE49-F238E27FC236}">
-                <a16:creationId xmlns:a16="http://schemas.microsoft.com/office/drawing/2014/main" id="{4C6D925D-75FB-4F67-A8DE-648C79641F88}"/>
+                <a16:creationId xmlns:a16="http://schemas.microsoft.com/office/drawing/2014/main" id="{ADD5E63B-B69E-40FB-B23E-ACA596BD661B}"/>
               </a:ext>
             </a:extLst>
           </p:cNvPr>
-          <p:cNvPicPr>
-            <a:picLocks noChangeAspect="1"/>
-          </p:cNvPicPr>
-          <p:nvPr/>
-        </p:nvPicPr>
-        <p:blipFill>
-          <a:blip r:embed="rId2">
+          <p:cNvSpPr/>
+          <p:nvPr/>
+        </p:nvSpPr>
+        <p:spPr>
+          <a:xfrm>
+            <a:off x="695323" y="1171575"/>
+            <a:ext cx="2794753" cy="1438274"/>
+          </a:xfrm>
+          <a:prstGeom prst="rect">
+            <a:avLst/>
+          </a:prstGeom>
+          <a:noFill/>
+          <a:ln w="25400">
+            <a:solidFill>
+              <a:schemeClr val="accent1">
+                <a:lumMod val="75000"/>
+              </a:schemeClr>
+            </a:solidFill>
+          </a:ln>
+        </p:spPr>
+        <p:style>
+          <a:lnRef idx="2">
+            <a:schemeClr val="accent1">
+              <a:shade val="50000"/>
+            </a:schemeClr>
+          </a:lnRef>
+          <a:fillRef idx="1">
+            <a:schemeClr val="accent1"/>
+          </a:fillRef>
+          <a:effectRef idx="0">
+            <a:schemeClr val="accent1"/>
+          </a:effectRef>
+          <a:fontRef idx="minor">
+            <a:schemeClr val="lt1"/>
+          </a:fontRef>
+        </p:style>
+        <p:txBody>
+          <a:bodyPr rtlCol="0" anchor="ctr"/>
+          <a:lstStyle/>
+          <a:p>
+            <a:pPr algn="ctr"/>
+            <a:r>
+              <a:rPr lang="en-US" altLang="zh-CN" dirty="0" err="1">
+                <a:solidFill>
+                  <a:sysClr val="windowText" lastClr="000000"/>
+                </a:solidFill>
+              </a:rPr>
+              <a:t>EnterinterpreterFromInvoke</a:t>
+            </a:r>
+            <a:endParaRPr lang="en-US" altLang="zh-CN" dirty="0">
+              <a:solidFill>
+                <a:sysClr val="windowText" lastClr="000000"/>
+              </a:solidFill>
+            </a:endParaRPr>
+          </a:p>
+          <a:p>
+            <a:pPr algn="ctr"/>
+            <a:r>
+              <a:rPr lang="zh-CN" altLang="en-US" dirty="0">
+                <a:solidFill>
+                  <a:sysClr val="windowText" lastClr="000000"/>
+                </a:solidFill>
+              </a:rPr>
+              <a:t>（调试模式下</a:t>
+            </a:r>
+            <a:r>
+              <a:rPr lang="en-US" altLang="zh-CN" dirty="0" err="1">
+                <a:solidFill>
+                  <a:sysClr val="windowText" lastClr="000000"/>
+                </a:solidFill>
+              </a:rPr>
+              <a:t>ArtMethod</a:t>
+            </a:r>
+            <a:r>
+              <a:rPr lang="en-US" altLang="zh-CN" dirty="0">
+                <a:solidFill>
+                  <a:sysClr val="windowText" lastClr="000000"/>
+                </a:solidFill>
+              </a:rPr>
+              <a:t>::Invoke</a:t>
+            </a:r>
+            <a:r>
+              <a:rPr lang="zh-CN" altLang="en-US" dirty="0">
+                <a:solidFill>
+                  <a:sysClr val="windowText" lastClr="000000"/>
+                </a:solidFill>
+              </a:rPr>
+              <a:t>跳转到</a:t>
+            </a:r>
+            <a:r>
+              <a:rPr lang="en-US" altLang="zh-CN" dirty="0">
+                <a:solidFill>
+                  <a:sysClr val="windowText" lastClr="000000"/>
+                </a:solidFill>
+              </a:rPr>
+              <a:t>Execute</a:t>
+            </a:r>
+            <a:r>
+              <a:rPr lang="zh-CN" altLang="en-US" dirty="0">
+                <a:solidFill>
+                  <a:sysClr val="windowText" lastClr="000000"/>
+                </a:solidFill>
+              </a:rPr>
+              <a:t>执行）</a:t>
+            </a:r>
+          </a:p>
+        </p:txBody>
+      </p:sp>
+      <p:sp>
+        <p:nvSpPr>
+          <p:cNvPr id="7" name="矩形 6">
             <a:extLst>
-              <a:ext uri="{28A0092B-C50C-407E-A947-70E740481C1C}">
-                <a14:useLocalDpi xmlns:a14="http://schemas.microsoft.com/office/drawing/2010/main" val="0"/>
+              <a:ext uri="{FF2B5EF4-FFF2-40B4-BE49-F238E27FC236}">
+                <a16:creationId xmlns:a16="http://schemas.microsoft.com/office/drawing/2014/main" id="{9E0F217C-9583-4FBA-AF10-840343FE189F}"/>
               </a:ext>
             </a:extLst>
-          </a:blip>
-          <a:stretch>
-            <a:fillRect/>
-          </a:stretch>
-        </p:blipFill>
-        <p:spPr>
-          <a:xfrm>
-            <a:off x="2965938" y="1085850"/>
-            <a:ext cx="6400800" cy="4686300"/>
+          </p:cNvPr>
+          <p:cNvSpPr/>
+          <p:nvPr/>
+        </p:nvSpPr>
+        <p:spPr>
+          <a:xfrm>
+            <a:off x="6989635" y="1171575"/>
+            <a:ext cx="3811716" cy="1438274"/>
           </a:xfrm>
           <a:prstGeom prst="rect">
             <a:avLst/>
           </a:prstGeom>
-        </p:spPr>
-      </p:pic>
+          <a:noFill/>
+          <a:ln w="25400">
+            <a:solidFill>
+              <a:schemeClr val="accent1">
+                <a:lumMod val="75000"/>
+              </a:schemeClr>
+            </a:solidFill>
+          </a:ln>
+        </p:spPr>
+        <p:style>
+          <a:lnRef idx="2">
+            <a:schemeClr val="accent1">
+              <a:shade val="50000"/>
+            </a:schemeClr>
+          </a:lnRef>
+          <a:fillRef idx="1">
+            <a:schemeClr val="accent1"/>
+          </a:fillRef>
+          <a:effectRef idx="0">
+            <a:schemeClr val="accent1"/>
+          </a:effectRef>
+          <a:fontRef idx="minor">
+            <a:schemeClr val="lt1"/>
+          </a:fontRef>
+        </p:style>
+        <p:txBody>
+          <a:bodyPr rtlCol="0" anchor="ctr"/>
+          <a:lstStyle/>
+          <a:p>
+            <a:pPr algn="ctr"/>
+            <a:r>
+              <a:rPr lang="en-US" altLang="zh-CN" dirty="0" err="1">
+                <a:solidFill>
+                  <a:sysClr val="windowText" lastClr="000000"/>
+                </a:solidFill>
+              </a:rPr>
+              <a:t>artQuickToInterpreterBridge</a:t>
+            </a:r>
+            <a:endParaRPr lang="en-US" altLang="zh-CN" dirty="0">
+              <a:solidFill>
+                <a:sysClr val="windowText" lastClr="000000"/>
+              </a:solidFill>
+            </a:endParaRPr>
+          </a:p>
+          <a:p>
+            <a:pPr algn="ctr"/>
+            <a:r>
+              <a:rPr lang="en-US" altLang="zh-CN" dirty="0">
+                <a:solidFill>
+                  <a:sysClr val="windowText" lastClr="000000"/>
+                </a:solidFill>
+              </a:rPr>
+              <a:t>(</a:t>
+            </a:r>
+            <a:r>
+              <a:rPr lang="zh-CN" altLang="en-US" dirty="0">
+                <a:solidFill>
+                  <a:sysClr val="windowText" lastClr="000000"/>
+                </a:solidFill>
+              </a:rPr>
+              <a:t>机器代码执行调用解释执行的方法</a:t>
+            </a:r>
+            <a:r>
+              <a:rPr lang="en-US" altLang="zh-CN" dirty="0">
+                <a:solidFill>
+                  <a:sysClr val="windowText" lastClr="000000"/>
+                </a:solidFill>
+              </a:rPr>
+              <a:t>)</a:t>
+            </a:r>
+            <a:endParaRPr lang="zh-CN" altLang="en-US" dirty="0">
+              <a:solidFill>
+                <a:sysClr val="windowText" lastClr="000000"/>
+              </a:solidFill>
+            </a:endParaRPr>
+          </a:p>
+        </p:txBody>
+      </p:sp>
+      <p:sp>
+        <p:nvSpPr>
+          <p:cNvPr id="8" name="矩形 7">
+            <a:extLst>
+              <a:ext uri="{FF2B5EF4-FFF2-40B4-BE49-F238E27FC236}">
+                <a16:creationId xmlns:a16="http://schemas.microsoft.com/office/drawing/2014/main" id="{D74E4795-B92B-4085-B829-6824243E7153}"/>
+              </a:ext>
+            </a:extLst>
+          </p:cNvPr>
+          <p:cNvSpPr/>
+          <p:nvPr/>
+        </p:nvSpPr>
+        <p:spPr>
+          <a:xfrm>
+            <a:off x="4076211" y="1171575"/>
+            <a:ext cx="2372194" cy="1438275"/>
+          </a:xfrm>
+          <a:prstGeom prst="rect">
+            <a:avLst/>
+          </a:prstGeom>
+          <a:noFill/>
+          <a:ln w="25400">
+            <a:solidFill>
+              <a:schemeClr val="accent1">
+                <a:lumMod val="75000"/>
+              </a:schemeClr>
+            </a:solidFill>
+          </a:ln>
+        </p:spPr>
+        <p:style>
+          <a:lnRef idx="2">
+            <a:schemeClr val="accent1">
+              <a:shade val="50000"/>
+            </a:schemeClr>
+          </a:lnRef>
+          <a:fillRef idx="1">
+            <a:schemeClr val="accent1"/>
+          </a:fillRef>
+          <a:effectRef idx="0">
+            <a:schemeClr val="accent1"/>
+          </a:effectRef>
+          <a:fontRef idx="minor">
+            <a:schemeClr val="lt1"/>
+          </a:fontRef>
+        </p:style>
+        <p:txBody>
+          <a:bodyPr rtlCol="0" anchor="ctr"/>
+          <a:lstStyle/>
+          <a:p>
+            <a:pPr algn="ctr"/>
+            <a:r>
+              <a:rPr lang="en-US" altLang="zh-CN" dirty="0" err="1">
+                <a:solidFill>
+                  <a:sysClr val="windowText" lastClr="000000"/>
+                </a:solidFill>
+              </a:rPr>
+              <a:t>ArtInterpreterTo</a:t>
+            </a:r>
+            <a:endParaRPr lang="en-US" altLang="zh-CN" dirty="0">
+              <a:solidFill>
+                <a:sysClr val="windowText" lastClr="000000"/>
+              </a:solidFill>
+            </a:endParaRPr>
+          </a:p>
+          <a:p>
+            <a:pPr algn="ctr"/>
+            <a:r>
+              <a:rPr lang="en-US" altLang="zh-CN" dirty="0" err="1">
+                <a:solidFill>
+                  <a:sysClr val="windowText" lastClr="000000"/>
+                </a:solidFill>
+              </a:rPr>
+              <a:t>InterpreterBridge</a:t>
+            </a:r>
+            <a:endParaRPr lang="en-US" altLang="zh-CN" dirty="0">
+              <a:solidFill>
+                <a:sysClr val="windowText" lastClr="000000"/>
+              </a:solidFill>
+            </a:endParaRPr>
+          </a:p>
+          <a:p>
+            <a:pPr algn="ctr"/>
+            <a:r>
+              <a:rPr lang="en-US" altLang="zh-CN" dirty="0">
+                <a:solidFill>
+                  <a:sysClr val="windowText" lastClr="000000"/>
+                </a:solidFill>
+              </a:rPr>
+              <a:t>(</a:t>
+            </a:r>
+            <a:r>
+              <a:rPr lang="zh-CN" altLang="en-US" dirty="0">
+                <a:solidFill>
+                  <a:sysClr val="windowText" lastClr="000000"/>
+                </a:solidFill>
+              </a:rPr>
+              <a:t>解释执行调用解释执行的方法</a:t>
+            </a:r>
+            <a:r>
+              <a:rPr lang="en-US" altLang="zh-CN" dirty="0">
+                <a:solidFill>
+                  <a:sysClr val="windowText" lastClr="000000"/>
+                </a:solidFill>
+              </a:rPr>
+              <a:t>)</a:t>
+            </a:r>
+            <a:endParaRPr lang="zh-CN" altLang="en-US" dirty="0">
+              <a:solidFill>
+                <a:sysClr val="windowText" lastClr="000000"/>
+              </a:solidFill>
+            </a:endParaRPr>
+          </a:p>
+        </p:txBody>
+      </p:sp>
+      <p:sp>
+        <p:nvSpPr>
+          <p:cNvPr id="9" name="矩形 8">
+            <a:extLst>
+              <a:ext uri="{FF2B5EF4-FFF2-40B4-BE49-F238E27FC236}">
+                <a16:creationId xmlns:a16="http://schemas.microsoft.com/office/drawing/2014/main" id="{EAC8F68B-C494-440F-8227-73544AD9D934}"/>
+              </a:ext>
+            </a:extLst>
+          </p:cNvPr>
+          <p:cNvSpPr/>
+          <p:nvPr/>
+        </p:nvSpPr>
+        <p:spPr>
+          <a:xfrm>
+            <a:off x="4425290" y="3870023"/>
+            <a:ext cx="2636613" cy="756255"/>
+          </a:xfrm>
+          <a:prstGeom prst="rect">
+            <a:avLst/>
+          </a:prstGeom>
+          <a:noFill/>
+          <a:ln w="25400">
+            <a:solidFill>
+              <a:schemeClr val="accent1">
+                <a:lumMod val="75000"/>
+              </a:schemeClr>
+            </a:solidFill>
+          </a:ln>
+        </p:spPr>
+        <p:style>
+          <a:lnRef idx="2">
+            <a:schemeClr val="accent1">
+              <a:shade val="50000"/>
+            </a:schemeClr>
+          </a:lnRef>
+          <a:fillRef idx="1">
+            <a:schemeClr val="accent1"/>
+          </a:fillRef>
+          <a:effectRef idx="0">
+            <a:schemeClr val="accent1"/>
+          </a:effectRef>
+          <a:fontRef idx="minor">
+            <a:schemeClr val="lt1"/>
+          </a:fontRef>
+        </p:style>
+        <p:txBody>
+          <a:bodyPr rtlCol="0" anchor="ctr"/>
+          <a:lstStyle/>
+          <a:p>
+            <a:pPr algn="ctr"/>
+            <a:r>
+              <a:rPr lang="en-US" altLang="zh-CN" dirty="0">
+                <a:solidFill>
+                  <a:sysClr val="windowText" lastClr="000000"/>
+                </a:solidFill>
+              </a:rPr>
+              <a:t>Execute()</a:t>
+            </a:r>
+            <a:endParaRPr lang="zh-CN" altLang="en-US" dirty="0">
+              <a:solidFill>
+                <a:sysClr val="windowText" lastClr="000000"/>
+              </a:solidFill>
+            </a:endParaRPr>
+          </a:p>
+        </p:txBody>
+      </p:sp>
+      <p:cxnSp>
+        <p:nvCxnSpPr>
+          <p:cNvPr id="10" name="连接符: 肘形 9">
+            <a:extLst>
+              <a:ext uri="{FF2B5EF4-FFF2-40B4-BE49-F238E27FC236}">
+                <a16:creationId xmlns:a16="http://schemas.microsoft.com/office/drawing/2014/main" id="{9E8C699E-CF24-44C6-98EF-5741CCCB3C30}"/>
+              </a:ext>
+            </a:extLst>
+          </p:cNvPr>
+          <p:cNvCxnSpPr>
+            <a:cxnSpLocks/>
+            <a:stCxn id="6" idx="2"/>
+            <a:endCxn id="9" idx="0"/>
+          </p:cNvCxnSpPr>
+          <p:nvPr/>
+        </p:nvCxnSpPr>
+        <p:spPr>
+          <a:xfrm rot="16200000" flipH="1">
+            <a:off x="3288061" y="1414487"/>
+            <a:ext cx="1260174" cy="3650897"/>
+          </a:xfrm>
+          <a:prstGeom prst="bentConnector3">
+            <a:avLst/>
+          </a:prstGeom>
+          <a:ln w="28575">
+            <a:tailEnd type="triangle"/>
+          </a:ln>
+        </p:spPr>
+        <p:style>
+          <a:lnRef idx="1">
+            <a:schemeClr val="accent1"/>
+          </a:lnRef>
+          <a:fillRef idx="0">
+            <a:schemeClr val="accent1"/>
+          </a:fillRef>
+          <a:effectRef idx="0">
+            <a:schemeClr val="accent1"/>
+          </a:effectRef>
+          <a:fontRef idx="minor">
+            <a:schemeClr val="tx1"/>
+          </a:fontRef>
+        </p:style>
+      </p:cxnSp>
+      <p:cxnSp>
+        <p:nvCxnSpPr>
+          <p:cNvPr id="12" name="连接符: 肘形 11">
+            <a:extLst>
+              <a:ext uri="{FF2B5EF4-FFF2-40B4-BE49-F238E27FC236}">
+                <a16:creationId xmlns:a16="http://schemas.microsoft.com/office/drawing/2014/main" id="{5AD0A599-70F1-4350-8C6B-0E4D739BEA41}"/>
+              </a:ext>
+            </a:extLst>
+          </p:cNvPr>
+          <p:cNvCxnSpPr>
+            <a:cxnSpLocks/>
+            <a:stCxn id="8" idx="2"/>
+            <a:endCxn id="9" idx="0"/>
+          </p:cNvCxnSpPr>
+          <p:nvPr/>
+        </p:nvCxnSpPr>
+        <p:spPr>
+          <a:xfrm rot="16200000" flipH="1">
+            <a:off x="4872866" y="2999291"/>
+            <a:ext cx="1260173" cy="481289"/>
+          </a:xfrm>
+          <a:prstGeom prst="bentConnector3">
+            <a:avLst/>
+          </a:prstGeom>
+          <a:ln w="28575">
+            <a:tailEnd type="triangle"/>
+          </a:ln>
+        </p:spPr>
+        <p:style>
+          <a:lnRef idx="1">
+            <a:schemeClr val="accent1"/>
+          </a:lnRef>
+          <a:fillRef idx="0">
+            <a:schemeClr val="accent1"/>
+          </a:fillRef>
+          <a:effectRef idx="0">
+            <a:schemeClr val="accent1"/>
+          </a:effectRef>
+          <a:fontRef idx="minor">
+            <a:schemeClr val="tx1"/>
+          </a:fontRef>
+        </p:style>
+      </p:cxnSp>
+      <p:cxnSp>
+        <p:nvCxnSpPr>
+          <p:cNvPr id="13" name="连接符: 肘形 12">
+            <a:extLst>
+              <a:ext uri="{FF2B5EF4-FFF2-40B4-BE49-F238E27FC236}">
+                <a16:creationId xmlns:a16="http://schemas.microsoft.com/office/drawing/2014/main" id="{B85A2E31-3443-4938-BA7C-3F66694AF3C5}"/>
+              </a:ext>
+            </a:extLst>
+          </p:cNvPr>
+          <p:cNvCxnSpPr>
+            <a:cxnSpLocks/>
+            <a:stCxn id="7" idx="2"/>
+            <a:endCxn id="9" idx="0"/>
+          </p:cNvCxnSpPr>
+          <p:nvPr/>
+        </p:nvCxnSpPr>
+        <p:spPr>
+          <a:xfrm rot="5400000">
+            <a:off x="6689458" y="1663988"/>
+            <a:ext cx="1260174" cy="3151896"/>
+          </a:xfrm>
+          <a:prstGeom prst="bentConnector3">
+            <a:avLst>
+              <a:gd name="adj1" fmla="val 50000"/>
+            </a:avLst>
+          </a:prstGeom>
+          <a:ln w="28575">
+            <a:tailEnd type="triangle"/>
+          </a:ln>
+        </p:spPr>
+        <p:style>
+          <a:lnRef idx="1">
+            <a:schemeClr val="accent1"/>
+          </a:lnRef>
+          <a:fillRef idx="0">
+            <a:schemeClr val="accent1"/>
+          </a:fillRef>
+          <a:effectRef idx="0">
+            <a:schemeClr val="accent1"/>
+          </a:effectRef>
+          <a:fontRef idx="minor">
+            <a:schemeClr val="tx1"/>
+          </a:fontRef>
+        </p:style>
+      </p:cxnSp>
+      <p:cxnSp>
+        <p:nvCxnSpPr>
+          <p:cNvPr id="53" name="连接符: 肘形 52">
+            <a:extLst>
+              <a:ext uri="{FF2B5EF4-FFF2-40B4-BE49-F238E27FC236}">
+                <a16:creationId xmlns:a16="http://schemas.microsoft.com/office/drawing/2014/main" id="{F58BA4E7-F47E-4B82-9C0A-501DDB6C497F}"/>
+              </a:ext>
+            </a:extLst>
+          </p:cNvPr>
+          <p:cNvCxnSpPr/>
+          <p:nvPr/>
+        </p:nvCxnSpPr>
+        <p:spPr>
+          <a:xfrm rot="16200000" flipH="1">
+            <a:off x="6863416" y="3506459"/>
+            <a:ext cx="969381" cy="3209019"/>
+          </a:xfrm>
+          <a:prstGeom prst="bentConnector3">
+            <a:avLst/>
+          </a:prstGeom>
+          <a:ln w="28575">
+            <a:tailEnd type="triangle"/>
+          </a:ln>
+        </p:spPr>
+        <p:style>
+          <a:lnRef idx="1">
+            <a:schemeClr val="accent1"/>
+          </a:lnRef>
+          <a:fillRef idx="0">
+            <a:schemeClr val="accent1"/>
+          </a:fillRef>
+          <a:effectRef idx="0">
+            <a:schemeClr val="accent1"/>
+          </a:effectRef>
+          <a:fontRef idx="minor">
+            <a:schemeClr val="tx1"/>
+          </a:fontRef>
+        </p:style>
+      </p:cxnSp>
+      <p:cxnSp>
+        <p:nvCxnSpPr>
+          <p:cNvPr id="54" name="连接符: 肘形 53">
+            <a:extLst>
+              <a:ext uri="{FF2B5EF4-FFF2-40B4-BE49-F238E27FC236}">
+                <a16:creationId xmlns:a16="http://schemas.microsoft.com/office/drawing/2014/main" id="{47827F2F-075C-4A51-90E2-1979188906E4}"/>
+              </a:ext>
+            </a:extLst>
+          </p:cNvPr>
+          <p:cNvCxnSpPr/>
+          <p:nvPr/>
+        </p:nvCxnSpPr>
+        <p:spPr>
+          <a:xfrm rot="5400000">
+            <a:off x="4091925" y="3943987"/>
+            <a:ext cx="969381" cy="2333964"/>
+          </a:xfrm>
+          <a:prstGeom prst="bentConnector3">
+            <a:avLst/>
+          </a:prstGeom>
+          <a:ln w="28575">
+            <a:tailEnd type="triangle"/>
+          </a:ln>
+        </p:spPr>
+        <p:style>
+          <a:lnRef idx="1">
+            <a:schemeClr val="accent1"/>
+          </a:lnRef>
+          <a:fillRef idx="0">
+            <a:schemeClr val="accent1"/>
+          </a:fillRef>
+          <a:effectRef idx="0">
+            <a:schemeClr val="accent1"/>
+          </a:effectRef>
+          <a:fontRef idx="minor">
+            <a:schemeClr val="tx1"/>
+          </a:fontRef>
+        </p:style>
+      </p:cxnSp>
+      <p:sp>
+        <p:nvSpPr>
+          <p:cNvPr id="58" name="矩形 57">
+            <a:extLst>
+              <a:ext uri="{FF2B5EF4-FFF2-40B4-BE49-F238E27FC236}">
+                <a16:creationId xmlns:a16="http://schemas.microsoft.com/office/drawing/2014/main" id="{86CB0101-9993-46EC-9212-B9C9D2EE669E}"/>
+              </a:ext>
+            </a:extLst>
+          </p:cNvPr>
+          <p:cNvSpPr/>
+          <p:nvPr/>
+        </p:nvSpPr>
+        <p:spPr>
+          <a:xfrm>
+            <a:off x="1518920" y="5595659"/>
+            <a:ext cx="3209019" cy="756255"/>
+          </a:xfrm>
+          <a:prstGeom prst="rect">
+            <a:avLst/>
+          </a:prstGeom>
+          <a:noFill/>
+          <a:ln w="25400">
+            <a:solidFill>
+              <a:schemeClr val="accent1">
+                <a:lumMod val="75000"/>
+              </a:schemeClr>
+            </a:solidFill>
+          </a:ln>
+        </p:spPr>
+        <p:style>
+          <a:lnRef idx="2">
+            <a:schemeClr val="accent1">
+              <a:shade val="50000"/>
+            </a:schemeClr>
+          </a:lnRef>
+          <a:fillRef idx="1">
+            <a:schemeClr val="accent1"/>
+          </a:fillRef>
+          <a:effectRef idx="0">
+            <a:schemeClr val="accent1"/>
+          </a:effectRef>
+          <a:fontRef idx="minor">
+            <a:schemeClr val="lt1"/>
+          </a:fontRef>
+        </p:style>
+        <p:txBody>
+          <a:bodyPr rtlCol="0" anchor="ctr"/>
+          <a:lstStyle/>
+          <a:p>
+            <a:pPr algn="ctr"/>
+            <a:r>
+              <a:rPr lang="en-US" altLang="zh-CN">
+                <a:solidFill>
+                  <a:sysClr val="windowText" lastClr="000000"/>
+                </a:solidFill>
+              </a:rPr>
+              <a:t>ArtInterpreterToCompiledCodeBridge</a:t>
+            </a:r>
+            <a:endParaRPr lang="en-US" altLang="zh-CN" dirty="0">
+              <a:solidFill>
+                <a:sysClr val="windowText" lastClr="000000"/>
+              </a:solidFill>
+            </a:endParaRPr>
+          </a:p>
+        </p:txBody>
+      </p:sp>
+      <p:sp>
+        <p:nvSpPr>
+          <p:cNvPr id="59" name="文本框 58">
+            <a:extLst>
+              <a:ext uri="{FF2B5EF4-FFF2-40B4-BE49-F238E27FC236}">
+                <a16:creationId xmlns:a16="http://schemas.microsoft.com/office/drawing/2014/main" id="{ED57E973-8AEC-4D05-914A-E6E6E4E5FFAC}"/>
+              </a:ext>
+            </a:extLst>
+          </p:cNvPr>
+          <p:cNvSpPr txBox="1"/>
+          <p:nvPr/>
+        </p:nvSpPr>
+        <p:spPr>
+          <a:xfrm>
+            <a:off x="3407346" y="4741636"/>
+            <a:ext cx="1118065" cy="369332"/>
+          </a:xfrm>
+          <a:prstGeom prst="rect">
+            <a:avLst/>
+          </a:prstGeom>
+          <a:noFill/>
+        </p:spPr>
+        <p:txBody>
+          <a:bodyPr wrap="square" rtlCol="0">
+            <a:spAutoFit/>
+          </a:bodyPr>
+          <a:lstStyle/>
+          <a:p>
+            <a:r>
+              <a:rPr lang="en-US" altLang="zh-CN" dirty="0"/>
+              <a:t>JIT</a:t>
+            </a:r>
+            <a:r>
+              <a:rPr lang="zh-CN" altLang="en-US" dirty="0"/>
+              <a:t>机制</a:t>
+            </a:r>
+          </a:p>
+        </p:txBody>
+      </p:sp>
+      <p:sp>
+        <p:nvSpPr>
+          <p:cNvPr id="60" name="矩形 59">
+            <a:extLst>
+              <a:ext uri="{FF2B5EF4-FFF2-40B4-BE49-F238E27FC236}">
+                <a16:creationId xmlns:a16="http://schemas.microsoft.com/office/drawing/2014/main" id="{360C8F08-9F6F-433A-9BD9-D86803591A91}"/>
+              </a:ext>
+            </a:extLst>
+          </p:cNvPr>
+          <p:cNvSpPr/>
+          <p:nvPr/>
+        </p:nvSpPr>
+        <p:spPr>
+          <a:xfrm>
+            <a:off x="8324850" y="5595658"/>
+            <a:ext cx="1390650" cy="795617"/>
+          </a:xfrm>
+          <a:prstGeom prst="rect">
+            <a:avLst/>
+          </a:prstGeom>
+          <a:noFill/>
+          <a:ln w="25400">
+            <a:solidFill>
+              <a:schemeClr val="accent1">
+                <a:lumMod val="75000"/>
+              </a:schemeClr>
+            </a:solidFill>
+          </a:ln>
+        </p:spPr>
+        <p:style>
+          <a:lnRef idx="2">
+            <a:schemeClr val="accent1">
+              <a:shade val="50000"/>
+            </a:schemeClr>
+          </a:lnRef>
+          <a:fillRef idx="1">
+            <a:schemeClr val="accent1"/>
+          </a:fillRef>
+          <a:effectRef idx="0">
+            <a:schemeClr val="accent1"/>
+          </a:effectRef>
+          <a:fontRef idx="minor">
+            <a:schemeClr val="lt1"/>
+          </a:fontRef>
+        </p:style>
+        <p:txBody>
+          <a:bodyPr rtlCol="0" anchor="ctr"/>
+          <a:lstStyle/>
+          <a:p>
+            <a:pPr algn="ctr"/>
+            <a:r>
+              <a:rPr lang="zh-CN" altLang="en-US" dirty="0">
+                <a:solidFill>
+                  <a:sysClr val="windowText" lastClr="000000"/>
+                </a:solidFill>
+              </a:rPr>
+              <a:t>解释器</a:t>
+            </a:r>
+            <a:endParaRPr lang="en-US" altLang="zh-CN" dirty="0">
+              <a:solidFill>
+                <a:sysClr val="windowText" lastClr="000000"/>
+              </a:solidFill>
+            </a:endParaRPr>
+          </a:p>
+        </p:txBody>
+      </p:sp>
+      <p:sp>
+        <p:nvSpPr>
+          <p:cNvPr id="61" name="文本框 60">
+            <a:extLst>
+              <a:ext uri="{FF2B5EF4-FFF2-40B4-BE49-F238E27FC236}">
+                <a16:creationId xmlns:a16="http://schemas.microsoft.com/office/drawing/2014/main" id="{A6B81C4F-F212-46C5-931F-21CD6326A028}"/>
+              </a:ext>
+            </a:extLst>
+          </p:cNvPr>
+          <p:cNvSpPr txBox="1"/>
+          <p:nvPr/>
+        </p:nvSpPr>
+        <p:spPr>
+          <a:xfrm>
+            <a:off x="7777428" y="4739821"/>
+            <a:ext cx="1118065" cy="369332"/>
+          </a:xfrm>
+          <a:prstGeom prst="rect">
+            <a:avLst/>
+          </a:prstGeom>
+          <a:noFill/>
+        </p:spPr>
+        <p:txBody>
+          <a:bodyPr wrap="square" rtlCol="0">
+            <a:spAutoFit/>
+          </a:bodyPr>
+          <a:lstStyle/>
+          <a:p>
+            <a:r>
+              <a:rPr lang="zh-CN" altLang="en-US" dirty="0"/>
+              <a:t>解释执行</a:t>
+            </a:r>
+          </a:p>
+        </p:txBody>
+      </p:sp>
     </p:spTree>
     <p:extLst>
       <p:ext uri="{BB962C8B-B14F-4D97-AF65-F5344CB8AC3E}">
@@ -4818,14 +8484,14 @@
           <p:nvPr>
             <p:extLst>
               <p:ext uri="{D42A27DB-BD31-4B8C-83A1-F6EECF244321}">
-                <p14:modId xmlns:p14="http://schemas.microsoft.com/office/powerpoint/2010/main" val="3395775419"/>
+                <p14:modId xmlns:p14="http://schemas.microsoft.com/office/powerpoint/2010/main" val="94079856"/>
               </p:ext>
             </p:extLst>
           </p:nvPr>
         </p:nvGraphicFramePr>
         <p:xfrm>
-          <a:off x="1446963" y="1256044"/>
-          <a:ext cx="8400422" cy="3222895"/>
+          <a:off x="1317132" y="1085922"/>
+          <a:ext cx="9557735" cy="5120640"/>
         </p:xfrm>
         <a:graphic>
           <a:graphicData uri="http://schemas.openxmlformats.org/drawingml/2006/table">
@@ -4834,21 +8500,21 @@
                 <a:tableStyleId>{C083E6E3-FA7D-4D7B-A595-EF9225AFEA82}</a:tableStyleId>
               </a:tblPr>
               <a:tblGrid>
-                <a:gridCol w="2612208">
+                <a:gridCol w="2470771">
                   <a:extLst>
                     <a:ext uri="{9D8B030D-6E8A-4147-A177-3AD203B41FA5}">
                       <a16:colId xmlns:a16="http://schemas.microsoft.com/office/drawing/2014/main" val="2376370060"/>
                     </a:ext>
                   </a:extLst>
                 </a:gridCol>
-                <a:gridCol w="2922736">
+                <a:gridCol w="3578535">
                   <a:extLst>
                     <a:ext uri="{9D8B030D-6E8A-4147-A177-3AD203B41FA5}">
                       <a16:colId xmlns:a16="http://schemas.microsoft.com/office/drawing/2014/main" val="3226118574"/>
                     </a:ext>
                   </a:extLst>
                 </a:gridCol>
-                <a:gridCol w="2865478">
+                <a:gridCol w="3508429">
                   <a:extLst>
                     <a:ext uri="{9D8B030D-6E8A-4147-A177-3AD203B41FA5}">
                       <a16:colId xmlns:a16="http://schemas.microsoft.com/office/drawing/2014/main" val="2397610021"/>
@@ -4890,7 +8556,7 @@
                     <a:p>
                       <a:r>
                         <a:rPr lang="zh-CN" altLang="en-US" dirty="0"/>
-                        <a:t>被用于对抗何种分析技术</a:t>
+                        <a:t>用途</a:t>
                       </a:r>
                     </a:p>
                   </a:txBody>
@@ -4921,7 +8587,10 @@
                     <a:bodyPr/>
                     <a:lstStyle/>
                     <a:p>
-                      <a:endParaRPr lang="zh-CN" altLang="en-US" dirty="0"/>
+                      <a:r>
+                        <a:rPr lang="zh-CN" altLang="en-US" dirty="0"/>
+                        <a:t>应用运行时对自身代码数据进行校验</a:t>
+                      </a:r>
                     </a:p>
                   </a:txBody>
                   <a:tcPr/>
@@ -4931,6 +8600,17 @@
                     <a:bodyPr/>
                     <a:lstStyle/>
                     <a:p>
+                      <a:r>
+                        <a:rPr lang="zh-CN" altLang="en-US" dirty="0"/>
+                        <a:t>对抗修改应用的技术如</a:t>
+                      </a:r>
+                      <a:endParaRPr lang="en-US" altLang="zh-CN" dirty="0"/>
+                    </a:p>
+                    <a:p>
+                      <a:r>
+                        <a:rPr lang="en-US" altLang="zh-CN" dirty="0"/>
+                        <a:t>Application Instrumentation</a:t>
+                      </a:r>
                       <a:endParaRPr lang="zh-CN" altLang="en-US" dirty="0"/>
                     </a:p>
                   </a:txBody>
@@ -4961,7 +8641,10 @@
                     <a:bodyPr/>
                     <a:lstStyle/>
                     <a:p>
-                      <a:endParaRPr lang="zh-CN" altLang="en-US" dirty="0"/>
+                      <a:r>
+                        <a:rPr lang="zh-CN" altLang="en-US" dirty="0"/>
+                        <a:t>将方法和变量名修改为无意义的字符串</a:t>
+                      </a:r>
                     </a:p>
                   </a:txBody>
                   <a:tcPr/>
@@ -4971,7 +8654,10 @@
                     <a:bodyPr/>
                     <a:lstStyle/>
                     <a:p>
-                      <a:endParaRPr lang="zh-CN" altLang="en-US" dirty="0"/>
+                      <a:r>
+                        <a:rPr lang="zh-CN" altLang="en-US" dirty="0"/>
+                        <a:t>增加逆向分析应用逻辑的难度</a:t>
+                      </a:r>
                     </a:p>
                   </a:txBody>
                   <a:tcPr/>
@@ -5001,7 +8687,14 @@
                     <a:bodyPr/>
                     <a:lstStyle/>
                     <a:p>
-                      <a:endParaRPr lang="zh-CN" altLang="en-US" dirty="0"/>
+                      <a:r>
+                        <a:rPr lang="en-US" altLang="zh-CN" dirty="0"/>
+                        <a:t>hook</a:t>
+                      </a:r>
+                      <a:r>
+                        <a:rPr lang="zh-CN" altLang="en-US" dirty="0"/>
+                        <a:t>某些方法使其名称与实际执行代码不符</a:t>
+                      </a:r>
                     </a:p>
                   </a:txBody>
                   <a:tcPr/>
@@ -5011,7 +8704,10 @@
                     <a:bodyPr/>
                     <a:lstStyle/>
                     <a:p>
-                      <a:endParaRPr lang="zh-CN" altLang="en-US" dirty="0"/>
+                      <a:r>
+                        <a:rPr lang="zh-CN" altLang="en-US" dirty="0"/>
+                        <a:t>对抗动态分析技术</a:t>
+                      </a:r>
                     </a:p>
                   </a:txBody>
                   <a:tcPr/>
@@ -5049,7 +8745,18 @@
                     <a:bodyPr/>
                     <a:lstStyle/>
                     <a:p>
-                      <a:endParaRPr lang="zh-CN" altLang="en-US" dirty="0"/>
+                      <a:r>
+                        <a:rPr lang="zh-CN" altLang="en-US" dirty="0"/>
+                        <a:t>将</a:t>
+                      </a:r>
+                      <a:r>
+                        <a:rPr lang="en-US" altLang="zh-CN" dirty="0" err="1"/>
+                        <a:t>dex</a:t>
+                      </a:r>
+                      <a:r>
+                        <a:rPr lang="zh-CN" altLang="en-US" dirty="0"/>
+                        <a:t>文件加密，在需要时动态的解密和加载或者修改</a:t>
+                      </a:r>
                     </a:p>
                   </a:txBody>
                   <a:tcPr/>
@@ -5059,7 +8766,18 @@
                     <a:bodyPr/>
                     <a:lstStyle/>
                     <a:p>
-                      <a:endParaRPr lang="zh-CN" altLang="en-US" dirty="0"/>
+                      <a:r>
+                        <a:rPr lang="zh-CN" altLang="en-US" dirty="0"/>
+                        <a:t>对抗静态分析，并通过</a:t>
+                      </a:r>
+                      <a:r>
+                        <a:rPr lang="en-US" altLang="zh-CN" dirty="0" err="1"/>
+                        <a:t>dex</a:t>
+                      </a:r>
+                      <a:r>
+                        <a:rPr lang="zh-CN" altLang="en-US" dirty="0"/>
+                        <a:t>文件部分解密等技术对抗脱壳工具</a:t>
+                      </a:r>
                     </a:p>
                   </a:txBody>
                   <a:tcPr/>
@@ -5089,7 +8807,26 @@
                     <a:bodyPr/>
                     <a:lstStyle/>
                     <a:p>
-                      <a:endParaRPr lang="zh-CN" altLang="en-US" dirty="0"/>
+                      <a:r>
+                        <a:rPr lang="zh-CN" altLang="en-US" dirty="0"/>
+                        <a:t>将</a:t>
+                      </a:r>
+                      <a:r>
+                        <a:rPr lang="en-US" altLang="zh-CN" dirty="0"/>
+                        <a:t>Java</a:t>
+                      </a:r>
+                      <a:r>
+                        <a:rPr lang="zh-CN" altLang="en-US" dirty="0"/>
+                        <a:t>方法转换为本地代码来实现，可以借助</a:t>
+                      </a:r>
+                      <a:r>
+                        <a:rPr lang="en-US" altLang="zh-CN" dirty="0"/>
+                        <a:t>VMP</a:t>
+                      </a:r>
+                      <a:r>
+                        <a:rPr lang="zh-CN" altLang="en-US" dirty="0"/>
+                        <a:t>技术增加分析难度</a:t>
+                      </a:r>
                     </a:p>
                   </a:txBody>
                   <a:tcPr/>
@@ -5099,7 +8836,10 @@
                     <a:bodyPr/>
                     <a:lstStyle/>
                     <a:p>
-                      <a:endParaRPr lang="zh-CN" altLang="en-US" dirty="0"/>
+                      <a:r>
+                        <a:rPr lang="zh-CN" altLang="en-US" dirty="0"/>
+                        <a:t>增加逆向分析应用逻辑的难度</a:t>
+                      </a:r>
                     </a:p>
                   </a:txBody>
                   <a:tcPr/>
@@ -5129,6 +8869,10 @@
                     <a:bodyPr/>
                     <a:lstStyle/>
                     <a:p>
+                      <a:r>
+                        <a:rPr lang="zh-CN" altLang="en-US" dirty="0"/>
+                        <a:t>根据模拟器的某些特征检测运行环境是否为模拟器</a:t>
+                      </a:r>
                       <a:endParaRPr lang="en-US" altLang="zh-CN" dirty="0"/>
                     </a:p>
                   </a:txBody>
@@ -5139,7 +8883,10 @@
                     <a:bodyPr/>
                     <a:lstStyle/>
                     <a:p>
-                      <a:endParaRPr lang="zh-CN" altLang="en-US" dirty="0"/>
+                      <a:r>
+                        <a:rPr lang="zh-CN" altLang="en-US" dirty="0"/>
+                        <a:t>对抗基于模拟器的动态分析工具</a:t>
+                      </a:r>
                     </a:p>
                   </a:txBody>
                   <a:tcPr/>
@@ -5169,6 +8916,10 @@
                     <a:bodyPr/>
                     <a:lstStyle/>
                     <a:p>
+                      <a:r>
+                        <a:rPr lang="zh-CN" altLang="en-US" dirty="0"/>
+                        <a:t>通过各种手段检测应用是否处于被调试的状态</a:t>
+                      </a:r>
                       <a:endParaRPr lang="en-US" altLang="zh-CN" dirty="0"/>
                     </a:p>
                   </a:txBody>
@@ -5179,7 +8930,10 @@
                     <a:bodyPr/>
                     <a:lstStyle/>
                     <a:p>
-                      <a:endParaRPr lang="zh-CN" altLang="en-US" dirty="0"/>
+                      <a:r>
+                        <a:rPr lang="zh-CN" altLang="en-US" dirty="0"/>
+                        <a:t>对抗动态分析工具</a:t>
+                      </a:r>
                     </a:p>
                   </a:txBody>
                   <a:tcPr/>
@@ -11414,6 +15168,86 @@
           </p:txBody>
         </p:sp>
       </p:grpSp>
+      <p:cxnSp>
+        <p:nvCxnSpPr>
+          <p:cNvPr id="3" name="连接符: 肘形 2">
+            <a:extLst>
+              <a:ext uri="{FF2B5EF4-FFF2-40B4-BE49-F238E27FC236}">
+                <a16:creationId xmlns:a16="http://schemas.microsoft.com/office/drawing/2014/main" id="{2534E1CC-1D21-4E2D-A564-FA914339A0C3}"/>
+              </a:ext>
+            </a:extLst>
+          </p:cNvPr>
+          <p:cNvCxnSpPr>
+            <a:stCxn id="5" idx="0"/>
+            <a:endCxn id="78" idx="3"/>
+          </p:cNvCxnSpPr>
+          <p:nvPr/>
+        </p:nvCxnSpPr>
+        <p:spPr>
+          <a:xfrm rot="16200000" flipH="1">
+            <a:off x="4987848" y="-1226798"/>
+            <a:ext cx="3522553" cy="8618800"/>
+          </a:xfrm>
+          <a:prstGeom prst="bentConnector4">
+            <a:avLst>
+              <a:gd name="adj1" fmla="val -9464"/>
+              <a:gd name="adj2" fmla="val 102652"/>
+            </a:avLst>
+          </a:prstGeom>
+          <a:ln w="28575">
+            <a:tailEnd type="triangle"/>
+          </a:ln>
+        </p:spPr>
+        <p:style>
+          <a:lnRef idx="1">
+            <a:schemeClr val="accent1"/>
+          </a:lnRef>
+          <a:fillRef idx="0">
+            <a:schemeClr val="accent1"/>
+          </a:fillRef>
+          <a:effectRef idx="0">
+            <a:schemeClr val="accent1"/>
+          </a:effectRef>
+          <a:fontRef idx="minor">
+            <a:schemeClr val="tx1"/>
+          </a:fontRef>
+        </p:style>
+      </p:cxnSp>
+      <p:sp>
+        <p:nvSpPr>
+          <p:cNvPr id="35" name="文本框 34">
+            <a:extLst>
+              <a:ext uri="{FF2B5EF4-FFF2-40B4-BE49-F238E27FC236}">
+                <a16:creationId xmlns:a16="http://schemas.microsoft.com/office/drawing/2014/main" id="{AA14D602-6623-4E2B-9E2E-487B906AD2A4}"/>
+              </a:ext>
+            </a:extLst>
+          </p:cNvPr>
+          <p:cNvSpPr txBox="1"/>
+          <p:nvPr/>
+        </p:nvSpPr>
+        <p:spPr>
+          <a:xfrm>
+            <a:off x="2416479" y="971359"/>
+            <a:ext cx="646331" cy="369332"/>
+          </a:xfrm>
+          <a:prstGeom prst="rect">
+            <a:avLst/>
+          </a:prstGeom>
+          <a:noFill/>
+        </p:spPr>
+        <p:txBody>
+          <a:bodyPr wrap="none" rtlCol="0">
+            <a:spAutoFit/>
+          </a:bodyPr>
+          <a:lstStyle/>
+          <a:p>
+            <a:r>
+              <a:rPr lang="zh-CN" altLang="en-US" dirty="0"/>
+              <a:t>控制</a:t>
+            </a:r>
+          </a:p>
+        </p:txBody>
+      </p:sp>
     </p:spTree>
     <p:extLst>
       <p:ext uri="{BB962C8B-B14F-4D97-AF65-F5344CB8AC3E}">
@@ -11871,8 +15705,8 @@
         </p:nvSpPr>
         <p:spPr>
           <a:xfrm>
-            <a:off x="6756994" y="1049451"/>
-            <a:ext cx="4301531" cy="5355987"/>
+            <a:off x="6756995" y="1049451"/>
+            <a:ext cx="3891956" cy="5355987"/>
           </a:xfrm>
           <a:prstGeom prst="rect">
             <a:avLst/>
@@ -12206,8 +16040,8 @@
         </p:nvSpPr>
         <p:spPr>
           <a:xfrm>
-            <a:off x="7000496" y="4272782"/>
-            <a:ext cx="2588916" cy="975493"/>
+            <a:off x="6857747" y="4272783"/>
+            <a:ext cx="2886328" cy="1082888"/>
           </a:xfrm>
           <a:prstGeom prst="rect">
             <a:avLst/>
@@ -12241,6 +16075,38 @@
         <p:txBody>
           <a:bodyPr rtlCol="0" anchor="ctr"/>
           <a:lstStyle/>
+          <a:p>
+            <a:pPr algn="ctr"/>
+            <a:r>
+              <a:rPr lang="zh-CN" altLang="en-US" dirty="0">
+                <a:solidFill>
+                  <a:sysClr val="windowText" lastClr="000000"/>
+                </a:solidFill>
+              </a:rPr>
+              <a:t>加载</a:t>
+            </a:r>
+            <a:r>
+              <a:rPr lang="en-US" altLang="zh-CN" dirty="0" err="1">
+                <a:solidFill>
+                  <a:sysClr val="windowText" lastClr="000000"/>
+                </a:solidFill>
+              </a:rPr>
+              <a:t>frida</a:t>
+            </a:r>
+            <a:r>
+              <a:rPr lang="zh-CN" altLang="en-US" dirty="0">
+                <a:solidFill>
+                  <a:sysClr val="windowText" lastClr="000000"/>
+                </a:solidFill>
+              </a:rPr>
+              <a:t>动态库，</a:t>
+            </a:r>
+            <a:endParaRPr lang="en-US" altLang="zh-CN" dirty="0">
+              <a:solidFill>
+                <a:sysClr val="windowText" lastClr="000000"/>
+              </a:solidFill>
+            </a:endParaRPr>
+          </a:p>
           <a:p>
             <a:pPr algn="ctr"/>
             <a:r>
@@ -12292,8 +16158,8 @@
         </p:nvSpPr>
         <p:spPr>
           <a:xfrm>
-            <a:off x="7000496" y="5557335"/>
-            <a:ext cx="2588916" cy="596067"/>
+            <a:off x="7000496" y="5808549"/>
+            <a:ext cx="2588916" cy="344853"/>
           </a:xfrm>
           <a:prstGeom prst="rect">
             <a:avLst/>
@@ -12350,6 +16216,7 @@
             </a:extLst>
           </p:cNvPr>
           <p:cNvCxnSpPr>
+            <a:cxnSpLocks/>
             <a:stCxn id="38" idx="3"/>
             <a:endCxn id="44" idx="3"/>
           </p:cNvCxnSpPr>
@@ -12358,11 +16225,11 @@
         <p:spPr>
           <a:xfrm>
             <a:off x="9460330" y="3506902"/>
-            <a:ext cx="129082" cy="2348467"/>
+            <a:ext cx="129082" cy="2474074"/>
           </a:xfrm>
           <a:prstGeom prst="bentConnector3">
             <a:avLst>
-              <a:gd name="adj1" fmla="val 601774"/>
+              <a:gd name="adj1" fmla="val 476331"/>
             </a:avLst>
           </a:prstGeom>
           <a:ln w="28575">
@@ -12446,7 +16313,7 @@
         <p:spPr>
           <a:xfrm>
             <a:off x="8292518" y="3959780"/>
-            <a:ext cx="2436" cy="313002"/>
+            <a:ext cx="8393" cy="313003"/>
           </a:xfrm>
           <a:prstGeom prst="straightConnector1">
             <a:avLst/>
@@ -12487,9 +16354,9 @@
           <p:nvPr/>
         </p:nvCxnSpPr>
         <p:spPr>
-          <a:xfrm>
-            <a:off x="8294954" y="5248275"/>
-            <a:ext cx="0" cy="309060"/>
+          <a:xfrm flipH="1">
+            <a:off x="8294954" y="5355671"/>
+            <a:ext cx="5957" cy="452878"/>
           </a:xfrm>
           <a:prstGeom prst="straightConnector1">
             <a:avLst/>
@@ -15203,7 +19070,7 @@
         </p:nvSpPr>
         <p:spPr>
           <a:xfrm>
-            <a:off x="4290217" y="3293646"/>
+            <a:off x="2696099" y="3405676"/>
             <a:ext cx="2080437" cy="1087435"/>
           </a:xfrm>
           <a:prstGeom prst="rect">
@@ -15242,6 +19109,477 @@
               <a:t>EvMonitor-nativeLogger</a:t>
             </a:r>
             <a:endParaRPr lang="zh-CN" altLang="en-US" dirty="0"/>
+          </a:p>
+        </p:txBody>
+      </p:sp>
+      <p:sp>
+        <p:nvSpPr>
+          <p:cNvPr id="8" name="矩形 7">
+            <a:extLst>
+              <a:ext uri="{FF2B5EF4-FFF2-40B4-BE49-F238E27FC236}">
+                <a16:creationId xmlns:a16="http://schemas.microsoft.com/office/drawing/2014/main" id="{8588A79A-9FE5-481C-89C2-CCB445176705}"/>
+              </a:ext>
+            </a:extLst>
+          </p:cNvPr>
+          <p:cNvSpPr/>
+          <p:nvPr/>
+        </p:nvSpPr>
+        <p:spPr>
+          <a:xfrm>
+            <a:off x="6774174" y="2505611"/>
+            <a:ext cx="1358306" cy="490101"/>
+          </a:xfrm>
+          <a:prstGeom prst="rect">
+            <a:avLst/>
+          </a:prstGeom>
+          <a:noFill/>
+          <a:ln w="25400">
+            <a:solidFill>
+              <a:schemeClr val="accent1">
+                <a:lumMod val="75000"/>
+                <a:alpha val="97000"/>
+              </a:schemeClr>
+            </a:solidFill>
+          </a:ln>
+        </p:spPr>
+        <p:style>
+          <a:lnRef idx="2">
+            <a:schemeClr val="accent1">
+              <a:shade val="50000"/>
+            </a:schemeClr>
+          </a:lnRef>
+          <a:fillRef idx="1">
+            <a:schemeClr val="accent1"/>
+          </a:fillRef>
+          <a:effectRef idx="0">
+            <a:schemeClr val="accent1"/>
+          </a:effectRef>
+          <a:fontRef idx="minor">
+            <a:schemeClr val="lt1"/>
+          </a:fontRef>
+        </p:style>
+        <p:txBody>
+          <a:bodyPr rtlCol="0" anchor="ctr"/>
+          <a:lstStyle/>
+          <a:p>
+            <a:pPr algn="ctr"/>
+            <a:r>
+              <a:rPr lang="en-US" altLang="zh-CN" dirty="0">
+                <a:solidFill>
+                  <a:sysClr val="windowText" lastClr="000000"/>
+                </a:solidFill>
+              </a:rPr>
+              <a:t>open</a:t>
+            </a:r>
+            <a:endParaRPr lang="zh-CN" altLang="en-US" dirty="0">
+              <a:solidFill>
+                <a:sysClr val="windowText" lastClr="000000"/>
+              </a:solidFill>
+            </a:endParaRPr>
+          </a:p>
+        </p:txBody>
+      </p:sp>
+      <p:sp>
+        <p:nvSpPr>
+          <p:cNvPr id="9" name="矩形 8">
+            <a:extLst>
+              <a:ext uri="{FF2B5EF4-FFF2-40B4-BE49-F238E27FC236}">
+                <a16:creationId xmlns:a16="http://schemas.microsoft.com/office/drawing/2014/main" id="{576D6F5A-60F9-409A-91DA-52D7BC912CA5}"/>
+              </a:ext>
+            </a:extLst>
+          </p:cNvPr>
+          <p:cNvSpPr/>
+          <p:nvPr/>
+        </p:nvSpPr>
+        <p:spPr>
+          <a:xfrm>
+            <a:off x="6774174" y="4248297"/>
+            <a:ext cx="1358306" cy="490101"/>
+          </a:xfrm>
+          <a:prstGeom prst="rect">
+            <a:avLst/>
+          </a:prstGeom>
+          <a:noFill/>
+          <a:ln w="25400">
+            <a:solidFill>
+              <a:schemeClr val="accent1">
+                <a:lumMod val="75000"/>
+                <a:alpha val="97000"/>
+              </a:schemeClr>
+            </a:solidFill>
+          </a:ln>
+        </p:spPr>
+        <p:style>
+          <a:lnRef idx="2">
+            <a:schemeClr val="accent1">
+              <a:shade val="50000"/>
+            </a:schemeClr>
+          </a:lnRef>
+          <a:fillRef idx="1">
+            <a:schemeClr val="accent1"/>
+          </a:fillRef>
+          <a:effectRef idx="0">
+            <a:schemeClr val="accent1"/>
+          </a:effectRef>
+          <a:fontRef idx="minor">
+            <a:schemeClr val="lt1"/>
+          </a:fontRef>
+        </p:style>
+        <p:txBody>
+          <a:bodyPr rtlCol="0" anchor="ctr"/>
+          <a:lstStyle/>
+          <a:p>
+            <a:pPr algn="ctr"/>
+            <a:r>
+              <a:rPr lang="en-US" altLang="zh-CN" dirty="0" err="1">
+                <a:solidFill>
+                  <a:sysClr val="windowText" lastClr="000000"/>
+                </a:solidFill>
+              </a:rPr>
+              <a:t>execve</a:t>
+            </a:r>
+            <a:endParaRPr lang="zh-CN" altLang="en-US" dirty="0">
+              <a:solidFill>
+                <a:sysClr val="windowText" lastClr="000000"/>
+              </a:solidFill>
+            </a:endParaRPr>
+          </a:p>
+        </p:txBody>
+      </p:sp>
+      <p:sp>
+        <p:nvSpPr>
+          <p:cNvPr id="10" name="矩形 9">
+            <a:extLst>
+              <a:ext uri="{FF2B5EF4-FFF2-40B4-BE49-F238E27FC236}">
+                <a16:creationId xmlns:a16="http://schemas.microsoft.com/office/drawing/2014/main" id="{60484FD6-1698-42F1-98FC-D6E36AB02E32}"/>
+              </a:ext>
+            </a:extLst>
+          </p:cNvPr>
+          <p:cNvSpPr/>
+          <p:nvPr/>
+        </p:nvSpPr>
+        <p:spPr>
+          <a:xfrm>
+            <a:off x="6774174" y="3376954"/>
+            <a:ext cx="1358306" cy="490101"/>
+          </a:xfrm>
+          <a:prstGeom prst="rect">
+            <a:avLst/>
+          </a:prstGeom>
+          <a:noFill/>
+          <a:ln w="25400">
+            <a:solidFill>
+              <a:schemeClr val="accent1">
+                <a:lumMod val="75000"/>
+                <a:alpha val="97000"/>
+              </a:schemeClr>
+            </a:solidFill>
+          </a:ln>
+        </p:spPr>
+        <p:style>
+          <a:lnRef idx="2">
+            <a:schemeClr val="accent1">
+              <a:shade val="50000"/>
+            </a:schemeClr>
+          </a:lnRef>
+          <a:fillRef idx="1">
+            <a:schemeClr val="accent1"/>
+          </a:fillRef>
+          <a:effectRef idx="0">
+            <a:schemeClr val="accent1"/>
+          </a:effectRef>
+          <a:fontRef idx="minor">
+            <a:schemeClr val="lt1"/>
+          </a:fontRef>
+        </p:style>
+        <p:txBody>
+          <a:bodyPr rtlCol="0" anchor="ctr"/>
+          <a:lstStyle/>
+          <a:p>
+            <a:pPr algn="ctr"/>
+            <a:r>
+              <a:rPr lang="en-US" altLang="zh-CN" dirty="0">
+                <a:solidFill>
+                  <a:sysClr val="windowText" lastClr="000000"/>
+                </a:solidFill>
+              </a:rPr>
+              <a:t>connect</a:t>
+            </a:r>
+            <a:endParaRPr lang="zh-CN" altLang="en-US" dirty="0">
+              <a:solidFill>
+                <a:sysClr val="windowText" lastClr="000000"/>
+              </a:solidFill>
+            </a:endParaRPr>
+          </a:p>
+        </p:txBody>
+      </p:sp>
+      <p:sp>
+        <p:nvSpPr>
+          <p:cNvPr id="12" name="矩形 11">
+            <a:extLst>
+              <a:ext uri="{FF2B5EF4-FFF2-40B4-BE49-F238E27FC236}">
+                <a16:creationId xmlns:a16="http://schemas.microsoft.com/office/drawing/2014/main" id="{D20E4EBF-DAEA-43E1-8E3D-C81004BC4249}"/>
+              </a:ext>
+            </a:extLst>
+          </p:cNvPr>
+          <p:cNvSpPr/>
+          <p:nvPr/>
+        </p:nvSpPr>
+        <p:spPr>
+          <a:xfrm>
+            <a:off x="6774174" y="5119640"/>
+            <a:ext cx="1358306" cy="490101"/>
+          </a:xfrm>
+          <a:prstGeom prst="rect">
+            <a:avLst/>
+          </a:prstGeom>
+          <a:noFill/>
+          <a:ln w="25400">
+            <a:solidFill>
+              <a:schemeClr val="accent1">
+                <a:lumMod val="75000"/>
+                <a:alpha val="97000"/>
+              </a:schemeClr>
+            </a:solidFill>
+          </a:ln>
+        </p:spPr>
+        <p:style>
+          <a:lnRef idx="2">
+            <a:schemeClr val="accent1">
+              <a:shade val="50000"/>
+            </a:schemeClr>
+          </a:lnRef>
+          <a:fillRef idx="1">
+            <a:schemeClr val="accent1"/>
+          </a:fillRef>
+          <a:effectRef idx="0">
+            <a:schemeClr val="accent1"/>
+          </a:effectRef>
+          <a:fontRef idx="minor">
+            <a:schemeClr val="lt1"/>
+          </a:fontRef>
+        </p:style>
+        <p:txBody>
+          <a:bodyPr rtlCol="0" anchor="ctr"/>
+          <a:lstStyle/>
+          <a:p>
+            <a:pPr algn="ctr"/>
+            <a:r>
+              <a:rPr lang="en-US" altLang="zh-CN" dirty="0" err="1">
+                <a:solidFill>
+                  <a:sysClr val="windowText" lastClr="000000"/>
+                </a:solidFill>
+              </a:rPr>
+              <a:t>dlopen</a:t>
+            </a:r>
+            <a:endParaRPr lang="zh-CN" altLang="en-US" dirty="0">
+              <a:solidFill>
+                <a:sysClr val="windowText" lastClr="000000"/>
+              </a:solidFill>
+            </a:endParaRPr>
+          </a:p>
+        </p:txBody>
+      </p:sp>
+      <p:cxnSp>
+        <p:nvCxnSpPr>
+          <p:cNvPr id="7" name="连接符: 肘形 6">
+            <a:extLst>
+              <a:ext uri="{FF2B5EF4-FFF2-40B4-BE49-F238E27FC236}">
+                <a16:creationId xmlns:a16="http://schemas.microsoft.com/office/drawing/2014/main" id="{1B4C2F74-5C5A-4047-A603-430FE453DD58}"/>
+              </a:ext>
+            </a:extLst>
+          </p:cNvPr>
+          <p:cNvCxnSpPr>
+            <a:stCxn id="15" idx="3"/>
+            <a:endCxn id="8" idx="1"/>
+          </p:cNvCxnSpPr>
+          <p:nvPr/>
+        </p:nvCxnSpPr>
+        <p:spPr>
+          <a:xfrm flipV="1">
+            <a:off x="4776536" y="2750662"/>
+            <a:ext cx="1997638" cy="1198732"/>
+          </a:xfrm>
+          <a:prstGeom prst="bentConnector3">
+            <a:avLst/>
+          </a:prstGeom>
+          <a:ln w="28575">
+            <a:tailEnd type="triangle"/>
+          </a:ln>
+        </p:spPr>
+        <p:style>
+          <a:lnRef idx="1">
+            <a:schemeClr val="accent1"/>
+          </a:lnRef>
+          <a:fillRef idx="0">
+            <a:schemeClr val="accent1"/>
+          </a:fillRef>
+          <a:effectRef idx="0">
+            <a:schemeClr val="accent1"/>
+          </a:effectRef>
+          <a:fontRef idx="minor">
+            <a:schemeClr val="tx1"/>
+          </a:fontRef>
+        </p:style>
+      </p:cxnSp>
+      <p:cxnSp>
+        <p:nvCxnSpPr>
+          <p:cNvPr id="14" name="连接符: 肘形 13">
+            <a:extLst>
+              <a:ext uri="{FF2B5EF4-FFF2-40B4-BE49-F238E27FC236}">
+                <a16:creationId xmlns:a16="http://schemas.microsoft.com/office/drawing/2014/main" id="{7EF169A8-6F6B-4C73-B441-4193ABC6C585}"/>
+              </a:ext>
+            </a:extLst>
+          </p:cNvPr>
+          <p:cNvCxnSpPr>
+            <a:stCxn id="15" idx="3"/>
+            <a:endCxn id="12" idx="1"/>
+          </p:cNvCxnSpPr>
+          <p:nvPr/>
+        </p:nvCxnSpPr>
+        <p:spPr>
+          <a:xfrm>
+            <a:off x="4776536" y="3949394"/>
+            <a:ext cx="1997638" cy="1415297"/>
+          </a:xfrm>
+          <a:prstGeom prst="bentConnector3">
+            <a:avLst/>
+          </a:prstGeom>
+          <a:ln w="28575">
+            <a:tailEnd type="triangle"/>
+          </a:ln>
+        </p:spPr>
+        <p:style>
+          <a:lnRef idx="1">
+            <a:schemeClr val="accent1"/>
+          </a:lnRef>
+          <a:fillRef idx="0">
+            <a:schemeClr val="accent1"/>
+          </a:fillRef>
+          <a:effectRef idx="0">
+            <a:schemeClr val="accent1"/>
+          </a:effectRef>
+          <a:fontRef idx="minor">
+            <a:schemeClr val="tx1"/>
+          </a:fontRef>
+        </p:style>
+      </p:cxnSp>
+      <p:cxnSp>
+        <p:nvCxnSpPr>
+          <p:cNvPr id="17" name="连接符: 肘形 16">
+            <a:extLst>
+              <a:ext uri="{FF2B5EF4-FFF2-40B4-BE49-F238E27FC236}">
+                <a16:creationId xmlns:a16="http://schemas.microsoft.com/office/drawing/2014/main" id="{6634E123-A353-4845-B38D-075908CEC6CB}"/>
+              </a:ext>
+            </a:extLst>
+          </p:cNvPr>
+          <p:cNvCxnSpPr>
+            <a:stCxn id="15" idx="3"/>
+            <a:endCxn id="10" idx="1"/>
+          </p:cNvCxnSpPr>
+          <p:nvPr/>
+        </p:nvCxnSpPr>
+        <p:spPr>
+          <a:xfrm flipV="1">
+            <a:off x="4776536" y="3622005"/>
+            <a:ext cx="1997638" cy="327389"/>
+          </a:xfrm>
+          <a:prstGeom prst="bentConnector3">
+            <a:avLst/>
+          </a:prstGeom>
+          <a:ln w="28575">
+            <a:tailEnd type="triangle"/>
+          </a:ln>
+        </p:spPr>
+        <p:style>
+          <a:lnRef idx="1">
+            <a:schemeClr val="accent1"/>
+          </a:lnRef>
+          <a:fillRef idx="0">
+            <a:schemeClr val="accent1"/>
+          </a:fillRef>
+          <a:effectRef idx="0">
+            <a:schemeClr val="accent1"/>
+          </a:effectRef>
+          <a:fontRef idx="minor">
+            <a:schemeClr val="tx1"/>
+          </a:fontRef>
+        </p:style>
+      </p:cxnSp>
+      <p:cxnSp>
+        <p:nvCxnSpPr>
+          <p:cNvPr id="19" name="连接符: 肘形 18">
+            <a:extLst>
+              <a:ext uri="{FF2B5EF4-FFF2-40B4-BE49-F238E27FC236}">
+                <a16:creationId xmlns:a16="http://schemas.microsoft.com/office/drawing/2014/main" id="{474E33A3-7464-4019-92DF-FB6B2CC627A6}"/>
+              </a:ext>
+            </a:extLst>
+          </p:cNvPr>
+          <p:cNvCxnSpPr>
+            <a:stCxn id="15" idx="3"/>
+            <a:endCxn id="9" idx="1"/>
+          </p:cNvCxnSpPr>
+          <p:nvPr/>
+        </p:nvCxnSpPr>
+        <p:spPr>
+          <a:xfrm>
+            <a:off x="4776536" y="3949394"/>
+            <a:ext cx="1997638" cy="543954"/>
+          </a:xfrm>
+          <a:prstGeom prst="bentConnector3">
+            <a:avLst/>
+          </a:prstGeom>
+          <a:ln w="28575">
+            <a:tailEnd type="triangle"/>
+          </a:ln>
+        </p:spPr>
+        <p:style>
+          <a:lnRef idx="1">
+            <a:schemeClr val="accent1"/>
+          </a:lnRef>
+          <a:fillRef idx="0">
+            <a:schemeClr val="accent1"/>
+          </a:fillRef>
+          <a:effectRef idx="0">
+            <a:schemeClr val="accent1"/>
+          </a:effectRef>
+          <a:fontRef idx="minor">
+            <a:schemeClr val="tx1"/>
+          </a:fontRef>
+        </p:style>
+      </p:cxnSp>
+      <p:sp>
+        <p:nvSpPr>
+          <p:cNvPr id="20" name="文本框 19">
+            <a:extLst>
+              <a:ext uri="{FF2B5EF4-FFF2-40B4-BE49-F238E27FC236}">
+                <a16:creationId xmlns:a16="http://schemas.microsoft.com/office/drawing/2014/main" id="{EFEF9D2E-398E-40FE-B99A-BD58BCFDF3D3}"/>
+              </a:ext>
+            </a:extLst>
+          </p:cNvPr>
+          <p:cNvSpPr txBox="1"/>
+          <p:nvPr/>
+        </p:nvSpPr>
+        <p:spPr>
+          <a:xfrm>
+            <a:off x="5087624" y="3532972"/>
+            <a:ext cx="646331" cy="369332"/>
+          </a:xfrm>
+          <a:prstGeom prst="rect">
+            <a:avLst/>
+          </a:prstGeom>
+          <a:noFill/>
+        </p:spPr>
+        <p:txBody>
+          <a:bodyPr wrap="none" rtlCol="0">
+            <a:spAutoFit/>
+          </a:bodyPr>
+          <a:lstStyle/>
+          <a:p>
+            <a:r>
+              <a:rPr lang="zh-CN" altLang="en-US" dirty="0"/>
+              <a:t>监控</a:t>
+            </a:r>
           </a:p>
         </p:txBody>
       </p:sp>
@@ -15409,10 +19747,10 @@
       </p:sp>
       <p:sp>
         <p:nvSpPr>
-          <p:cNvPr id="15" name="矩形 14">
+          <p:cNvPr id="7" name="矩形 6">
             <a:extLst>
               <a:ext uri="{FF2B5EF4-FFF2-40B4-BE49-F238E27FC236}">
-                <a16:creationId xmlns:a16="http://schemas.microsoft.com/office/drawing/2014/main" id="{AEEBAB98-0DD9-482A-BBF3-D384306E2216}"/>
+                <a16:creationId xmlns:a16="http://schemas.microsoft.com/office/drawing/2014/main" id="{CAF08B61-F250-42E6-B25D-96EE8D24308E}"/>
               </a:ext>
             </a:extLst>
           </p:cNvPr>
@@ -15421,17 +19759,20 @@
         </p:nvSpPr>
         <p:spPr>
           <a:xfrm>
-            <a:off x="847725" y="2476508"/>
-            <a:ext cx="1571625" cy="952492"/>
+            <a:off x="2985092" y="2634030"/>
+            <a:ext cx="1415455" cy="561975"/>
           </a:xfrm>
           <a:prstGeom prst="rect">
             <a:avLst/>
           </a:prstGeom>
-          <a:solidFill>
-            <a:srgbClr val="003E7A"/>
-          </a:solidFill>
-          <a:ln>
-            <a:noFill/>
+          <a:noFill/>
+          <a:ln w="25400">
+            <a:solidFill>
+              <a:schemeClr val="accent1">
+                <a:lumMod val="75000"/>
+                <a:alpha val="97000"/>
+              </a:schemeClr>
+            </a:solidFill>
           </a:ln>
         </p:spPr>
         <p:style>
@@ -15456,6 +19797,667 @@
           <a:p>
             <a:pPr algn="ctr"/>
             <a:r>
+              <a:rPr lang="en-US" altLang="zh-CN" b="1" dirty="0">
+                <a:solidFill>
+                  <a:sysClr val="windowText" lastClr="000000"/>
+                </a:solidFill>
+              </a:rPr>
+              <a:t>log</a:t>
+            </a:r>
+            <a:endParaRPr lang="zh-CN" altLang="en-US" b="1" dirty="0">
+              <a:solidFill>
+                <a:sysClr val="windowText" lastClr="000000"/>
+              </a:solidFill>
+            </a:endParaRPr>
+          </a:p>
+        </p:txBody>
+      </p:sp>
+      <p:sp>
+        <p:nvSpPr>
+          <p:cNvPr id="8" name="矩形 7">
+            <a:extLst>
+              <a:ext uri="{FF2B5EF4-FFF2-40B4-BE49-F238E27FC236}">
+                <a16:creationId xmlns:a16="http://schemas.microsoft.com/office/drawing/2014/main" id="{50511B12-1561-4251-95BB-41888BD8A316}"/>
+              </a:ext>
+            </a:extLst>
+          </p:cNvPr>
+          <p:cNvSpPr/>
+          <p:nvPr/>
+        </p:nvSpPr>
+        <p:spPr>
+          <a:xfrm>
+            <a:off x="5588650" y="3875843"/>
+            <a:ext cx="1415456" cy="561975"/>
+          </a:xfrm>
+          <a:prstGeom prst="rect">
+            <a:avLst/>
+          </a:prstGeom>
+          <a:noFill/>
+          <a:ln w="25400">
+            <a:solidFill>
+              <a:schemeClr val="accent1">
+                <a:lumMod val="75000"/>
+                <a:alpha val="97000"/>
+              </a:schemeClr>
+            </a:solidFill>
+          </a:ln>
+        </p:spPr>
+        <p:style>
+          <a:lnRef idx="2">
+            <a:schemeClr val="accent1">
+              <a:shade val="50000"/>
+            </a:schemeClr>
+          </a:lnRef>
+          <a:fillRef idx="1">
+            <a:schemeClr val="accent1"/>
+          </a:fillRef>
+          <a:effectRef idx="0">
+            <a:schemeClr val="accent1"/>
+          </a:effectRef>
+          <a:fontRef idx="minor">
+            <a:schemeClr val="lt1"/>
+          </a:fontRef>
+        </p:style>
+        <p:txBody>
+          <a:bodyPr rtlCol="0" anchor="ctr"/>
+          <a:lstStyle/>
+          <a:p>
+            <a:pPr algn="ctr"/>
+            <a:r>
+              <a:rPr lang="en-US" altLang="zh-CN" b="1" dirty="0" err="1">
+                <a:solidFill>
+                  <a:sysClr val="windowText" lastClr="000000"/>
+                </a:solidFill>
+              </a:rPr>
+              <a:t>writeLog</a:t>
+            </a:r>
+            <a:endParaRPr lang="zh-CN" altLang="en-US" b="1" dirty="0">
+              <a:solidFill>
+                <a:sysClr val="windowText" lastClr="000000"/>
+              </a:solidFill>
+            </a:endParaRPr>
+          </a:p>
+        </p:txBody>
+      </p:sp>
+      <p:sp>
+        <p:nvSpPr>
+          <p:cNvPr id="21" name="矩形 20">
+            <a:extLst>
+              <a:ext uri="{FF2B5EF4-FFF2-40B4-BE49-F238E27FC236}">
+                <a16:creationId xmlns:a16="http://schemas.microsoft.com/office/drawing/2014/main" id="{91FD40E1-61F8-4729-8180-CA84B2D7AD81}"/>
+              </a:ext>
+            </a:extLst>
+          </p:cNvPr>
+          <p:cNvSpPr/>
+          <p:nvPr/>
+        </p:nvSpPr>
+        <p:spPr>
+          <a:xfrm>
+            <a:off x="5346730" y="2555657"/>
+            <a:ext cx="1899296" cy="718722"/>
+          </a:xfrm>
+          <a:prstGeom prst="rect">
+            <a:avLst/>
+          </a:prstGeom>
+          <a:noFill/>
+          <a:ln w="25400">
+            <a:solidFill>
+              <a:schemeClr val="accent1">
+                <a:lumMod val="75000"/>
+                <a:alpha val="97000"/>
+              </a:schemeClr>
+            </a:solidFill>
+          </a:ln>
+        </p:spPr>
+        <p:style>
+          <a:lnRef idx="2">
+            <a:schemeClr val="accent1">
+              <a:shade val="50000"/>
+            </a:schemeClr>
+          </a:lnRef>
+          <a:fillRef idx="1">
+            <a:schemeClr val="accent1"/>
+          </a:fillRef>
+          <a:effectRef idx="0">
+            <a:schemeClr val="accent1"/>
+          </a:effectRef>
+          <a:fontRef idx="minor">
+            <a:schemeClr val="lt1"/>
+          </a:fontRef>
+        </p:style>
+        <p:txBody>
+          <a:bodyPr rtlCol="0" anchor="ctr"/>
+          <a:lstStyle/>
+          <a:p>
+            <a:pPr algn="ctr"/>
+            <a:r>
+              <a:rPr lang="zh-CN" altLang="en-US" dirty="0">
+                <a:solidFill>
+                  <a:sysClr val="windowText" lastClr="000000"/>
+                </a:solidFill>
+              </a:rPr>
+              <a:t>内存缓冲区</a:t>
+            </a:r>
+          </a:p>
+        </p:txBody>
+      </p:sp>
+      <p:sp>
+        <p:nvSpPr>
+          <p:cNvPr id="22" name="矩形 21">
+            <a:extLst>
+              <a:ext uri="{FF2B5EF4-FFF2-40B4-BE49-F238E27FC236}">
+                <a16:creationId xmlns:a16="http://schemas.microsoft.com/office/drawing/2014/main" id="{94D6EF61-B390-4E73-B4FA-23DC8EE528F4}"/>
+              </a:ext>
+            </a:extLst>
+          </p:cNvPr>
+          <p:cNvSpPr/>
+          <p:nvPr/>
+        </p:nvSpPr>
+        <p:spPr>
+          <a:xfrm>
+            <a:off x="5346730" y="4962834"/>
+            <a:ext cx="1899296" cy="718722"/>
+          </a:xfrm>
+          <a:prstGeom prst="rect">
+            <a:avLst/>
+          </a:prstGeom>
+          <a:noFill/>
+          <a:ln w="25400">
+            <a:solidFill>
+              <a:schemeClr val="accent1">
+                <a:lumMod val="75000"/>
+                <a:alpha val="97000"/>
+              </a:schemeClr>
+            </a:solidFill>
+          </a:ln>
+        </p:spPr>
+        <p:style>
+          <a:lnRef idx="2">
+            <a:schemeClr val="accent1">
+              <a:shade val="50000"/>
+            </a:schemeClr>
+          </a:lnRef>
+          <a:fillRef idx="1">
+            <a:schemeClr val="accent1"/>
+          </a:fillRef>
+          <a:effectRef idx="0">
+            <a:schemeClr val="accent1"/>
+          </a:effectRef>
+          <a:fontRef idx="minor">
+            <a:schemeClr val="lt1"/>
+          </a:fontRef>
+        </p:style>
+        <p:txBody>
+          <a:bodyPr rtlCol="0" anchor="ctr"/>
+          <a:lstStyle/>
+          <a:p>
+            <a:pPr algn="ctr"/>
+            <a:r>
+              <a:rPr lang="zh-CN" altLang="en-US" dirty="0">
+                <a:solidFill>
+                  <a:sysClr val="windowText" lastClr="000000"/>
+                </a:solidFill>
+              </a:rPr>
+              <a:t>日志文件</a:t>
+            </a:r>
+          </a:p>
+        </p:txBody>
+      </p:sp>
+      <p:cxnSp>
+        <p:nvCxnSpPr>
+          <p:cNvPr id="27" name="直接箭头连接符 26">
+            <a:extLst>
+              <a:ext uri="{FF2B5EF4-FFF2-40B4-BE49-F238E27FC236}">
+                <a16:creationId xmlns:a16="http://schemas.microsoft.com/office/drawing/2014/main" id="{825753B0-6DF9-4FD8-A222-521CB0B8D508}"/>
+              </a:ext>
+            </a:extLst>
+          </p:cNvPr>
+          <p:cNvCxnSpPr>
+            <a:stCxn id="7" idx="3"/>
+            <a:endCxn id="21" idx="1"/>
+          </p:cNvCxnSpPr>
+          <p:nvPr/>
+        </p:nvCxnSpPr>
+        <p:spPr>
+          <a:xfrm>
+            <a:off x="4400547" y="2915018"/>
+            <a:ext cx="946183" cy="0"/>
+          </a:xfrm>
+          <a:prstGeom prst="straightConnector1">
+            <a:avLst/>
+          </a:prstGeom>
+          <a:ln w="28575">
+            <a:tailEnd type="triangle"/>
+          </a:ln>
+        </p:spPr>
+        <p:style>
+          <a:lnRef idx="1">
+            <a:schemeClr val="accent1"/>
+          </a:lnRef>
+          <a:fillRef idx="0">
+            <a:schemeClr val="accent1"/>
+          </a:fillRef>
+          <a:effectRef idx="0">
+            <a:schemeClr val="accent1"/>
+          </a:effectRef>
+          <a:fontRef idx="minor">
+            <a:schemeClr val="tx1"/>
+          </a:fontRef>
+        </p:style>
+      </p:cxnSp>
+      <p:cxnSp>
+        <p:nvCxnSpPr>
+          <p:cNvPr id="29" name="直接箭头连接符 28">
+            <a:extLst>
+              <a:ext uri="{FF2B5EF4-FFF2-40B4-BE49-F238E27FC236}">
+                <a16:creationId xmlns:a16="http://schemas.microsoft.com/office/drawing/2014/main" id="{55879C25-9B7C-42BA-9173-27A99443DF22}"/>
+              </a:ext>
+            </a:extLst>
+          </p:cNvPr>
+          <p:cNvCxnSpPr>
+            <a:stCxn id="21" idx="2"/>
+            <a:endCxn id="8" idx="0"/>
+          </p:cNvCxnSpPr>
+          <p:nvPr/>
+        </p:nvCxnSpPr>
+        <p:spPr>
+          <a:xfrm>
+            <a:off x="6296378" y="3274379"/>
+            <a:ext cx="0" cy="601464"/>
+          </a:xfrm>
+          <a:prstGeom prst="straightConnector1">
+            <a:avLst/>
+          </a:prstGeom>
+          <a:ln w="28575">
+            <a:tailEnd type="triangle"/>
+          </a:ln>
+        </p:spPr>
+        <p:style>
+          <a:lnRef idx="1">
+            <a:schemeClr val="accent1"/>
+          </a:lnRef>
+          <a:fillRef idx="0">
+            <a:schemeClr val="accent1"/>
+          </a:fillRef>
+          <a:effectRef idx="0">
+            <a:schemeClr val="accent1"/>
+          </a:effectRef>
+          <a:fontRef idx="minor">
+            <a:schemeClr val="tx1"/>
+          </a:fontRef>
+        </p:style>
+      </p:cxnSp>
+      <p:cxnSp>
+        <p:nvCxnSpPr>
+          <p:cNvPr id="31" name="直接箭头连接符 30">
+            <a:extLst>
+              <a:ext uri="{FF2B5EF4-FFF2-40B4-BE49-F238E27FC236}">
+                <a16:creationId xmlns:a16="http://schemas.microsoft.com/office/drawing/2014/main" id="{FB0D0AF7-EEB2-4A5D-9C5F-556117200FF4}"/>
+              </a:ext>
+            </a:extLst>
+          </p:cNvPr>
+          <p:cNvCxnSpPr>
+            <a:stCxn id="8" idx="2"/>
+            <a:endCxn id="22" idx="0"/>
+          </p:cNvCxnSpPr>
+          <p:nvPr/>
+        </p:nvCxnSpPr>
+        <p:spPr>
+          <a:xfrm>
+            <a:off x="6296378" y="4437818"/>
+            <a:ext cx="0" cy="525016"/>
+          </a:xfrm>
+          <a:prstGeom prst="straightConnector1">
+            <a:avLst/>
+          </a:prstGeom>
+          <a:ln w="28575">
+            <a:tailEnd type="triangle"/>
+          </a:ln>
+        </p:spPr>
+        <p:style>
+          <a:lnRef idx="1">
+            <a:schemeClr val="accent1"/>
+          </a:lnRef>
+          <a:fillRef idx="0">
+            <a:schemeClr val="accent1"/>
+          </a:fillRef>
+          <a:effectRef idx="0">
+            <a:schemeClr val="accent1"/>
+          </a:effectRef>
+          <a:fontRef idx="minor">
+            <a:schemeClr val="tx1"/>
+          </a:fontRef>
+        </p:style>
+      </p:cxnSp>
+      <p:sp>
+        <p:nvSpPr>
+          <p:cNvPr id="44" name="矩形 43">
+            <a:extLst>
+              <a:ext uri="{FF2B5EF4-FFF2-40B4-BE49-F238E27FC236}">
+                <a16:creationId xmlns:a16="http://schemas.microsoft.com/office/drawing/2014/main" id="{2AD59F43-78C7-4F9E-9780-EE0EBFA721C0}"/>
+              </a:ext>
+            </a:extLst>
+          </p:cNvPr>
+          <p:cNvSpPr/>
+          <p:nvPr/>
+        </p:nvSpPr>
+        <p:spPr>
+          <a:xfrm>
+            <a:off x="8972550" y="2634030"/>
+            <a:ext cx="2240929" cy="561975"/>
+          </a:xfrm>
+          <a:prstGeom prst="rect">
+            <a:avLst/>
+          </a:prstGeom>
+          <a:noFill/>
+          <a:ln w="25400">
+            <a:solidFill>
+              <a:schemeClr val="accent1">
+                <a:lumMod val="75000"/>
+                <a:alpha val="97000"/>
+              </a:schemeClr>
+            </a:solidFill>
+          </a:ln>
+        </p:spPr>
+        <p:style>
+          <a:lnRef idx="2">
+            <a:schemeClr val="accent1">
+              <a:shade val="50000"/>
+            </a:schemeClr>
+          </a:lnRef>
+          <a:fillRef idx="1">
+            <a:schemeClr val="accent1"/>
+          </a:fillRef>
+          <a:effectRef idx="0">
+            <a:schemeClr val="accent1"/>
+          </a:effectRef>
+          <a:fontRef idx="minor">
+            <a:schemeClr val="lt1"/>
+          </a:fontRef>
+        </p:style>
+        <p:txBody>
+          <a:bodyPr rtlCol="0" anchor="ctr"/>
+          <a:lstStyle/>
+          <a:p>
+            <a:pPr algn="ctr"/>
+            <a:r>
+              <a:rPr lang="en-US" altLang="zh-CN" b="1" dirty="0" err="1">
+                <a:solidFill>
+                  <a:sysClr val="windowText" lastClr="000000"/>
+                </a:solidFill>
+              </a:rPr>
+              <a:t>enableEmbedLog</a:t>
+            </a:r>
+            <a:endParaRPr lang="zh-CN" altLang="en-US" b="1" dirty="0">
+              <a:solidFill>
+                <a:sysClr val="windowText" lastClr="000000"/>
+              </a:solidFill>
+            </a:endParaRPr>
+          </a:p>
+        </p:txBody>
+      </p:sp>
+      <p:sp>
+        <p:nvSpPr>
+          <p:cNvPr id="46" name="矩形 45">
+            <a:extLst>
+              <a:ext uri="{FF2B5EF4-FFF2-40B4-BE49-F238E27FC236}">
+                <a16:creationId xmlns:a16="http://schemas.microsoft.com/office/drawing/2014/main" id="{15B31D2F-AE3A-419B-A767-AC92437B4122}"/>
+              </a:ext>
+            </a:extLst>
+          </p:cNvPr>
+          <p:cNvSpPr/>
+          <p:nvPr/>
+        </p:nvSpPr>
+        <p:spPr>
+          <a:xfrm>
+            <a:off x="4639001" y="4769128"/>
+            <a:ext cx="3381047" cy="1317098"/>
+          </a:xfrm>
+          <a:prstGeom prst="rect">
+            <a:avLst/>
+          </a:prstGeom>
+          <a:noFill/>
+          <a:ln w="25400">
+            <a:solidFill>
+              <a:schemeClr val="accent1">
+                <a:lumMod val="75000"/>
+                <a:alpha val="97000"/>
+              </a:schemeClr>
+            </a:solidFill>
+          </a:ln>
+        </p:spPr>
+        <p:style>
+          <a:lnRef idx="2">
+            <a:schemeClr val="accent1">
+              <a:shade val="50000"/>
+            </a:schemeClr>
+          </a:lnRef>
+          <a:fillRef idx="1">
+            <a:schemeClr val="accent1"/>
+          </a:fillRef>
+          <a:effectRef idx="0">
+            <a:schemeClr val="accent1"/>
+          </a:effectRef>
+          <a:fontRef idx="minor">
+            <a:schemeClr val="lt1"/>
+          </a:fontRef>
+        </p:style>
+        <p:txBody>
+          <a:bodyPr rtlCol="0" anchor="ctr"/>
+          <a:lstStyle/>
+          <a:p>
+            <a:pPr algn="ctr"/>
+            <a:endParaRPr lang="zh-CN" altLang="en-US" dirty="0">
+              <a:solidFill>
+                <a:sysClr val="windowText" lastClr="000000"/>
+              </a:solidFill>
+            </a:endParaRPr>
+          </a:p>
+        </p:txBody>
+      </p:sp>
+      <p:sp>
+        <p:nvSpPr>
+          <p:cNvPr id="47" name="文本框 46">
+            <a:extLst>
+              <a:ext uri="{FF2B5EF4-FFF2-40B4-BE49-F238E27FC236}">
+                <a16:creationId xmlns:a16="http://schemas.microsoft.com/office/drawing/2014/main" id="{C296F8D3-C14B-4D7F-B9CF-29A76EB1E70C}"/>
+              </a:ext>
+            </a:extLst>
+          </p:cNvPr>
+          <p:cNvSpPr txBox="1"/>
+          <p:nvPr/>
+        </p:nvSpPr>
+        <p:spPr>
+          <a:xfrm>
+            <a:off x="6626519" y="5681556"/>
+            <a:ext cx="1571625" cy="369332"/>
+          </a:xfrm>
+          <a:prstGeom prst="rect">
+            <a:avLst/>
+          </a:prstGeom>
+          <a:noFill/>
+        </p:spPr>
+        <p:txBody>
+          <a:bodyPr wrap="square" rtlCol="0">
+            <a:spAutoFit/>
+          </a:bodyPr>
+          <a:lstStyle/>
+          <a:p>
+            <a:r>
+              <a:rPr lang="zh-CN" altLang="en-US" dirty="0"/>
+              <a:t>日志文件夹</a:t>
+            </a:r>
+          </a:p>
+        </p:txBody>
+      </p:sp>
+      <p:sp>
+        <p:nvSpPr>
+          <p:cNvPr id="48" name="文本框 47">
+            <a:extLst>
+              <a:ext uri="{FF2B5EF4-FFF2-40B4-BE49-F238E27FC236}">
+                <a16:creationId xmlns:a16="http://schemas.microsoft.com/office/drawing/2014/main" id="{B370D45C-84B2-4DEE-A2E9-E04FF55205DF}"/>
+              </a:ext>
+            </a:extLst>
+          </p:cNvPr>
+          <p:cNvSpPr txBox="1"/>
+          <p:nvPr/>
+        </p:nvSpPr>
+        <p:spPr>
+          <a:xfrm>
+            <a:off x="4535499" y="2509340"/>
+            <a:ext cx="676278" cy="369332"/>
+          </a:xfrm>
+          <a:prstGeom prst="rect">
+            <a:avLst/>
+          </a:prstGeom>
+          <a:noFill/>
+        </p:spPr>
+        <p:txBody>
+          <a:bodyPr wrap="square" rtlCol="0">
+            <a:spAutoFit/>
+          </a:bodyPr>
+          <a:lstStyle/>
+          <a:p>
+            <a:r>
+              <a:rPr lang="zh-CN" altLang="en-US" dirty="0"/>
+              <a:t>写入</a:t>
+            </a:r>
+          </a:p>
+        </p:txBody>
+      </p:sp>
+      <p:cxnSp>
+        <p:nvCxnSpPr>
+          <p:cNvPr id="50" name="直接箭头连接符 49">
+            <a:extLst>
+              <a:ext uri="{FF2B5EF4-FFF2-40B4-BE49-F238E27FC236}">
+                <a16:creationId xmlns:a16="http://schemas.microsoft.com/office/drawing/2014/main" id="{AA69FE99-8175-49BC-9835-E48F750CA479}"/>
+              </a:ext>
+            </a:extLst>
+          </p:cNvPr>
+          <p:cNvCxnSpPr>
+            <a:stCxn id="44" idx="1"/>
+            <a:endCxn id="21" idx="3"/>
+          </p:cNvCxnSpPr>
+          <p:nvPr/>
+        </p:nvCxnSpPr>
+        <p:spPr>
+          <a:xfrm flipH="1">
+            <a:off x="7246026" y="2915018"/>
+            <a:ext cx="1726524" cy="0"/>
+          </a:xfrm>
+          <a:prstGeom prst="straightConnector1">
+            <a:avLst/>
+          </a:prstGeom>
+          <a:ln w="28575">
+            <a:tailEnd type="triangle"/>
+          </a:ln>
+        </p:spPr>
+        <p:style>
+          <a:lnRef idx="1">
+            <a:schemeClr val="accent1"/>
+          </a:lnRef>
+          <a:fillRef idx="0">
+            <a:schemeClr val="accent1"/>
+          </a:fillRef>
+          <a:effectRef idx="0">
+            <a:schemeClr val="accent1"/>
+          </a:effectRef>
+          <a:fontRef idx="minor">
+            <a:schemeClr val="tx1"/>
+          </a:fontRef>
+        </p:style>
+      </p:cxnSp>
+      <p:cxnSp>
+        <p:nvCxnSpPr>
+          <p:cNvPr id="53" name="连接符: 肘形 52">
+            <a:extLst>
+              <a:ext uri="{FF2B5EF4-FFF2-40B4-BE49-F238E27FC236}">
+                <a16:creationId xmlns:a16="http://schemas.microsoft.com/office/drawing/2014/main" id="{64AC3CFA-76D3-45E2-AD2D-D98BC95BA35A}"/>
+              </a:ext>
+            </a:extLst>
+          </p:cNvPr>
+          <p:cNvCxnSpPr>
+            <a:stCxn id="44" idx="2"/>
+            <a:endCxn id="46" idx="3"/>
+          </p:cNvCxnSpPr>
+          <p:nvPr/>
+        </p:nvCxnSpPr>
+        <p:spPr>
+          <a:xfrm rot="5400000">
+            <a:off x="7940696" y="3275358"/>
+            <a:ext cx="2231672" cy="2072967"/>
+          </a:xfrm>
+          <a:prstGeom prst="bentConnector2">
+            <a:avLst/>
+          </a:prstGeom>
+          <a:ln w="28575">
+            <a:tailEnd type="triangle"/>
+          </a:ln>
+        </p:spPr>
+        <p:style>
+          <a:lnRef idx="1">
+            <a:schemeClr val="accent1"/>
+          </a:lnRef>
+          <a:fillRef idx="0">
+            <a:schemeClr val="accent1"/>
+          </a:fillRef>
+          <a:effectRef idx="0">
+            <a:schemeClr val="accent1"/>
+          </a:effectRef>
+          <a:fontRef idx="minor">
+            <a:schemeClr val="tx1"/>
+          </a:fontRef>
+        </p:style>
+      </p:cxnSp>
+      <p:sp>
+        <p:nvSpPr>
+          <p:cNvPr id="54" name="矩形 53">
+            <a:extLst>
+              <a:ext uri="{FF2B5EF4-FFF2-40B4-BE49-F238E27FC236}">
+                <a16:creationId xmlns:a16="http://schemas.microsoft.com/office/drawing/2014/main" id="{908D857A-05B6-4A78-9DB5-4A512B6B60E6}"/>
+              </a:ext>
+            </a:extLst>
+          </p:cNvPr>
+          <p:cNvSpPr/>
+          <p:nvPr/>
+        </p:nvSpPr>
+        <p:spPr>
+          <a:xfrm>
+            <a:off x="749360" y="3573193"/>
+            <a:ext cx="1514475" cy="1262610"/>
+          </a:xfrm>
+          <a:prstGeom prst="rect">
+            <a:avLst/>
+          </a:prstGeom>
+          <a:solidFill>
+            <a:srgbClr val="003E7A"/>
+          </a:solidFill>
+          <a:ln>
+            <a:noFill/>
+          </a:ln>
+        </p:spPr>
+        <p:style>
+          <a:lnRef idx="2">
+            <a:schemeClr val="accent1">
+              <a:shade val="50000"/>
+            </a:schemeClr>
+          </a:lnRef>
+          <a:fillRef idx="1">
+            <a:schemeClr val="accent1"/>
+          </a:fillRef>
+          <a:effectRef idx="0">
+            <a:schemeClr val="accent1"/>
+          </a:effectRef>
+          <a:fontRef idx="minor">
+            <a:schemeClr val="lt1"/>
+          </a:fontRef>
+        </p:style>
+        <p:txBody>
+          <a:bodyPr rtlCol="0" anchor="ctr"/>
+          <a:lstStyle/>
+          <a:p>
+            <a:pPr algn="ctr"/>
+            <a:r>
               <a:rPr lang="en-US" altLang="zh-CN" dirty="0" err="1"/>
               <a:t>EvMonitor</a:t>
             </a:r>
@@ -15467,6 +20469,107 @@
           </a:p>
         </p:txBody>
       </p:sp>
+      <p:sp>
+        <p:nvSpPr>
+          <p:cNvPr id="57" name="矩形 56">
+            <a:extLst>
+              <a:ext uri="{FF2B5EF4-FFF2-40B4-BE49-F238E27FC236}">
+                <a16:creationId xmlns:a16="http://schemas.microsoft.com/office/drawing/2014/main" id="{474F035A-FD6B-4540-82ED-A96FB347A125}"/>
+              </a:ext>
+            </a:extLst>
+          </p:cNvPr>
+          <p:cNvSpPr/>
+          <p:nvPr/>
+        </p:nvSpPr>
+        <p:spPr>
+          <a:xfrm>
+            <a:off x="2743200" y="2319752"/>
+            <a:ext cx="8699440" cy="3947698"/>
+          </a:xfrm>
+          <a:prstGeom prst="rect">
+            <a:avLst/>
+          </a:prstGeom>
+          <a:noFill/>
+          <a:ln w="25400">
+            <a:solidFill>
+              <a:schemeClr val="accent1">
+                <a:lumMod val="75000"/>
+                <a:alpha val="97000"/>
+              </a:schemeClr>
+            </a:solidFill>
+          </a:ln>
+        </p:spPr>
+        <p:style>
+          <a:lnRef idx="2">
+            <a:schemeClr val="accent1">
+              <a:shade val="50000"/>
+            </a:schemeClr>
+          </a:lnRef>
+          <a:fillRef idx="1">
+            <a:schemeClr val="accent1"/>
+          </a:fillRef>
+          <a:effectRef idx="0">
+            <a:schemeClr val="accent1"/>
+          </a:effectRef>
+          <a:fontRef idx="minor">
+            <a:schemeClr val="lt1"/>
+          </a:fontRef>
+        </p:style>
+        <p:txBody>
+          <a:bodyPr rtlCol="0" anchor="ctr"/>
+          <a:lstStyle/>
+          <a:p>
+            <a:pPr algn="ctr"/>
+            <a:endParaRPr lang="zh-CN" altLang="en-US" b="1" dirty="0">
+              <a:solidFill>
+                <a:sysClr val="windowText" lastClr="000000"/>
+              </a:solidFill>
+            </a:endParaRPr>
+          </a:p>
+        </p:txBody>
+      </p:sp>
+      <p:cxnSp>
+        <p:nvCxnSpPr>
+          <p:cNvPr id="58" name="直接箭头连接符 57">
+            <a:extLst>
+              <a:ext uri="{FF2B5EF4-FFF2-40B4-BE49-F238E27FC236}">
+                <a16:creationId xmlns:a16="http://schemas.microsoft.com/office/drawing/2014/main" id="{F86B491C-099A-4031-96CB-4F17197637AA}"/>
+              </a:ext>
+            </a:extLst>
+          </p:cNvPr>
+          <p:cNvCxnSpPr>
+            <a:cxnSpLocks/>
+            <a:stCxn id="54" idx="3"/>
+          </p:cNvCxnSpPr>
+          <p:nvPr/>
+        </p:nvCxnSpPr>
+        <p:spPr>
+          <a:xfrm>
+            <a:off x="2263835" y="4204498"/>
+            <a:ext cx="479365" cy="0"/>
+          </a:xfrm>
+          <a:prstGeom prst="straightConnector1">
+            <a:avLst/>
+          </a:prstGeom>
+          <a:ln w="28575">
+            <a:tailEnd type="triangle"/>
+          </a:ln>
+        </p:spPr>
+        <p:style>
+          <a:lnRef idx="1">
+            <a:schemeClr val="accent1"/>
+          </a:lnRef>
+          <a:fillRef idx="0">
+            <a:schemeClr val="accent1"/>
+          </a:fillRef>
+          <a:effectRef idx="0">
+            <a:schemeClr val="accent1"/>
+          </a:effectRef>
+          <a:fontRef idx="minor">
+            <a:schemeClr val="tx1"/>
+          </a:fontRef>
+        </p:style>
+      </p:cxnSp>
     </p:spTree>
     <p:extLst>
       <p:ext uri="{BB962C8B-B14F-4D97-AF65-F5344CB8AC3E}">
@@ -17130,6 +22233,1008 @@
           </a:p>
         </p:txBody>
       </p:sp>
+      <p:grpSp>
+        <p:nvGrpSpPr>
+          <p:cNvPr id="2" name="组合 1">
+            <a:extLst>
+              <a:ext uri="{FF2B5EF4-FFF2-40B4-BE49-F238E27FC236}">
+                <a16:creationId xmlns:a16="http://schemas.microsoft.com/office/drawing/2014/main" id="{3A70E495-B3A0-4587-985F-3D1ECA1EF97A}"/>
+              </a:ext>
+            </a:extLst>
+          </p:cNvPr>
+          <p:cNvGrpSpPr/>
+          <p:nvPr/>
+        </p:nvGrpSpPr>
+        <p:grpSpPr>
+          <a:xfrm>
+            <a:off x="2012980" y="1171412"/>
+            <a:ext cx="2397096" cy="3876675"/>
+            <a:chOff x="1279555" y="2066925"/>
+            <a:chExt cx="2397096" cy="3476625"/>
+          </a:xfrm>
+        </p:grpSpPr>
+        <p:sp>
+          <p:nvSpPr>
+            <p:cNvPr id="5" name="矩形 4">
+              <a:extLst>
+                <a:ext uri="{FF2B5EF4-FFF2-40B4-BE49-F238E27FC236}">
+                  <a16:creationId xmlns:a16="http://schemas.microsoft.com/office/drawing/2014/main" id="{900F73A6-C8DB-4D2D-B5E6-5D936628D7AA}"/>
+                </a:ext>
+              </a:extLst>
+            </p:cNvPr>
+            <p:cNvSpPr/>
+            <p:nvPr/>
+          </p:nvSpPr>
+          <p:spPr>
+            <a:xfrm>
+              <a:off x="1279555" y="2066925"/>
+              <a:ext cx="2397096" cy="3476625"/>
+            </a:xfrm>
+            <a:prstGeom prst="rect">
+              <a:avLst/>
+            </a:prstGeom>
+            <a:noFill/>
+            <a:ln w="25400">
+              <a:solidFill>
+                <a:schemeClr val="accent1">
+                  <a:lumMod val="75000"/>
+                  <a:alpha val="97000"/>
+                </a:schemeClr>
+              </a:solidFill>
+            </a:ln>
+          </p:spPr>
+          <p:style>
+            <a:lnRef idx="2">
+              <a:schemeClr val="accent1">
+                <a:shade val="50000"/>
+              </a:schemeClr>
+            </a:lnRef>
+            <a:fillRef idx="1">
+              <a:schemeClr val="accent1"/>
+            </a:fillRef>
+            <a:effectRef idx="0">
+              <a:schemeClr val="accent1"/>
+            </a:effectRef>
+            <a:fontRef idx="minor">
+              <a:schemeClr val="lt1"/>
+            </a:fontRef>
+          </p:style>
+          <p:txBody>
+            <a:bodyPr rtlCol="0" anchor="ctr"/>
+            <a:lstStyle/>
+            <a:p>
+              <a:pPr algn="ctr"/>
+              <a:endParaRPr lang="zh-CN" altLang="en-US" dirty="0">
+                <a:solidFill>
+                  <a:sysClr val="windowText" lastClr="000000"/>
+                </a:solidFill>
+              </a:endParaRPr>
+            </a:p>
+          </p:txBody>
+        </p:sp>
+        <p:sp>
+          <p:nvSpPr>
+            <p:cNvPr id="6" name="矩形 5">
+              <a:extLst>
+                <a:ext uri="{FF2B5EF4-FFF2-40B4-BE49-F238E27FC236}">
+                  <a16:creationId xmlns:a16="http://schemas.microsoft.com/office/drawing/2014/main" id="{1B1FE09D-19EF-41FF-8107-51146BB58AD3}"/>
+                </a:ext>
+              </a:extLst>
+            </p:cNvPr>
+            <p:cNvSpPr/>
+            <p:nvPr/>
+          </p:nvSpPr>
+          <p:spPr>
+            <a:xfrm>
+              <a:off x="1380591" y="2788916"/>
+              <a:ext cx="2207991" cy="528511"/>
+            </a:xfrm>
+            <a:prstGeom prst="rect">
+              <a:avLst/>
+            </a:prstGeom>
+            <a:noFill/>
+            <a:ln w="25400">
+              <a:solidFill>
+                <a:schemeClr val="accent1">
+                  <a:lumMod val="75000"/>
+                  <a:alpha val="97000"/>
+                </a:schemeClr>
+              </a:solidFill>
+            </a:ln>
+          </p:spPr>
+          <p:style>
+            <a:lnRef idx="2">
+              <a:schemeClr val="accent1">
+                <a:shade val="50000"/>
+              </a:schemeClr>
+            </a:lnRef>
+            <a:fillRef idx="1">
+              <a:schemeClr val="accent1"/>
+            </a:fillRef>
+            <a:effectRef idx="0">
+              <a:schemeClr val="accent1"/>
+            </a:effectRef>
+            <a:fontRef idx="minor">
+              <a:schemeClr val="lt1"/>
+            </a:fontRef>
+          </p:style>
+          <p:txBody>
+            <a:bodyPr rtlCol="0" anchor="ctr"/>
+            <a:lstStyle/>
+            <a:p>
+              <a:pPr algn="ctr"/>
+              <a:r>
+                <a:rPr lang="zh-CN" altLang="en-US" dirty="0">
+                  <a:solidFill>
+                    <a:sysClr val="windowText" lastClr="000000"/>
+                  </a:solidFill>
+                </a:rPr>
+                <a:t>监控应用启动</a:t>
+              </a:r>
+            </a:p>
+          </p:txBody>
+        </p:sp>
+        <p:sp>
+          <p:nvSpPr>
+            <p:cNvPr id="7" name="矩形 6">
+              <a:extLst>
+                <a:ext uri="{FF2B5EF4-FFF2-40B4-BE49-F238E27FC236}">
+                  <a16:creationId xmlns:a16="http://schemas.microsoft.com/office/drawing/2014/main" id="{F9CF4AB7-E962-4068-B4D7-36B9B89C2286}"/>
+                </a:ext>
+              </a:extLst>
+            </p:cNvPr>
+            <p:cNvSpPr/>
+            <p:nvPr/>
+          </p:nvSpPr>
+          <p:spPr>
+            <a:xfrm>
+              <a:off x="1380591" y="3428012"/>
+              <a:ext cx="2207991" cy="528511"/>
+            </a:xfrm>
+            <a:prstGeom prst="rect">
+              <a:avLst/>
+            </a:prstGeom>
+            <a:noFill/>
+            <a:ln w="25400">
+              <a:solidFill>
+                <a:schemeClr val="accent1">
+                  <a:lumMod val="75000"/>
+                  <a:alpha val="97000"/>
+                </a:schemeClr>
+              </a:solidFill>
+            </a:ln>
+          </p:spPr>
+          <p:style>
+            <a:lnRef idx="2">
+              <a:schemeClr val="accent1">
+                <a:shade val="50000"/>
+              </a:schemeClr>
+            </a:lnRef>
+            <a:fillRef idx="1">
+              <a:schemeClr val="accent1"/>
+            </a:fillRef>
+            <a:effectRef idx="0">
+              <a:schemeClr val="accent1"/>
+            </a:effectRef>
+            <a:fontRef idx="minor">
+              <a:schemeClr val="lt1"/>
+            </a:fontRef>
+          </p:style>
+          <p:txBody>
+            <a:bodyPr rtlCol="0" anchor="ctr"/>
+            <a:lstStyle/>
+            <a:p>
+              <a:pPr algn="ctr"/>
+              <a:r>
+                <a:rPr lang="zh-CN" altLang="en-US" dirty="0">
+                  <a:solidFill>
+                    <a:sysClr val="windowText" lastClr="000000"/>
+                  </a:solidFill>
+                </a:rPr>
+                <a:t>监控</a:t>
+              </a:r>
+              <a:r>
+                <a:rPr lang="en-US" altLang="zh-CN" dirty="0">
+                  <a:solidFill>
+                    <a:sysClr val="windowText" lastClr="000000"/>
+                  </a:solidFill>
+                </a:rPr>
+                <a:t>Java</a:t>
+              </a:r>
+              <a:r>
+                <a:rPr lang="zh-CN" altLang="en-US" dirty="0">
+                  <a:solidFill>
+                    <a:sysClr val="windowText" lastClr="000000"/>
+                  </a:solidFill>
+                </a:rPr>
+                <a:t>方法调用</a:t>
+              </a:r>
+            </a:p>
+          </p:txBody>
+        </p:sp>
+        <p:sp>
+          <p:nvSpPr>
+            <p:cNvPr id="8" name="矩形 7">
+              <a:extLst>
+                <a:ext uri="{FF2B5EF4-FFF2-40B4-BE49-F238E27FC236}">
+                  <a16:creationId xmlns:a16="http://schemas.microsoft.com/office/drawing/2014/main" id="{89399405-89E3-4E17-B7DC-F18DF8BA22C9}"/>
+                </a:ext>
+              </a:extLst>
+            </p:cNvPr>
+            <p:cNvSpPr/>
+            <p:nvPr/>
+          </p:nvSpPr>
+          <p:spPr>
+            <a:xfrm>
+              <a:off x="1380591" y="4065084"/>
+              <a:ext cx="2207991" cy="691745"/>
+            </a:xfrm>
+            <a:prstGeom prst="rect">
+              <a:avLst/>
+            </a:prstGeom>
+            <a:noFill/>
+            <a:ln w="25400">
+              <a:solidFill>
+                <a:schemeClr val="accent1">
+                  <a:lumMod val="75000"/>
+                  <a:alpha val="97000"/>
+                </a:schemeClr>
+              </a:solidFill>
+            </a:ln>
+          </p:spPr>
+          <p:style>
+            <a:lnRef idx="2">
+              <a:schemeClr val="accent1">
+                <a:shade val="50000"/>
+              </a:schemeClr>
+            </a:lnRef>
+            <a:fillRef idx="1">
+              <a:schemeClr val="accent1"/>
+            </a:fillRef>
+            <a:effectRef idx="0">
+              <a:schemeClr val="accent1"/>
+            </a:effectRef>
+            <a:fontRef idx="minor">
+              <a:schemeClr val="lt1"/>
+            </a:fontRef>
+          </p:style>
+          <p:txBody>
+            <a:bodyPr rtlCol="0" anchor="ctr"/>
+            <a:lstStyle/>
+            <a:p>
+              <a:pPr algn="ctr"/>
+              <a:r>
+                <a:rPr lang="zh-CN" altLang="en-US" dirty="0">
+                  <a:solidFill>
+                    <a:sysClr val="windowText" lastClr="000000"/>
+                  </a:solidFill>
+                </a:rPr>
+                <a:t>抓取加载的</a:t>
+              </a:r>
+              <a:endParaRPr lang="en-US" altLang="zh-CN" dirty="0">
+                <a:solidFill>
+                  <a:sysClr val="windowText" lastClr="000000"/>
+                </a:solidFill>
+              </a:endParaRPr>
+            </a:p>
+            <a:p>
+              <a:pPr algn="ctr"/>
+              <a:r>
+                <a:rPr lang="en-US" altLang="zh-CN" dirty="0" err="1">
+                  <a:solidFill>
+                    <a:sysClr val="windowText" lastClr="000000"/>
+                  </a:solidFill>
+                </a:rPr>
+                <a:t>Dex</a:t>
+              </a:r>
+              <a:r>
+                <a:rPr lang="zh-CN" altLang="en-US" dirty="0">
+                  <a:solidFill>
+                    <a:sysClr val="windowText" lastClr="000000"/>
+                  </a:solidFill>
+                </a:rPr>
+                <a:t>文件</a:t>
+              </a:r>
+            </a:p>
+          </p:txBody>
+        </p:sp>
+        <p:sp>
+          <p:nvSpPr>
+            <p:cNvPr id="9" name="矩形 8">
+              <a:extLst>
+                <a:ext uri="{FF2B5EF4-FFF2-40B4-BE49-F238E27FC236}">
+                  <a16:creationId xmlns:a16="http://schemas.microsoft.com/office/drawing/2014/main" id="{00B7592F-1C6A-4FE2-BC67-B047CAC653E3}"/>
+                </a:ext>
+              </a:extLst>
+            </p:cNvPr>
+            <p:cNvSpPr/>
+            <p:nvPr/>
+          </p:nvSpPr>
+          <p:spPr>
+            <a:xfrm>
+              <a:off x="1380591" y="4867268"/>
+              <a:ext cx="2207991" cy="477057"/>
+            </a:xfrm>
+            <a:prstGeom prst="rect">
+              <a:avLst/>
+            </a:prstGeom>
+            <a:noFill/>
+            <a:ln w="25400">
+              <a:solidFill>
+                <a:schemeClr val="accent1">
+                  <a:lumMod val="75000"/>
+                  <a:alpha val="97000"/>
+                </a:schemeClr>
+              </a:solidFill>
+            </a:ln>
+          </p:spPr>
+          <p:style>
+            <a:lnRef idx="2">
+              <a:schemeClr val="accent1">
+                <a:shade val="50000"/>
+              </a:schemeClr>
+            </a:lnRef>
+            <a:fillRef idx="1">
+              <a:schemeClr val="accent1"/>
+            </a:fillRef>
+            <a:effectRef idx="0">
+              <a:schemeClr val="accent1"/>
+            </a:effectRef>
+            <a:fontRef idx="minor">
+              <a:schemeClr val="lt1"/>
+            </a:fontRef>
+          </p:style>
+          <p:txBody>
+            <a:bodyPr rtlCol="0" anchor="ctr"/>
+            <a:lstStyle/>
+            <a:p>
+              <a:pPr algn="ctr"/>
+              <a:r>
+                <a:rPr lang="zh-CN" altLang="en-US" dirty="0">
+                  <a:solidFill>
+                    <a:sysClr val="windowText" lastClr="000000"/>
+                  </a:solidFill>
+                </a:rPr>
+                <a:t>监控本地函数调用</a:t>
+              </a:r>
+            </a:p>
+          </p:txBody>
+        </p:sp>
+        <p:sp>
+          <p:nvSpPr>
+            <p:cNvPr id="10" name="文本框 9">
+              <a:extLst>
+                <a:ext uri="{FF2B5EF4-FFF2-40B4-BE49-F238E27FC236}">
+                  <a16:creationId xmlns:a16="http://schemas.microsoft.com/office/drawing/2014/main" id="{70790FE6-039C-4691-8D9F-0E566143F3E6}"/>
+                </a:ext>
+              </a:extLst>
+            </p:cNvPr>
+            <p:cNvSpPr txBox="1"/>
+            <p:nvPr/>
+          </p:nvSpPr>
+          <p:spPr>
+            <a:xfrm>
+              <a:off x="1921690" y="2220359"/>
+              <a:ext cx="1297760" cy="400110"/>
+            </a:xfrm>
+            <a:prstGeom prst="rect">
+              <a:avLst/>
+            </a:prstGeom>
+            <a:noFill/>
+          </p:spPr>
+          <p:txBody>
+            <a:bodyPr wrap="square" rtlCol="0">
+              <a:spAutoFit/>
+            </a:bodyPr>
+            <a:lstStyle/>
+            <a:p>
+              <a:r>
+                <a:rPr lang="zh-CN" altLang="en-US" sz="2000" b="1" dirty="0"/>
+                <a:t>功能测试</a:t>
+              </a:r>
+            </a:p>
+          </p:txBody>
+        </p:sp>
+      </p:grpSp>
+      <p:grpSp>
+        <p:nvGrpSpPr>
+          <p:cNvPr id="12" name="组合 11">
+            <a:extLst>
+              <a:ext uri="{FF2B5EF4-FFF2-40B4-BE49-F238E27FC236}">
+                <a16:creationId xmlns:a16="http://schemas.microsoft.com/office/drawing/2014/main" id="{D7D56435-4ED3-4922-BF89-142779567999}"/>
+              </a:ext>
+            </a:extLst>
+          </p:cNvPr>
+          <p:cNvGrpSpPr/>
+          <p:nvPr/>
+        </p:nvGrpSpPr>
+        <p:grpSpPr>
+          <a:xfrm>
+            <a:off x="7259652" y="1142345"/>
+            <a:ext cx="2397096" cy="3895725"/>
+            <a:chOff x="1279555" y="2066925"/>
+            <a:chExt cx="2397096" cy="3476625"/>
+          </a:xfrm>
+        </p:grpSpPr>
+        <p:sp>
+          <p:nvSpPr>
+            <p:cNvPr id="13" name="矩形 12">
+              <a:extLst>
+                <a:ext uri="{FF2B5EF4-FFF2-40B4-BE49-F238E27FC236}">
+                  <a16:creationId xmlns:a16="http://schemas.microsoft.com/office/drawing/2014/main" id="{F15DCE83-AE35-4BA9-B62B-10FB440C5809}"/>
+                </a:ext>
+              </a:extLst>
+            </p:cNvPr>
+            <p:cNvSpPr/>
+            <p:nvPr/>
+          </p:nvSpPr>
+          <p:spPr>
+            <a:xfrm>
+              <a:off x="1279555" y="2066925"/>
+              <a:ext cx="2397096" cy="3476625"/>
+            </a:xfrm>
+            <a:prstGeom prst="rect">
+              <a:avLst/>
+            </a:prstGeom>
+            <a:noFill/>
+            <a:ln w="25400">
+              <a:solidFill>
+                <a:schemeClr val="accent1">
+                  <a:lumMod val="75000"/>
+                  <a:alpha val="97000"/>
+                </a:schemeClr>
+              </a:solidFill>
+            </a:ln>
+          </p:spPr>
+          <p:style>
+            <a:lnRef idx="2">
+              <a:schemeClr val="accent1">
+                <a:shade val="50000"/>
+              </a:schemeClr>
+            </a:lnRef>
+            <a:fillRef idx="1">
+              <a:schemeClr val="accent1"/>
+            </a:fillRef>
+            <a:effectRef idx="0">
+              <a:schemeClr val="accent1"/>
+            </a:effectRef>
+            <a:fontRef idx="minor">
+              <a:schemeClr val="lt1"/>
+            </a:fontRef>
+          </p:style>
+          <p:txBody>
+            <a:bodyPr rtlCol="0" anchor="ctr"/>
+            <a:lstStyle/>
+            <a:p>
+              <a:pPr algn="ctr"/>
+              <a:endParaRPr lang="zh-CN" altLang="en-US" dirty="0">
+                <a:solidFill>
+                  <a:sysClr val="windowText" lastClr="000000"/>
+                </a:solidFill>
+              </a:endParaRPr>
+            </a:p>
+          </p:txBody>
+        </p:sp>
+        <p:sp>
+          <p:nvSpPr>
+            <p:cNvPr id="14" name="矩形 13">
+              <a:extLst>
+                <a:ext uri="{FF2B5EF4-FFF2-40B4-BE49-F238E27FC236}">
+                  <a16:creationId xmlns:a16="http://schemas.microsoft.com/office/drawing/2014/main" id="{6B86F236-9208-4FD0-B9A0-5A73EE507203}"/>
+                </a:ext>
+              </a:extLst>
+            </p:cNvPr>
+            <p:cNvSpPr/>
+            <p:nvPr/>
+          </p:nvSpPr>
+          <p:spPr>
+            <a:xfrm>
+              <a:off x="1380591" y="2788916"/>
+              <a:ext cx="2207991" cy="763909"/>
+            </a:xfrm>
+            <a:prstGeom prst="rect">
+              <a:avLst/>
+            </a:prstGeom>
+            <a:noFill/>
+            <a:ln w="25400">
+              <a:solidFill>
+                <a:schemeClr val="accent1">
+                  <a:lumMod val="75000"/>
+                  <a:alpha val="97000"/>
+                </a:schemeClr>
+              </a:solidFill>
+            </a:ln>
+          </p:spPr>
+          <p:style>
+            <a:lnRef idx="2">
+              <a:schemeClr val="accent1">
+                <a:shade val="50000"/>
+              </a:schemeClr>
+            </a:lnRef>
+            <a:fillRef idx="1">
+              <a:schemeClr val="accent1"/>
+            </a:fillRef>
+            <a:effectRef idx="0">
+              <a:schemeClr val="accent1"/>
+            </a:effectRef>
+            <a:fontRef idx="minor">
+              <a:schemeClr val="lt1"/>
+            </a:fontRef>
+          </p:style>
+          <p:txBody>
+            <a:bodyPr rtlCol="0" anchor="ctr"/>
+            <a:lstStyle/>
+            <a:p>
+              <a:pPr algn="ctr"/>
+              <a:r>
+                <a:rPr lang="zh-CN" altLang="en-US" dirty="0">
+                  <a:solidFill>
+                    <a:sysClr val="windowText" lastClr="000000"/>
+                  </a:solidFill>
+                </a:rPr>
+                <a:t>本系统监控所有</a:t>
+              </a:r>
+              <a:r>
+                <a:rPr lang="en-US" altLang="zh-CN" dirty="0">
+                  <a:solidFill>
+                    <a:sysClr val="windowText" lastClr="000000"/>
+                  </a:solidFill>
+                </a:rPr>
+                <a:t>Java</a:t>
+              </a:r>
+              <a:r>
+                <a:rPr lang="zh-CN" altLang="en-US" dirty="0">
+                  <a:solidFill>
+                    <a:sysClr val="windowText" lastClr="000000"/>
+                  </a:solidFill>
+                </a:rPr>
+                <a:t>方法执行</a:t>
+              </a:r>
+            </a:p>
+          </p:txBody>
+        </p:sp>
+        <p:sp>
+          <p:nvSpPr>
+            <p:cNvPr id="18" name="文本框 17">
+              <a:extLst>
+                <a:ext uri="{FF2B5EF4-FFF2-40B4-BE49-F238E27FC236}">
+                  <a16:creationId xmlns:a16="http://schemas.microsoft.com/office/drawing/2014/main" id="{22C9AB40-C6E6-4C04-B6A4-2A2E72A0F2C1}"/>
+                </a:ext>
+              </a:extLst>
+            </p:cNvPr>
+            <p:cNvSpPr txBox="1"/>
+            <p:nvPr/>
+          </p:nvSpPr>
+          <p:spPr>
+            <a:xfrm>
+              <a:off x="1921690" y="2220359"/>
+              <a:ext cx="1297760" cy="400110"/>
+            </a:xfrm>
+            <a:prstGeom prst="rect">
+              <a:avLst/>
+            </a:prstGeom>
+            <a:noFill/>
+          </p:spPr>
+          <p:txBody>
+            <a:bodyPr wrap="square" rtlCol="0">
+              <a:spAutoFit/>
+            </a:bodyPr>
+            <a:lstStyle/>
+            <a:p>
+              <a:r>
+                <a:rPr lang="zh-CN" altLang="en-US" sz="2000" b="1" dirty="0"/>
+                <a:t>性能测试</a:t>
+              </a:r>
+            </a:p>
+          </p:txBody>
+        </p:sp>
+        <p:sp>
+          <p:nvSpPr>
+            <p:cNvPr id="19" name="矩形 18">
+              <a:extLst>
+                <a:ext uri="{FF2B5EF4-FFF2-40B4-BE49-F238E27FC236}">
+                  <a16:creationId xmlns:a16="http://schemas.microsoft.com/office/drawing/2014/main" id="{96CF7256-F1F0-40C8-A9C6-A87239124D13}"/>
+                </a:ext>
+              </a:extLst>
+            </p:cNvPr>
+            <p:cNvSpPr/>
+            <p:nvPr/>
+          </p:nvSpPr>
+          <p:spPr>
+            <a:xfrm>
+              <a:off x="1374107" y="3666097"/>
+              <a:ext cx="2207991" cy="763909"/>
+            </a:xfrm>
+            <a:prstGeom prst="rect">
+              <a:avLst/>
+            </a:prstGeom>
+            <a:noFill/>
+            <a:ln w="25400">
+              <a:solidFill>
+                <a:schemeClr val="accent1">
+                  <a:lumMod val="75000"/>
+                  <a:alpha val="97000"/>
+                </a:schemeClr>
+              </a:solidFill>
+            </a:ln>
+          </p:spPr>
+          <p:style>
+            <a:lnRef idx="2">
+              <a:schemeClr val="accent1">
+                <a:shade val="50000"/>
+              </a:schemeClr>
+            </a:lnRef>
+            <a:fillRef idx="1">
+              <a:schemeClr val="accent1"/>
+            </a:fillRef>
+            <a:effectRef idx="0">
+              <a:schemeClr val="accent1"/>
+            </a:effectRef>
+            <a:fontRef idx="minor">
+              <a:schemeClr val="lt1"/>
+            </a:fontRef>
+          </p:style>
+          <p:txBody>
+            <a:bodyPr rtlCol="0" anchor="ctr"/>
+            <a:lstStyle/>
+            <a:p>
+              <a:pPr algn="ctr"/>
+              <a:r>
+                <a:rPr lang="zh-CN" altLang="en-US" dirty="0">
+                  <a:solidFill>
+                    <a:sysClr val="windowText" lastClr="000000"/>
+                  </a:solidFill>
+                </a:rPr>
+                <a:t>无动态监控</a:t>
+              </a:r>
+            </a:p>
+          </p:txBody>
+        </p:sp>
+        <p:sp>
+          <p:nvSpPr>
+            <p:cNvPr id="20" name="矩形 19">
+              <a:extLst>
+                <a:ext uri="{FF2B5EF4-FFF2-40B4-BE49-F238E27FC236}">
+                  <a16:creationId xmlns:a16="http://schemas.microsoft.com/office/drawing/2014/main" id="{A7843343-2EF9-46F4-A9FC-CC68DD943BDF}"/>
+                </a:ext>
+              </a:extLst>
+            </p:cNvPr>
+            <p:cNvSpPr/>
+            <p:nvPr/>
+          </p:nvSpPr>
+          <p:spPr>
+            <a:xfrm>
+              <a:off x="1380591" y="4599466"/>
+              <a:ext cx="2207991" cy="850580"/>
+            </a:xfrm>
+            <a:prstGeom prst="rect">
+              <a:avLst/>
+            </a:prstGeom>
+            <a:noFill/>
+            <a:ln w="25400">
+              <a:solidFill>
+                <a:schemeClr val="accent1">
+                  <a:lumMod val="75000"/>
+                  <a:alpha val="97000"/>
+                </a:schemeClr>
+              </a:solidFill>
+            </a:ln>
+          </p:spPr>
+          <p:style>
+            <a:lnRef idx="2">
+              <a:schemeClr val="accent1">
+                <a:shade val="50000"/>
+              </a:schemeClr>
+            </a:lnRef>
+            <a:fillRef idx="1">
+              <a:schemeClr val="accent1"/>
+            </a:fillRef>
+            <a:effectRef idx="0">
+              <a:schemeClr val="accent1"/>
+            </a:effectRef>
+            <a:fontRef idx="minor">
+              <a:schemeClr val="lt1"/>
+            </a:fontRef>
+          </p:style>
+          <p:txBody>
+            <a:bodyPr rtlCol="0" anchor="ctr"/>
+            <a:lstStyle/>
+            <a:p>
+              <a:pPr algn="ctr"/>
+              <a:r>
+                <a:rPr lang="en-US" altLang="zh-CN" dirty="0">
+                  <a:solidFill>
+                    <a:sysClr val="windowText" lastClr="000000"/>
+                  </a:solidFill>
+                </a:rPr>
+                <a:t>Android Device Monitor</a:t>
+              </a:r>
+              <a:r>
+                <a:rPr lang="zh-CN" altLang="en-US" dirty="0">
+                  <a:solidFill>
+                    <a:sysClr val="windowText" lastClr="000000"/>
+                  </a:solidFill>
+                </a:rPr>
+                <a:t>监控</a:t>
+              </a:r>
+              <a:r>
+                <a:rPr lang="en-US" altLang="zh-CN" dirty="0">
+                  <a:solidFill>
+                    <a:sysClr val="windowText" lastClr="000000"/>
+                  </a:solidFill>
+                </a:rPr>
+                <a:t>Java</a:t>
+              </a:r>
+              <a:r>
+                <a:rPr lang="zh-CN" altLang="en-US" dirty="0">
+                  <a:solidFill>
+                    <a:sysClr val="windowText" lastClr="000000"/>
+                  </a:solidFill>
+                </a:rPr>
+                <a:t>方法执行</a:t>
+              </a:r>
+            </a:p>
+          </p:txBody>
+        </p:sp>
+      </p:grpSp>
+      <p:cxnSp>
+        <p:nvCxnSpPr>
+          <p:cNvPr id="21" name="直接箭头连接符 20">
+            <a:extLst>
+              <a:ext uri="{FF2B5EF4-FFF2-40B4-BE49-F238E27FC236}">
+                <a16:creationId xmlns:a16="http://schemas.microsoft.com/office/drawing/2014/main" id="{14777602-22BC-4558-9D0F-9BC00E4F2C79}"/>
+              </a:ext>
+            </a:extLst>
+          </p:cNvPr>
+          <p:cNvCxnSpPr>
+            <a:cxnSpLocks/>
+            <a:stCxn id="23" idx="0"/>
+            <a:endCxn id="5" idx="2"/>
+          </p:cNvCxnSpPr>
+          <p:nvPr/>
+        </p:nvCxnSpPr>
+        <p:spPr>
+          <a:xfrm flipV="1">
+            <a:off x="3211528" y="5048087"/>
+            <a:ext cx="0" cy="467412"/>
+          </a:xfrm>
+          <a:prstGeom prst="straightConnector1">
+            <a:avLst/>
+          </a:prstGeom>
+          <a:ln w="28575">
+            <a:tailEnd type="triangle"/>
+          </a:ln>
+        </p:spPr>
+        <p:style>
+          <a:lnRef idx="1">
+            <a:schemeClr val="accent1"/>
+          </a:lnRef>
+          <a:fillRef idx="0">
+            <a:schemeClr val="accent1"/>
+          </a:fillRef>
+          <a:effectRef idx="0">
+            <a:schemeClr val="accent1"/>
+          </a:effectRef>
+          <a:fontRef idx="minor">
+            <a:schemeClr val="tx1"/>
+          </a:fontRef>
+        </p:style>
+      </p:cxnSp>
+      <p:sp>
+        <p:nvSpPr>
+          <p:cNvPr id="23" name="矩形 22">
+            <a:extLst>
+              <a:ext uri="{FF2B5EF4-FFF2-40B4-BE49-F238E27FC236}">
+                <a16:creationId xmlns:a16="http://schemas.microsoft.com/office/drawing/2014/main" id="{7DA9413D-0B5E-4C21-B96F-282B43F6B50A}"/>
+              </a:ext>
+            </a:extLst>
+          </p:cNvPr>
+          <p:cNvSpPr/>
+          <p:nvPr/>
+        </p:nvSpPr>
+        <p:spPr>
+          <a:xfrm>
+            <a:off x="1665318" y="5515499"/>
+            <a:ext cx="3092420" cy="604316"/>
+          </a:xfrm>
+          <a:prstGeom prst="rect">
+            <a:avLst/>
+          </a:prstGeom>
+          <a:noFill/>
+          <a:ln w="25400">
+            <a:solidFill>
+              <a:schemeClr val="accent1">
+                <a:lumMod val="75000"/>
+                <a:alpha val="97000"/>
+              </a:schemeClr>
+            </a:solidFill>
+          </a:ln>
+        </p:spPr>
+        <p:style>
+          <a:lnRef idx="2">
+            <a:schemeClr val="accent1">
+              <a:shade val="50000"/>
+            </a:schemeClr>
+          </a:lnRef>
+          <a:fillRef idx="1">
+            <a:schemeClr val="accent1"/>
+          </a:fillRef>
+          <a:effectRef idx="0">
+            <a:schemeClr val="accent1"/>
+          </a:effectRef>
+          <a:fontRef idx="minor">
+            <a:schemeClr val="lt1"/>
+          </a:fontRef>
+        </p:style>
+        <p:txBody>
+          <a:bodyPr rtlCol="0" anchor="ctr"/>
+          <a:lstStyle/>
+          <a:p>
+            <a:pPr algn="ctr"/>
+            <a:r>
+              <a:rPr lang="en-US" altLang="zh-CN" dirty="0">
+                <a:solidFill>
+                  <a:sysClr val="windowText" lastClr="000000"/>
+                </a:solidFill>
+              </a:rPr>
+              <a:t>360</a:t>
+            </a:r>
+            <a:r>
+              <a:rPr lang="zh-CN" altLang="en-US" dirty="0">
+                <a:solidFill>
+                  <a:sysClr val="windowText" lastClr="000000"/>
+                </a:solidFill>
+              </a:rPr>
+              <a:t>加固宝加固的</a:t>
+            </a:r>
+            <a:r>
+              <a:rPr lang="en-US" altLang="zh-CN" dirty="0" err="1">
+                <a:solidFill>
+                  <a:sysClr val="windowText" lastClr="000000"/>
+                </a:solidFill>
+              </a:rPr>
+              <a:t>Noticer</a:t>
+            </a:r>
+            <a:endParaRPr lang="en-US" altLang="zh-CN" dirty="0">
+              <a:solidFill>
+                <a:sysClr val="windowText" lastClr="000000"/>
+              </a:solidFill>
+            </a:endParaRPr>
+          </a:p>
+          <a:p>
+            <a:pPr algn="ctr"/>
+            <a:r>
+              <a:rPr lang="zh-CN" altLang="en-US" dirty="0">
+                <a:solidFill>
+                  <a:sysClr val="windowText" lastClr="000000"/>
+                </a:solidFill>
+              </a:rPr>
+              <a:t>支付宝</a:t>
+            </a:r>
+          </a:p>
+        </p:txBody>
+      </p:sp>
+      <p:sp>
+        <p:nvSpPr>
+          <p:cNvPr id="33" name="矩形 32">
+            <a:extLst>
+              <a:ext uri="{FF2B5EF4-FFF2-40B4-BE49-F238E27FC236}">
+                <a16:creationId xmlns:a16="http://schemas.microsoft.com/office/drawing/2014/main" id="{9A27A37A-17C7-4A8C-9EAB-08E75B71782E}"/>
+              </a:ext>
+            </a:extLst>
+          </p:cNvPr>
+          <p:cNvSpPr/>
+          <p:nvPr/>
+        </p:nvSpPr>
+        <p:spPr>
+          <a:xfrm>
+            <a:off x="6780218" y="5544938"/>
+            <a:ext cx="3355961" cy="604316"/>
+          </a:xfrm>
+          <a:prstGeom prst="rect">
+            <a:avLst/>
+          </a:prstGeom>
+          <a:noFill/>
+          <a:ln w="25400">
+            <a:solidFill>
+              <a:schemeClr val="accent1">
+                <a:lumMod val="75000"/>
+                <a:alpha val="97000"/>
+              </a:schemeClr>
+            </a:solidFill>
+          </a:ln>
+        </p:spPr>
+        <p:style>
+          <a:lnRef idx="2">
+            <a:schemeClr val="accent1">
+              <a:shade val="50000"/>
+            </a:schemeClr>
+          </a:lnRef>
+          <a:fillRef idx="1">
+            <a:schemeClr val="accent1"/>
+          </a:fillRef>
+          <a:effectRef idx="0">
+            <a:schemeClr val="accent1"/>
+          </a:effectRef>
+          <a:fontRef idx="minor">
+            <a:schemeClr val="lt1"/>
+          </a:fontRef>
+        </p:style>
+        <p:txBody>
+          <a:bodyPr rtlCol="0" anchor="ctr"/>
+          <a:lstStyle/>
+          <a:p>
+            <a:pPr algn="ctr"/>
+            <a:r>
+              <a:rPr lang="zh-CN" altLang="en-US" dirty="0">
+                <a:solidFill>
+                  <a:sysClr val="windowText" lastClr="000000"/>
+                </a:solidFill>
+              </a:rPr>
+              <a:t>测试</a:t>
+            </a:r>
+            <a:r>
+              <a:rPr lang="en-US" altLang="zh-CN" dirty="0">
+                <a:solidFill>
+                  <a:sysClr val="windowText" lastClr="000000"/>
+                </a:solidFill>
+              </a:rPr>
+              <a:t>Java</a:t>
+            </a:r>
+            <a:r>
+              <a:rPr lang="zh-CN" altLang="en-US" dirty="0">
+                <a:solidFill>
+                  <a:sysClr val="windowText" lastClr="000000"/>
+                </a:solidFill>
+              </a:rPr>
+              <a:t>方法执行用时的应用</a:t>
+            </a:r>
+          </a:p>
+        </p:txBody>
+      </p:sp>
+      <p:cxnSp>
+        <p:nvCxnSpPr>
+          <p:cNvPr id="34" name="直接箭头连接符 33">
+            <a:extLst>
+              <a:ext uri="{FF2B5EF4-FFF2-40B4-BE49-F238E27FC236}">
+                <a16:creationId xmlns:a16="http://schemas.microsoft.com/office/drawing/2014/main" id="{D2B0CAF4-A473-4DA0-A068-0EB691CAC296}"/>
+              </a:ext>
+            </a:extLst>
+          </p:cNvPr>
+          <p:cNvCxnSpPr>
+            <a:cxnSpLocks/>
+            <a:stCxn id="33" idx="0"/>
+            <a:endCxn id="13" idx="2"/>
+          </p:cNvCxnSpPr>
+          <p:nvPr/>
+        </p:nvCxnSpPr>
+        <p:spPr>
+          <a:xfrm flipV="1">
+            <a:off x="8458199" y="5038070"/>
+            <a:ext cx="1" cy="506868"/>
+          </a:xfrm>
+          <a:prstGeom prst="straightConnector1">
+            <a:avLst/>
+          </a:prstGeom>
+          <a:ln w="28575">
+            <a:tailEnd type="triangle"/>
+          </a:ln>
+        </p:spPr>
+        <p:style>
+          <a:lnRef idx="1">
+            <a:schemeClr val="accent1"/>
+          </a:lnRef>
+          <a:fillRef idx="0">
+            <a:schemeClr val="accent1"/>
+          </a:fillRef>
+          <a:effectRef idx="0">
+            <a:schemeClr val="accent1"/>
+          </a:effectRef>
+          <a:fontRef idx="minor">
+            <a:schemeClr val="tx1"/>
+          </a:fontRef>
+        </p:style>
+      </p:cxnSp>
     </p:spTree>
     <p:extLst>
       <p:ext uri="{BB962C8B-B14F-4D97-AF65-F5344CB8AC3E}">
@@ -17267,7 +23372,7 @@
         </p:blipFill>
         <p:spPr>
           <a:xfrm>
-            <a:off x="524421" y="2730120"/>
+            <a:off x="695325" y="2272920"/>
             <a:ext cx="11143158" cy="1397759"/>
           </a:xfrm>
           <a:prstGeom prst="rect">
@@ -17275,6 +23380,84 @@
           </a:prstGeom>
         </p:spPr>
       </p:pic>
+      <p:sp>
+        <p:nvSpPr>
+          <p:cNvPr id="5" name="文本框 4">
+            <a:extLst>
+              <a:ext uri="{FF2B5EF4-FFF2-40B4-BE49-F238E27FC236}">
+                <a16:creationId xmlns:a16="http://schemas.microsoft.com/office/drawing/2014/main" id="{EE32447E-4777-4DBD-AB2A-0879AEBB880C}"/>
+              </a:ext>
+            </a:extLst>
+          </p:cNvPr>
+          <p:cNvSpPr txBox="1"/>
+          <p:nvPr/>
+        </p:nvSpPr>
+        <p:spPr>
+          <a:xfrm>
+            <a:off x="695325" y="1440017"/>
+            <a:ext cx="5222060" cy="400110"/>
+          </a:xfrm>
+          <a:prstGeom prst="rect">
+            <a:avLst/>
+          </a:prstGeom>
+          <a:noFill/>
+        </p:spPr>
+        <p:txBody>
+          <a:bodyPr wrap="square" rtlCol="0">
+            <a:spAutoFit/>
+          </a:bodyPr>
+          <a:lstStyle/>
+          <a:p>
+            <a:r>
+              <a:rPr lang="zh-CN" altLang="en-US" sz="2000" dirty="0"/>
+              <a:t>启动支付宝</a:t>
+            </a:r>
+            <a:r>
+              <a:rPr lang="en-US" altLang="zh-CN" sz="2000" dirty="0" err="1"/>
+              <a:t>Noticer</a:t>
+            </a:r>
+            <a:r>
+              <a:rPr lang="zh-CN" altLang="en-US" sz="2000" dirty="0"/>
+              <a:t>， 得到的日志记录如下</a:t>
+            </a:r>
+          </a:p>
+        </p:txBody>
+      </p:sp>
+      <p:sp>
+        <p:nvSpPr>
+          <p:cNvPr id="6" name="文本框 5">
+            <a:extLst>
+              <a:ext uri="{FF2B5EF4-FFF2-40B4-BE49-F238E27FC236}">
+                <a16:creationId xmlns:a16="http://schemas.microsoft.com/office/drawing/2014/main" id="{D3B12AD5-4DD3-4C21-BAAC-F18013279ACD}"/>
+              </a:ext>
+            </a:extLst>
+          </p:cNvPr>
+          <p:cNvSpPr txBox="1"/>
+          <p:nvPr/>
+        </p:nvSpPr>
+        <p:spPr>
+          <a:xfrm>
+            <a:off x="695324" y="4240367"/>
+            <a:ext cx="5619751" cy="400110"/>
+          </a:xfrm>
+          <a:prstGeom prst="rect">
+            <a:avLst/>
+          </a:prstGeom>
+          <a:noFill/>
+        </p:spPr>
+        <p:txBody>
+          <a:bodyPr wrap="square" rtlCol="0">
+            <a:spAutoFit/>
+          </a:bodyPr>
+          <a:lstStyle/>
+          <a:p>
+            <a:r>
+              <a:rPr lang="zh-CN" altLang="en-US" sz="2000" dirty="0"/>
+              <a:t>成功记录了启动应用的进程名和所属的应用包名</a:t>
+            </a:r>
+          </a:p>
+        </p:txBody>
+      </p:sp>
     </p:spTree>
     <p:extLst>
       <p:ext uri="{BB962C8B-B14F-4D97-AF65-F5344CB8AC3E}">
@@ -17425,14 +23608,65 @@
         </p:blipFill>
         <p:spPr>
           <a:xfrm>
-            <a:off x="924973" y="1012331"/>
-            <a:ext cx="10550244" cy="5639082"/>
+            <a:off x="877348" y="1812999"/>
+            <a:ext cx="8568564" cy="4579878"/>
           </a:xfrm>
           <a:prstGeom prst="rect">
             <a:avLst/>
           </a:prstGeom>
         </p:spPr>
       </p:pic>
+      <p:sp>
+        <p:nvSpPr>
+          <p:cNvPr id="5" name="文本框 4">
+            <a:extLst>
+              <a:ext uri="{FF2B5EF4-FFF2-40B4-BE49-F238E27FC236}">
+                <a16:creationId xmlns:a16="http://schemas.microsoft.com/office/drawing/2014/main" id="{10F42E47-9D57-496F-9EC2-7770345C4EA6}"/>
+              </a:ext>
+            </a:extLst>
+          </p:cNvPr>
+          <p:cNvSpPr txBox="1"/>
+          <p:nvPr/>
+        </p:nvSpPr>
+        <p:spPr>
+          <a:xfrm>
+            <a:off x="877348" y="865386"/>
+            <a:ext cx="9276302" cy="707886"/>
+          </a:xfrm>
+          <a:prstGeom prst="rect">
+            <a:avLst/>
+          </a:prstGeom>
+          <a:noFill/>
+        </p:spPr>
+        <p:txBody>
+          <a:bodyPr wrap="square" rtlCol="0">
+            <a:spAutoFit/>
+          </a:bodyPr>
+          <a:lstStyle/>
+          <a:p>
+            <a:r>
+              <a:rPr lang="zh-CN" altLang="en-US" sz="2000" dirty="0"/>
+              <a:t>设置监控目标为</a:t>
+            </a:r>
+            <a:r>
+              <a:rPr lang="en-US" altLang="zh-CN" sz="2000" dirty="0" err="1"/>
+              <a:t>Noticer</a:t>
+            </a:r>
+            <a:r>
+              <a:rPr lang="zh-CN" altLang="en-US" sz="2000" dirty="0"/>
+              <a:t>， 启动</a:t>
+            </a:r>
+            <a:r>
+              <a:rPr lang="en-US" altLang="zh-CN" sz="2000" dirty="0" err="1"/>
+              <a:t>Noticer</a:t>
+            </a:r>
+            <a:r>
+              <a:rPr lang="zh-CN" altLang="en-US" sz="2000" dirty="0"/>
+              <a:t>的来电邮件通知服务，在过滤后的日志中得到了来电邮件通知服务启动过程的方法调用序列</a:t>
+            </a:r>
+          </a:p>
+        </p:txBody>
+      </p:sp>
     </p:spTree>
     <p:extLst>
       <p:ext uri="{BB962C8B-B14F-4D97-AF65-F5344CB8AC3E}">
@@ -17768,14 +24002,64 @@
         </p:blipFill>
         <p:spPr>
           <a:xfrm>
-            <a:off x="1243341" y="891152"/>
-            <a:ext cx="8600000" cy="5514286"/>
+            <a:off x="1252865" y="1250345"/>
+            <a:ext cx="7795885" cy="4998691"/>
           </a:xfrm>
           <a:prstGeom prst="rect">
             <a:avLst/>
           </a:prstGeom>
         </p:spPr>
       </p:pic>
+      <p:sp>
+        <p:nvSpPr>
+          <p:cNvPr id="2" name="矩形 1">
+            <a:extLst>
+              <a:ext uri="{FF2B5EF4-FFF2-40B4-BE49-F238E27FC236}">
+                <a16:creationId xmlns:a16="http://schemas.microsoft.com/office/drawing/2014/main" id="{EA4EC635-902F-408B-8E62-C881FCCF282B}"/>
+              </a:ext>
+            </a:extLst>
+          </p:cNvPr>
+          <p:cNvSpPr/>
+          <p:nvPr/>
+        </p:nvSpPr>
+        <p:spPr>
+          <a:xfrm>
+            <a:off x="1252865" y="881013"/>
+            <a:ext cx="8110209" cy="369332"/>
+          </a:xfrm>
+          <a:prstGeom prst="rect">
+            <a:avLst/>
+          </a:prstGeom>
+        </p:spPr>
+        <p:txBody>
+          <a:bodyPr wrap="square">
+            <a:spAutoFit/>
+          </a:bodyPr>
+          <a:lstStyle/>
+          <a:p>
+            <a:r>
+              <a:rPr lang="zh-CN" altLang="en-US" dirty="0"/>
+              <a:t>设置监控目标为</a:t>
+            </a:r>
+            <a:r>
+              <a:rPr lang="en-US" altLang="zh-CN" dirty="0" err="1"/>
+              <a:t>Noticer</a:t>
+            </a:r>
+            <a:r>
+              <a:rPr lang="zh-CN" altLang="en-US" dirty="0"/>
+              <a:t>， 启动</a:t>
+            </a:r>
+            <a:r>
+              <a:rPr lang="en-US" altLang="zh-CN" dirty="0" err="1"/>
+              <a:t>Noticer</a:t>
+            </a:r>
+            <a:r>
+              <a:rPr lang="zh-CN" altLang="en-US" dirty="0"/>
+              <a:t>后读取到本地函数调用记录如下：</a:t>
+            </a:r>
+          </a:p>
+        </p:txBody>
+      </p:sp>
     </p:spTree>
     <p:extLst>
       <p:ext uri="{BB962C8B-B14F-4D97-AF65-F5344CB8AC3E}">
@@ -17926,7 +24210,7 @@
         </p:blipFill>
         <p:spPr>
           <a:xfrm>
-            <a:off x="847012" y="1075947"/>
+            <a:off x="913687" y="1665389"/>
             <a:ext cx="9533333" cy="666667"/>
           </a:xfrm>
           <a:prstGeom prst="rect">
@@ -17962,14 +24246,129 @@
         </p:blipFill>
         <p:spPr>
           <a:xfrm>
-            <a:off x="847012" y="1915476"/>
-            <a:ext cx="7611188" cy="4389214"/>
+            <a:off x="3904537" y="2538861"/>
+            <a:ext cx="6704901" cy="3866577"/>
           </a:xfrm>
           <a:prstGeom prst="rect">
             <a:avLst/>
           </a:prstGeom>
         </p:spPr>
       </p:pic>
+      <p:sp>
+        <p:nvSpPr>
+          <p:cNvPr id="2" name="矩形 1">
+            <a:extLst>
+              <a:ext uri="{FF2B5EF4-FFF2-40B4-BE49-F238E27FC236}">
+                <a16:creationId xmlns:a16="http://schemas.microsoft.com/office/drawing/2014/main" id="{9835DF59-3980-4F41-AF2D-EA3CFDF72D6F}"/>
+              </a:ext>
+            </a:extLst>
+          </p:cNvPr>
+          <p:cNvSpPr/>
+          <p:nvPr/>
+        </p:nvSpPr>
+        <p:spPr>
+          <a:xfrm>
+            <a:off x="856537" y="1017690"/>
+            <a:ext cx="8906588" cy="646331"/>
+          </a:xfrm>
+          <a:prstGeom prst="rect">
+            <a:avLst/>
+          </a:prstGeom>
+        </p:spPr>
+        <p:txBody>
+          <a:bodyPr wrap="square">
+            <a:spAutoFit/>
+          </a:bodyPr>
+          <a:lstStyle/>
+          <a:p>
+            <a:r>
+              <a:rPr lang="zh-CN" altLang="en-US" dirty="0"/>
+              <a:t>设置监控目标为</a:t>
+            </a:r>
+            <a:r>
+              <a:rPr lang="en-US" altLang="zh-CN" dirty="0" err="1"/>
+              <a:t>Noticer</a:t>
+            </a:r>
+            <a:r>
+              <a:rPr lang="zh-CN" altLang="en-US" dirty="0"/>
+              <a:t>，在配置文件中启用抓取</a:t>
+            </a:r>
+            <a:r>
+              <a:rPr lang="en-US" altLang="zh-CN" dirty="0" err="1"/>
+              <a:t>dex</a:t>
+            </a:r>
+            <a:r>
+              <a:rPr lang="zh-CN" altLang="en-US" dirty="0"/>
+              <a:t>文件功能，启动</a:t>
+            </a:r>
+            <a:r>
+              <a:rPr lang="en-US" altLang="zh-CN" dirty="0" err="1"/>
+              <a:t>Noticer</a:t>
+            </a:r>
+            <a:r>
+              <a:rPr lang="zh-CN" altLang="en-US" dirty="0"/>
+              <a:t>后抓取的</a:t>
+            </a:r>
+            <a:r>
+              <a:rPr lang="en-US" altLang="zh-CN" dirty="0" err="1"/>
+              <a:t>dex</a:t>
+            </a:r>
+            <a:r>
+              <a:rPr lang="zh-CN" altLang="en-US" dirty="0"/>
+              <a:t>文件如下</a:t>
+            </a:r>
+          </a:p>
+        </p:txBody>
+      </p:sp>
+      <p:sp>
+        <p:nvSpPr>
+          <p:cNvPr id="7" name="矩形 6">
+            <a:extLst>
+              <a:ext uri="{FF2B5EF4-FFF2-40B4-BE49-F238E27FC236}">
+                <a16:creationId xmlns:a16="http://schemas.microsoft.com/office/drawing/2014/main" id="{F45DD117-4D0F-4B55-8C35-7B3D2BBB7EE7}"/>
+              </a:ext>
+            </a:extLst>
+          </p:cNvPr>
+          <p:cNvSpPr/>
+          <p:nvPr/>
+        </p:nvSpPr>
+        <p:spPr>
+          <a:xfrm>
+            <a:off x="913687" y="2627415"/>
+            <a:ext cx="2798938" cy="923330"/>
+          </a:xfrm>
+          <a:prstGeom prst="rect">
+            <a:avLst/>
+          </a:prstGeom>
+        </p:spPr>
+        <p:txBody>
+          <a:bodyPr wrap="square">
+            <a:spAutoFit/>
+          </a:bodyPr>
+          <a:lstStyle/>
+          <a:p>
+            <a:r>
+              <a:rPr lang="zh-CN" altLang="en-US" dirty="0"/>
+              <a:t>反编译后在其中一个</a:t>
+            </a:r>
+            <a:r>
+              <a:rPr lang="en-US" altLang="zh-CN" dirty="0" err="1"/>
+              <a:t>dex</a:t>
+            </a:r>
+            <a:r>
+              <a:rPr lang="zh-CN" altLang="en-US" dirty="0"/>
+              <a:t>文件中找到了应用本身的</a:t>
+            </a:r>
+            <a:endParaRPr lang="en-US" altLang="zh-CN" dirty="0"/>
+          </a:p>
+          <a:p>
+            <a:r>
+              <a:rPr lang="zh-CN" altLang="en-US" dirty="0"/>
+              <a:t>代码</a:t>
+            </a:r>
+          </a:p>
+        </p:txBody>
+      </p:sp>
     </p:spTree>
     <p:extLst>
       <p:ext uri="{BB962C8B-B14F-4D97-AF65-F5344CB8AC3E}">
@@ -18096,14 +24495,72 @@
         </p:blipFill>
         <p:spPr>
           <a:xfrm>
-            <a:off x="2507757" y="1484792"/>
-            <a:ext cx="6786969" cy="4342263"/>
+            <a:off x="1543050" y="1875188"/>
+            <a:ext cx="6619875" cy="4235357"/>
           </a:xfrm>
           <a:prstGeom prst="rect">
             <a:avLst/>
           </a:prstGeom>
         </p:spPr>
       </p:pic>
+      <p:sp>
+        <p:nvSpPr>
+          <p:cNvPr id="5" name="矩形 4">
+            <a:extLst>
+              <a:ext uri="{FF2B5EF4-FFF2-40B4-BE49-F238E27FC236}">
+                <a16:creationId xmlns:a16="http://schemas.microsoft.com/office/drawing/2014/main" id="{1F85289A-74DF-4A8D-8EF0-F913E49147B8}"/>
+              </a:ext>
+            </a:extLst>
+          </p:cNvPr>
+          <p:cNvSpPr/>
+          <p:nvPr/>
+        </p:nvSpPr>
+        <p:spPr>
+          <a:xfrm>
+            <a:off x="1469531" y="961513"/>
+            <a:ext cx="8541243" cy="646331"/>
+          </a:xfrm>
+          <a:prstGeom prst="rect">
+            <a:avLst/>
+          </a:prstGeom>
+        </p:spPr>
+        <p:txBody>
+          <a:bodyPr wrap="square">
+            <a:spAutoFit/>
+          </a:bodyPr>
+          <a:lstStyle/>
+          <a:p>
+            <a:r>
+              <a:rPr lang="zh-CN" altLang="en-US" dirty="0"/>
+              <a:t>设置性能测试应用执行同一个</a:t>
+            </a:r>
+            <a:r>
+              <a:rPr lang="en-US" altLang="zh-CN" dirty="0"/>
+              <a:t>Java</a:t>
+            </a:r>
+            <a:r>
+              <a:rPr lang="zh-CN" altLang="en-US" dirty="0"/>
+              <a:t>方法</a:t>
+            </a:r>
+            <a:r>
+              <a:rPr lang="en-US" altLang="zh-CN" dirty="0"/>
+              <a:t>10000</a:t>
+            </a:r>
+            <a:r>
+              <a:rPr lang="zh-CN" altLang="en-US" dirty="0"/>
+              <a:t>次， 在不同测试环境下</a:t>
+            </a:r>
+            <a:r>
+              <a:rPr lang="en-US" altLang="zh-CN" dirty="0"/>
+              <a:t>10</a:t>
+            </a:r>
+            <a:r>
+              <a:rPr lang="zh-CN" altLang="en-US" dirty="0"/>
+              <a:t>次测量的平均值如图所示</a:t>
+            </a:r>
+          </a:p>
+        </p:txBody>
+      </p:sp>
     </p:spTree>
     <p:extLst>
       <p:ext uri="{BB962C8B-B14F-4D97-AF65-F5344CB8AC3E}">
@@ -19729,18 +26186,6 @@
               </a:rPr>
               <a:t>、今后的工作</a:t>
             </a:r>
-            <a:r>
-              <a:rPr lang="en-US" altLang="zh-CN" sz="2800" b="1" dirty="0">
-                <a:latin typeface="微软雅黑" pitchFamily="34" charset="-122"/>
-              </a:rPr>
-              <a:t>--</a:t>
-            </a:r>
-            <a:r>
-              <a:rPr lang="zh-CN" altLang="en-US" sz="2800" b="1" dirty="0">
-                <a:latin typeface="微软雅黑" pitchFamily="34" charset="-122"/>
-              </a:rPr>
-              <a:t>系统不足</a:t>
-            </a:r>
           </a:p>
         </p:txBody>
       </p:sp>
@@ -19764,6 +26209,90 @@
               <a:t>34</a:t>
             </a:fld>
             <a:endParaRPr lang="zh-CN" altLang="en-US" dirty="0"/>
+          </a:p>
+        </p:txBody>
+      </p:sp>
+      <p:sp>
+        <p:nvSpPr>
+          <p:cNvPr id="2" name="矩形 1">
+            <a:extLst>
+              <a:ext uri="{FF2B5EF4-FFF2-40B4-BE49-F238E27FC236}">
+                <a16:creationId xmlns:a16="http://schemas.microsoft.com/office/drawing/2014/main" id="{3D181A0F-E836-4D59-979D-43D9CBF3B97C}"/>
+              </a:ext>
+            </a:extLst>
+          </p:cNvPr>
+          <p:cNvSpPr/>
+          <p:nvPr/>
+        </p:nvSpPr>
+        <p:spPr>
+          <a:xfrm>
+            <a:off x="1209674" y="1465213"/>
+            <a:ext cx="9363075" cy="3781548"/>
+          </a:xfrm>
+          <a:prstGeom prst="rect">
+            <a:avLst/>
+          </a:prstGeom>
+        </p:spPr>
+        <p:txBody>
+          <a:bodyPr wrap="square">
+            <a:spAutoFit/>
+          </a:bodyPr>
+          <a:lstStyle/>
+          <a:p>
+            <a:pPr marL="342900" indent="-342900">
+              <a:lnSpc>
+                <a:spcPct val="150000"/>
+              </a:lnSpc>
+              <a:buAutoNum type="arabicPeriod"/>
+            </a:pPr>
+            <a:r>
+              <a:rPr lang="zh-CN" altLang="en-US" dirty="0"/>
+              <a:t>本系统使用 Frida 框架对本地函数调用进行监控, 而 Frida 框架的稳定性不够 好,hook某些函数如dlopen时会导致应用崩溃,并且难以对所有的本地函数调用序 列进行监控,下一步计划使用ptrace系统调用来构建本地层的监控功能。 </a:t>
+            </a:r>
+            <a:endParaRPr lang="en-US" altLang="zh-CN" dirty="0"/>
+          </a:p>
+          <a:p>
+            <a:pPr marL="342900" indent="-342900">
+              <a:lnSpc>
+                <a:spcPct val="150000"/>
+              </a:lnSpc>
+              <a:buAutoNum type="arabicPeriod"/>
+            </a:pPr>
+            <a:endParaRPr lang="en-US" altLang="zh-CN" dirty="0"/>
+          </a:p>
+          <a:p>
+            <a:pPr marL="342900" indent="-342900">
+              <a:lnSpc>
+                <a:spcPct val="150000"/>
+              </a:lnSpc>
+              <a:buAutoNum type="arabicPeriod"/>
+            </a:pPr>
+            <a:r>
+              <a:rPr lang="zh-CN" altLang="en-US" dirty="0"/>
+              <a:t>本系统没有对监控到的 Java 方法的参数和返回值进行解析, 下一步计划加入 解析参数和返回值的功能。 </a:t>
+            </a:r>
+            <a:endParaRPr lang="en-US" altLang="zh-CN" dirty="0"/>
+          </a:p>
+          <a:p>
+            <a:pPr marL="342900" indent="-342900">
+              <a:lnSpc>
+                <a:spcPct val="150000"/>
+              </a:lnSpc>
+              <a:buAutoNum type="arabicPeriod"/>
+            </a:pPr>
+            <a:endParaRPr lang="en-US" altLang="zh-CN" dirty="0"/>
+          </a:p>
+          <a:p>
+            <a:pPr marL="342900" indent="-342900">
+              <a:lnSpc>
+                <a:spcPct val="150000"/>
+              </a:lnSpc>
+              <a:buAutoNum type="arabicPeriod"/>
+            </a:pPr>
+            <a:r>
+              <a:rPr lang="zh-CN" altLang="en-US" dirty="0"/>
+              <a:t>本系统产生的 Java 调用日志数量众多且不易阅读, 下一步计划加入有效的过 滤机制减少日志数量输入更有效的日志记录。</a:t>
+            </a:r>
           </a:p>
         </p:txBody>
       </p:sp>

--- a/ppt/移动应用的动态行为捕获.pptx
+++ b/ppt/移动应用的动态行为捕获.pptx
@@ -20570,6 +20570,76 @@
           </a:fontRef>
         </p:style>
       </p:cxnSp>
+      <p:sp>
+        <p:nvSpPr>
+          <p:cNvPr id="23" name="文本框 22">
+            <a:extLst>
+              <a:ext uri="{FF2B5EF4-FFF2-40B4-BE49-F238E27FC236}">
+                <a16:creationId xmlns:a16="http://schemas.microsoft.com/office/drawing/2014/main" id="{2DA124D1-21A5-4487-A55D-E94482B1963B}"/>
+              </a:ext>
+            </a:extLst>
+          </p:cNvPr>
+          <p:cNvSpPr txBox="1"/>
+          <p:nvPr/>
+        </p:nvSpPr>
+        <p:spPr>
+          <a:xfrm>
+            <a:off x="7854070" y="2518108"/>
+            <a:ext cx="676278" cy="369332"/>
+          </a:xfrm>
+          <a:prstGeom prst="rect">
+            <a:avLst/>
+          </a:prstGeom>
+          <a:noFill/>
+        </p:spPr>
+        <p:txBody>
+          <a:bodyPr wrap="square" rtlCol="0">
+            <a:spAutoFit/>
+          </a:bodyPr>
+          <a:lstStyle/>
+          <a:p>
+            <a:r>
+              <a:rPr lang="zh-CN" altLang="en-US" dirty="0"/>
+              <a:t>分配</a:t>
+            </a:r>
+          </a:p>
+        </p:txBody>
+      </p:sp>
+      <p:sp>
+        <p:nvSpPr>
+          <p:cNvPr id="24" name="文本框 23">
+            <a:extLst>
+              <a:ext uri="{FF2B5EF4-FFF2-40B4-BE49-F238E27FC236}">
+                <a16:creationId xmlns:a16="http://schemas.microsoft.com/office/drawing/2014/main" id="{08F29D1D-17D8-4E17-A77C-2B273CAFF8B8}"/>
+              </a:ext>
+            </a:extLst>
+          </p:cNvPr>
+          <p:cNvSpPr txBox="1"/>
+          <p:nvPr/>
+        </p:nvSpPr>
+        <p:spPr>
+          <a:xfrm>
+            <a:off x="9311395" y="5053728"/>
+            <a:ext cx="676278" cy="369332"/>
+          </a:xfrm>
+          <a:prstGeom prst="rect">
+            <a:avLst/>
+          </a:prstGeom>
+          <a:noFill/>
+        </p:spPr>
+        <p:txBody>
+          <a:bodyPr wrap="square" rtlCol="0">
+            <a:spAutoFit/>
+          </a:bodyPr>
+          <a:lstStyle/>
+          <a:p>
+            <a:r>
+              <a:rPr lang="zh-CN" altLang="en-US" dirty="0"/>
+              <a:t>创建</a:t>
+            </a:r>
+          </a:p>
+        </p:txBody>
+      </p:sp>
     </p:spTree>
     <p:extLst>
       <p:ext uri="{BB962C8B-B14F-4D97-AF65-F5344CB8AC3E}">
@@ -26411,7 +26481,7 @@
                   <a:schemeClr val="bg1"/>
                 </a:solidFill>
               </a:rPr>
-              <a:t>   </a:t>
+              <a:t>请各位老师点评指正   </a:t>
             </a:r>
           </a:p>
         </p:txBody>
